--- a/RaidStand-15.01.24.pptx
+++ b/RaidStand-15.01.24.pptx
@@ -5,10 +5,10 @@
     <p:sldMasterId id="2147483666" r:id="rId4"/>
   </p:sldMasterIdLst>
   <p:notesMasterIdLst>
-    <p:notesMasterId r:id="rId23"/>
+    <p:notesMasterId r:id="rId25"/>
   </p:notesMasterIdLst>
   <p:handoutMasterIdLst>
-    <p:handoutMasterId r:id="rId24"/>
+    <p:handoutMasterId r:id="rId26"/>
   </p:handoutMasterIdLst>
   <p:sldIdLst>
     <p:sldId id="256" r:id="rId5"/>
@@ -16,19 +16,21 @@
     <p:sldId id="300" r:id="rId7"/>
     <p:sldId id="301" r:id="rId8"/>
     <p:sldId id="302" r:id="rId9"/>
-    <p:sldId id="303" r:id="rId10"/>
+    <p:sldId id="310" r:id="rId10"/>
     <p:sldId id="291" r:id="rId11"/>
     <p:sldId id="295" r:id="rId12"/>
     <p:sldId id="296" r:id="rId13"/>
     <p:sldId id="299" r:id="rId14"/>
     <p:sldId id="298" r:id="rId15"/>
-    <p:sldId id="304" r:id="rId16"/>
-    <p:sldId id="292" r:id="rId17"/>
-    <p:sldId id="305" r:id="rId18"/>
-    <p:sldId id="293" r:id="rId19"/>
-    <p:sldId id="306" r:id="rId20"/>
-    <p:sldId id="294" r:id="rId21"/>
-    <p:sldId id="270" r:id="rId22"/>
+    <p:sldId id="311" r:id="rId16"/>
+    <p:sldId id="307" r:id="rId17"/>
+    <p:sldId id="312" r:id="rId18"/>
+    <p:sldId id="308" r:id="rId19"/>
+    <p:sldId id="313" r:id="rId20"/>
+    <p:sldId id="297" r:id="rId21"/>
+    <p:sldId id="314" r:id="rId22"/>
+    <p:sldId id="315" r:id="rId23"/>
+    <p:sldId id="270" r:id="rId24"/>
   </p:sldIdLst>
   <p:sldSz cx="12192000" cy="6858000"/>
   <p:notesSz cx="6858000" cy="9144000"/>
@@ -1122,78 +1124,19 @@
           <a:bodyPr/>
           <a:lstStyle/>
           <a:p>
-            <a:pPr marL="0" marR="0" lvl="0" indent="0" algn="r" defTabSz="914400" rtl="0" eaLnBrk="1" fontAlgn="auto" latinLnBrk="0" hangingPunct="1">
-              <a:lnSpc>
-                <a:spcPct val="100000"/>
-              </a:lnSpc>
-              <a:spcBef>
-                <a:spcPts val="0"/>
-              </a:spcBef>
-              <a:spcAft>
-                <a:spcPts val="0"/>
-              </a:spcAft>
-              <a:buClrTx/>
-              <a:buSzTx/>
-              <a:buFontTx/>
-              <a:buNone/>
-              <a:tabLst/>
-              <a:defRPr/>
-            </a:pPr>
+            <a:pPr rtl="0"/>
             <a:fld id="{D4B9A9E5-4F7F-4A7D-9DE1-899232329269}" type="slidenum">
-              <a:rPr kumimoji="0" lang="de-DE" sz="1200" b="0" i="0" u="none" strike="noStrike" kern="1200" cap="none" spc="0" normalizeH="0" baseline="0" noProof="0" smtClean="0">
-                <a:ln>
-                  <a:noFill/>
-                </a:ln>
-                <a:solidFill>
-                  <a:prstClr val="black"/>
-                </a:solidFill>
-                <a:effectLst/>
-                <a:uLnTx/>
-                <a:uFillTx/>
-                <a:latin typeface="Calibri" panose="020F0502020204030204"/>
-                <a:ea typeface="+mn-ea"/>
-                <a:cs typeface="+mn-cs"/>
-              </a:rPr>
-              <a:pPr marL="0" marR="0" lvl="0" indent="0" algn="r" defTabSz="914400" rtl="0" eaLnBrk="1" fontAlgn="auto" latinLnBrk="0" hangingPunct="1">
-                <a:lnSpc>
-                  <a:spcPct val="100000"/>
-                </a:lnSpc>
-                <a:spcBef>
-                  <a:spcPts val="0"/>
-                </a:spcBef>
-                <a:spcAft>
-                  <a:spcPts val="0"/>
-                </a:spcAft>
-                <a:buClrTx/>
-                <a:buSzTx/>
-                <a:buFontTx/>
-                <a:buNone/>
-                <a:tabLst/>
-                <a:defRPr/>
-              </a:pPr>
+              <a:rPr lang="de-DE" smtClean="0"/>
               <a:t>12</a:t>
             </a:fld>
-            <a:endParaRPr kumimoji="0" lang="de-DE" sz="1200" b="0" i="0" u="none" strike="noStrike" kern="1200" cap="none" spc="0" normalizeH="0" baseline="0" noProof="0">
-              <a:ln>
-                <a:noFill/>
-              </a:ln>
-              <a:solidFill>
-                <a:prstClr val="black"/>
-              </a:solidFill>
-              <a:effectLst/>
-              <a:uLnTx/>
-              <a:uFillTx/>
-              <a:latin typeface="Calibri" panose="020F0502020204030204"/>
-              <a:ea typeface="+mn-ea"/>
-              <a:cs typeface="+mn-cs"/>
-            </a:endParaRPr>
+            <a:endParaRPr lang="de-DE"/>
           </a:p>
         </p:txBody>
       </p:sp>
     </p:spTree>
     <p:extLst>
       <p:ext uri="{BB962C8B-B14F-4D97-AF65-F5344CB8AC3E}">
-        <p14:creationId xmlns:p14="http://schemas.microsoft.com/office/powerpoint/2010/main" val="618234837"/>
+        <p14:creationId xmlns:p14="http://schemas.microsoft.com/office/powerpoint/2010/main" val="3485004677"/>
       </p:ext>
     </p:extLst>
   </p:cSld>
@@ -1266,19 +1209,78 @@
           <a:bodyPr/>
           <a:lstStyle/>
           <a:p>
-            <a:pPr rtl="0"/>
+            <a:pPr marL="0" marR="0" lvl="0" indent="0" algn="r" defTabSz="914400" rtl="0" eaLnBrk="1" fontAlgn="auto" latinLnBrk="0" hangingPunct="1">
+              <a:lnSpc>
+                <a:spcPct val="100000"/>
+              </a:lnSpc>
+              <a:spcBef>
+                <a:spcPts val="0"/>
+              </a:spcBef>
+              <a:spcAft>
+                <a:spcPts val="0"/>
+              </a:spcAft>
+              <a:buClrTx/>
+              <a:buSzTx/>
+              <a:buFontTx/>
+              <a:buNone/>
+              <a:tabLst/>
+              <a:defRPr/>
+            </a:pPr>
             <a:fld id="{D4B9A9E5-4F7F-4A7D-9DE1-899232329269}" type="slidenum">
-              <a:rPr lang="de-DE" smtClean="0"/>
+              <a:rPr kumimoji="0" lang="de-DE" sz="1200" b="0" i="0" u="none" strike="noStrike" kern="1200" cap="none" spc="0" normalizeH="0" baseline="0" noProof="0" smtClean="0">
+                <a:ln>
+                  <a:noFill/>
+                </a:ln>
+                <a:solidFill>
+                  <a:prstClr val="black"/>
+                </a:solidFill>
+                <a:effectLst/>
+                <a:uLnTx/>
+                <a:uFillTx/>
+                <a:latin typeface="Calibri" panose="020F0502020204030204"/>
+                <a:ea typeface="+mn-ea"/>
+                <a:cs typeface="+mn-cs"/>
+              </a:rPr>
+              <a:pPr marL="0" marR="0" lvl="0" indent="0" algn="r" defTabSz="914400" rtl="0" eaLnBrk="1" fontAlgn="auto" latinLnBrk="0" hangingPunct="1">
+                <a:lnSpc>
+                  <a:spcPct val="100000"/>
+                </a:lnSpc>
+                <a:spcBef>
+                  <a:spcPts val="0"/>
+                </a:spcBef>
+                <a:spcAft>
+                  <a:spcPts val="0"/>
+                </a:spcAft>
+                <a:buClrTx/>
+                <a:buSzTx/>
+                <a:buFontTx/>
+                <a:buNone/>
+                <a:tabLst/>
+                <a:defRPr/>
+              </a:pPr>
               <a:t>13</a:t>
             </a:fld>
-            <a:endParaRPr lang="de-DE"/>
+            <a:endParaRPr kumimoji="0" lang="de-DE" sz="1200" b="0" i="0" u="none" strike="noStrike" kern="1200" cap="none" spc="0" normalizeH="0" baseline="0" noProof="0">
+              <a:ln>
+                <a:noFill/>
+              </a:ln>
+              <a:solidFill>
+                <a:prstClr val="black"/>
+              </a:solidFill>
+              <a:effectLst/>
+              <a:uLnTx/>
+              <a:uFillTx/>
+              <a:latin typeface="Calibri" panose="020F0502020204030204"/>
+              <a:ea typeface="+mn-ea"/>
+              <a:cs typeface="+mn-cs"/>
+            </a:endParaRPr>
           </a:p>
         </p:txBody>
       </p:sp>
     </p:spTree>
     <p:extLst>
       <p:ext uri="{BB962C8B-B14F-4D97-AF65-F5344CB8AC3E}">
-        <p14:creationId xmlns:p14="http://schemas.microsoft.com/office/powerpoint/2010/main" val="3471820651"/>
+        <p14:creationId xmlns:p14="http://schemas.microsoft.com/office/powerpoint/2010/main" val="2262282548"/>
       </p:ext>
     </p:extLst>
   </p:cSld>
@@ -1351,78 +1353,19 @@
           <a:bodyPr/>
           <a:lstStyle/>
           <a:p>
-            <a:pPr marL="0" marR="0" lvl="0" indent="0" algn="r" defTabSz="914400" rtl="0" eaLnBrk="1" fontAlgn="auto" latinLnBrk="0" hangingPunct="1">
-              <a:lnSpc>
-                <a:spcPct val="100000"/>
-              </a:lnSpc>
-              <a:spcBef>
-                <a:spcPts val="0"/>
-              </a:spcBef>
-              <a:spcAft>
-                <a:spcPts val="0"/>
-              </a:spcAft>
-              <a:buClrTx/>
-              <a:buSzTx/>
-              <a:buFontTx/>
-              <a:buNone/>
-              <a:tabLst/>
-              <a:defRPr/>
-            </a:pPr>
+            <a:pPr rtl="0"/>
             <a:fld id="{D4B9A9E5-4F7F-4A7D-9DE1-899232329269}" type="slidenum">
-              <a:rPr kumimoji="0" lang="de-DE" sz="1200" b="0" i="0" u="none" strike="noStrike" kern="1200" cap="none" spc="0" normalizeH="0" baseline="0" noProof="0" smtClean="0">
-                <a:ln>
-                  <a:noFill/>
-                </a:ln>
-                <a:solidFill>
-                  <a:prstClr val="black"/>
-                </a:solidFill>
-                <a:effectLst/>
-                <a:uLnTx/>
-                <a:uFillTx/>
-                <a:latin typeface="Calibri" panose="020F0502020204030204"/>
-                <a:ea typeface="+mn-ea"/>
-                <a:cs typeface="+mn-cs"/>
-              </a:rPr>
-              <a:pPr marL="0" marR="0" lvl="0" indent="0" algn="r" defTabSz="914400" rtl="0" eaLnBrk="1" fontAlgn="auto" latinLnBrk="0" hangingPunct="1">
-                <a:lnSpc>
-                  <a:spcPct val="100000"/>
-                </a:lnSpc>
-                <a:spcBef>
-                  <a:spcPts val="0"/>
-                </a:spcBef>
-                <a:spcAft>
-                  <a:spcPts val="0"/>
-                </a:spcAft>
-                <a:buClrTx/>
-                <a:buSzTx/>
-                <a:buFontTx/>
-                <a:buNone/>
-                <a:tabLst/>
-                <a:defRPr/>
-              </a:pPr>
+              <a:rPr lang="de-DE" smtClean="0"/>
               <a:t>14</a:t>
             </a:fld>
-            <a:endParaRPr kumimoji="0" lang="de-DE" sz="1200" b="0" i="0" u="none" strike="noStrike" kern="1200" cap="none" spc="0" normalizeH="0" baseline="0" noProof="0">
-              <a:ln>
-                <a:noFill/>
-              </a:ln>
-              <a:solidFill>
-                <a:prstClr val="black"/>
-              </a:solidFill>
-              <a:effectLst/>
-              <a:uLnTx/>
-              <a:uFillTx/>
-              <a:latin typeface="Calibri" panose="020F0502020204030204"/>
-              <a:ea typeface="+mn-ea"/>
-              <a:cs typeface="+mn-cs"/>
-            </a:endParaRPr>
+            <a:endParaRPr lang="de-DE"/>
           </a:p>
         </p:txBody>
       </p:sp>
     </p:spTree>
     <p:extLst>
       <p:ext uri="{BB962C8B-B14F-4D97-AF65-F5344CB8AC3E}">
-        <p14:creationId xmlns:p14="http://schemas.microsoft.com/office/powerpoint/2010/main" val="3831231601"/>
+        <p14:creationId xmlns:p14="http://schemas.microsoft.com/office/powerpoint/2010/main" val="1748030780"/>
       </p:ext>
     </p:extLst>
   </p:cSld>
@@ -1495,19 +1438,78 @@
           <a:bodyPr/>
           <a:lstStyle/>
           <a:p>
-            <a:pPr rtl="0"/>
+            <a:pPr marL="0" marR="0" lvl="0" indent="0" algn="r" defTabSz="914400" rtl="0" eaLnBrk="1" fontAlgn="auto" latinLnBrk="0" hangingPunct="1">
+              <a:lnSpc>
+                <a:spcPct val="100000"/>
+              </a:lnSpc>
+              <a:spcBef>
+                <a:spcPts val="0"/>
+              </a:spcBef>
+              <a:spcAft>
+                <a:spcPts val="0"/>
+              </a:spcAft>
+              <a:buClrTx/>
+              <a:buSzTx/>
+              <a:buFontTx/>
+              <a:buNone/>
+              <a:tabLst/>
+              <a:defRPr/>
+            </a:pPr>
             <a:fld id="{D4B9A9E5-4F7F-4A7D-9DE1-899232329269}" type="slidenum">
-              <a:rPr lang="de-DE" smtClean="0"/>
+              <a:rPr kumimoji="0" lang="de-DE" sz="1200" b="0" i="0" u="none" strike="noStrike" kern="1200" cap="none" spc="0" normalizeH="0" baseline="0" noProof="0" smtClean="0">
+                <a:ln>
+                  <a:noFill/>
+                </a:ln>
+                <a:solidFill>
+                  <a:prstClr val="black"/>
+                </a:solidFill>
+                <a:effectLst/>
+                <a:uLnTx/>
+                <a:uFillTx/>
+                <a:latin typeface="Calibri" panose="020F0502020204030204"/>
+                <a:ea typeface="+mn-ea"/>
+                <a:cs typeface="+mn-cs"/>
+              </a:rPr>
+              <a:pPr marL="0" marR="0" lvl="0" indent="0" algn="r" defTabSz="914400" rtl="0" eaLnBrk="1" fontAlgn="auto" latinLnBrk="0" hangingPunct="1">
+                <a:lnSpc>
+                  <a:spcPct val="100000"/>
+                </a:lnSpc>
+                <a:spcBef>
+                  <a:spcPts val="0"/>
+                </a:spcBef>
+                <a:spcAft>
+                  <a:spcPts val="0"/>
+                </a:spcAft>
+                <a:buClrTx/>
+                <a:buSzTx/>
+                <a:buFontTx/>
+                <a:buNone/>
+                <a:tabLst/>
+                <a:defRPr/>
+              </a:pPr>
               <a:t>15</a:t>
             </a:fld>
-            <a:endParaRPr lang="de-DE"/>
+            <a:endParaRPr kumimoji="0" lang="de-DE" sz="1200" b="0" i="0" u="none" strike="noStrike" kern="1200" cap="none" spc="0" normalizeH="0" baseline="0" noProof="0">
+              <a:ln>
+                <a:noFill/>
+              </a:ln>
+              <a:solidFill>
+                <a:prstClr val="black"/>
+              </a:solidFill>
+              <a:effectLst/>
+              <a:uLnTx/>
+              <a:uFillTx/>
+              <a:latin typeface="Calibri" panose="020F0502020204030204"/>
+              <a:ea typeface="+mn-ea"/>
+              <a:cs typeface="+mn-cs"/>
+            </a:endParaRPr>
           </a:p>
         </p:txBody>
       </p:sp>
     </p:spTree>
     <p:extLst>
       <p:ext uri="{BB962C8B-B14F-4D97-AF65-F5344CB8AC3E}">
-        <p14:creationId xmlns:p14="http://schemas.microsoft.com/office/powerpoint/2010/main" val="3097408918"/>
+        <p14:creationId xmlns:p14="http://schemas.microsoft.com/office/powerpoint/2010/main" val="3647744645"/>
       </p:ext>
     </p:extLst>
   </p:cSld>
@@ -1580,78 +1582,19 @@
           <a:bodyPr/>
           <a:lstStyle/>
           <a:p>
-            <a:pPr marL="0" marR="0" lvl="0" indent="0" algn="r" defTabSz="914400" rtl="0" eaLnBrk="1" fontAlgn="auto" latinLnBrk="0" hangingPunct="1">
-              <a:lnSpc>
-                <a:spcPct val="100000"/>
-              </a:lnSpc>
-              <a:spcBef>
-                <a:spcPts val="0"/>
-              </a:spcBef>
-              <a:spcAft>
-                <a:spcPts val="0"/>
-              </a:spcAft>
-              <a:buClrTx/>
-              <a:buSzTx/>
-              <a:buFontTx/>
-              <a:buNone/>
-              <a:tabLst/>
-              <a:defRPr/>
-            </a:pPr>
+            <a:pPr rtl="0"/>
             <a:fld id="{D4B9A9E5-4F7F-4A7D-9DE1-899232329269}" type="slidenum">
-              <a:rPr kumimoji="0" lang="de-DE" sz="1200" b="0" i="0" u="none" strike="noStrike" kern="1200" cap="none" spc="0" normalizeH="0" baseline="0" noProof="0" smtClean="0">
-                <a:ln>
-                  <a:noFill/>
-                </a:ln>
-                <a:solidFill>
-                  <a:prstClr val="black"/>
-                </a:solidFill>
-                <a:effectLst/>
-                <a:uLnTx/>
-                <a:uFillTx/>
-                <a:latin typeface="Calibri" panose="020F0502020204030204"/>
-                <a:ea typeface="+mn-ea"/>
-                <a:cs typeface="+mn-cs"/>
-              </a:rPr>
-              <a:pPr marL="0" marR="0" lvl="0" indent="0" algn="r" defTabSz="914400" rtl="0" eaLnBrk="1" fontAlgn="auto" latinLnBrk="0" hangingPunct="1">
-                <a:lnSpc>
-                  <a:spcPct val="100000"/>
-                </a:lnSpc>
-                <a:spcBef>
-                  <a:spcPts val="0"/>
-                </a:spcBef>
-                <a:spcAft>
-                  <a:spcPts val="0"/>
-                </a:spcAft>
-                <a:buClrTx/>
-                <a:buSzTx/>
-                <a:buFontTx/>
-                <a:buNone/>
-                <a:tabLst/>
-                <a:defRPr/>
-              </a:pPr>
+              <a:rPr lang="de-DE" smtClean="0"/>
               <a:t>16</a:t>
             </a:fld>
-            <a:endParaRPr kumimoji="0" lang="de-DE" sz="1200" b="0" i="0" u="none" strike="noStrike" kern="1200" cap="none" spc="0" normalizeH="0" baseline="0" noProof="0">
-              <a:ln>
-                <a:noFill/>
-              </a:ln>
-              <a:solidFill>
-                <a:prstClr val="black"/>
-              </a:solidFill>
-              <a:effectLst/>
-              <a:uLnTx/>
-              <a:uFillTx/>
-              <a:latin typeface="Calibri" panose="020F0502020204030204"/>
-              <a:ea typeface="+mn-ea"/>
-              <a:cs typeface="+mn-cs"/>
-            </a:endParaRPr>
+            <a:endParaRPr lang="de-DE"/>
           </a:p>
         </p:txBody>
       </p:sp>
     </p:spTree>
     <p:extLst>
       <p:ext uri="{BB962C8B-B14F-4D97-AF65-F5344CB8AC3E}">
-        <p14:creationId xmlns:p14="http://schemas.microsoft.com/office/powerpoint/2010/main" val="1455337462"/>
+        <p14:creationId xmlns:p14="http://schemas.microsoft.com/office/powerpoint/2010/main" val="3135496549"/>
       </p:ext>
     </p:extLst>
   </p:cSld>
@@ -1724,19 +1667,78 @@
           <a:bodyPr/>
           <a:lstStyle/>
           <a:p>
-            <a:pPr rtl="0"/>
+            <a:pPr marL="0" marR="0" lvl="0" indent="0" algn="r" defTabSz="914400" rtl="0" eaLnBrk="1" fontAlgn="auto" latinLnBrk="0" hangingPunct="1">
+              <a:lnSpc>
+                <a:spcPct val="100000"/>
+              </a:lnSpc>
+              <a:spcBef>
+                <a:spcPts val="0"/>
+              </a:spcBef>
+              <a:spcAft>
+                <a:spcPts val="0"/>
+              </a:spcAft>
+              <a:buClrTx/>
+              <a:buSzTx/>
+              <a:buFontTx/>
+              <a:buNone/>
+              <a:tabLst/>
+              <a:defRPr/>
+            </a:pPr>
             <a:fld id="{D4B9A9E5-4F7F-4A7D-9DE1-899232329269}" type="slidenum">
-              <a:rPr lang="de-DE" smtClean="0"/>
+              <a:rPr kumimoji="0" lang="de-DE" sz="1200" b="0" i="0" u="none" strike="noStrike" kern="1200" cap="none" spc="0" normalizeH="0" baseline="0" noProof="0" smtClean="0">
+                <a:ln>
+                  <a:noFill/>
+                </a:ln>
+                <a:solidFill>
+                  <a:prstClr val="black"/>
+                </a:solidFill>
+                <a:effectLst/>
+                <a:uLnTx/>
+                <a:uFillTx/>
+                <a:latin typeface="Calibri" panose="020F0502020204030204"/>
+                <a:ea typeface="+mn-ea"/>
+                <a:cs typeface="+mn-cs"/>
+              </a:rPr>
+              <a:pPr marL="0" marR="0" lvl="0" indent="0" algn="r" defTabSz="914400" rtl="0" eaLnBrk="1" fontAlgn="auto" latinLnBrk="0" hangingPunct="1">
+                <a:lnSpc>
+                  <a:spcPct val="100000"/>
+                </a:lnSpc>
+                <a:spcBef>
+                  <a:spcPts val="0"/>
+                </a:spcBef>
+                <a:spcAft>
+                  <a:spcPts val="0"/>
+                </a:spcAft>
+                <a:buClrTx/>
+                <a:buSzTx/>
+                <a:buFontTx/>
+                <a:buNone/>
+                <a:tabLst/>
+                <a:defRPr/>
+              </a:pPr>
               <a:t>17</a:t>
             </a:fld>
-            <a:endParaRPr lang="de-DE"/>
+            <a:endParaRPr kumimoji="0" lang="de-DE" sz="1200" b="0" i="0" u="none" strike="noStrike" kern="1200" cap="none" spc="0" normalizeH="0" baseline="0" noProof="0">
+              <a:ln>
+                <a:noFill/>
+              </a:ln>
+              <a:solidFill>
+                <a:prstClr val="black"/>
+              </a:solidFill>
+              <a:effectLst/>
+              <a:uLnTx/>
+              <a:uFillTx/>
+              <a:latin typeface="Calibri" panose="020F0502020204030204"/>
+              <a:ea typeface="+mn-ea"/>
+              <a:cs typeface="+mn-cs"/>
+            </a:endParaRPr>
           </a:p>
         </p:txBody>
       </p:sp>
     </p:spTree>
     <p:extLst>
       <p:ext uri="{BB962C8B-B14F-4D97-AF65-F5344CB8AC3E}">
-        <p14:creationId xmlns:p14="http://schemas.microsoft.com/office/powerpoint/2010/main" val="147444709"/>
+        <p14:creationId xmlns:p14="http://schemas.microsoft.com/office/powerpoint/2010/main" val="2266974723"/>
       </p:ext>
     </p:extLst>
   </p:cSld>
@@ -1809,19 +1811,222 @@
           <a:bodyPr/>
           <a:lstStyle/>
           <a:p>
-            <a:pPr rtl="0"/>
+            <a:pPr marL="0" marR="0" lvl="0" indent="0" algn="r" defTabSz="914400" rtl="0" eaLnBrk="1" fontAlgn="auto" latinLnBrk="0" hangingPunct="1">
+              <a:lnSpc>
+                <a:spcPct val="100000"/>
+              </a:lnSpc>
+              <a:spcBef>
+                <a:spcPts val="0"/>
+              </a:spcBef>
+              <a:spcAft>
+                <a:spcPts val="0"/>
+              </a:spcAft>
+              <a:buClrTx/>
+              <a:buSzTx/>
+              <a:buFontTx/>
+              <a:buNone/>
+              <a:tabLst/>
+              <a:defRPr/>
+            </a:pPr>
             <a:fld id="{D4B9A9E5-4F7F-4A7D-9DE1-899232329269}" type="slidenum">
-              <a:rPr lang="de-DE" smtClean="0"/>
+              <a:rPr kumimoji="0" lang="de-DE" sz="1200" b="0" i="0" u="none" strike="noStrike" kern="1200" cap="none" spc="0" normalizeH="0" baseline="0" noProof="0" smtClean="0">
+                <a:ln>
+                  <a:noFill/>
+                </a:ln>
+                <a:solidFill>
+                  <a:prstClr val="black"/>
+                </a:solidFill>
+                <a:effectLst/>
+                <a:uLnTx/>
+                <a:uFillTx/>
+                <a:latin typeface="Calibri" panose="020F0502020204030204"/>
+                <a:ea typeface="+mn-ea"/>
+                <a:cs typeface="+mn-cs"/>
+              </a:rPr>
+              <a:pPr marL="0" marR="0" lvl="0" indent="0" algn="r" defTabSz="914400" rtl="0" eaLnBrk="1" fontAlgn="auto" latinLnBrk="0" hangingPunct="1">
+                <a:lnSpc>
+                  <a:spcPct val="100000"/>
+                </a:lnSpc>
+                <a:spcBef>
+                  <a:spcPts val="0"/>
+                </a:spcBef>
+                <a:spcAft>
+                  <a:spcPts val="0"/>
+                </a:spcAft>
+                <a:buClrTx/>
+                <a:buSzTx/>
+                <a:buFontTx/>
+                <a:buNone/>
+                <a:tabLst/>
+                <a:defRPr/>
+              </a:pPr>
               <a:t>18</a:t>
             </a:fld>
-            <a:endParaRPr lang="de-DE"/>
+            <a:endParaRPr kumimoji="0" lang="de-DE" sz="1200" b="0" i="0" u="none" strike="noStrike" kern="1200" cap="none" spc="0" normalizeH="0" baseline="0" noProof="0">
+              <a:ln>
+                <a:noFill/>
+              </a:ln>
+              <a:solidFill>
+                <a:prstClr val="black"/>
+              </a:solidFill>
+              <a:effectLst/>
+              <a:uLnTx/>
+              <a:uFillTx/>
+              <a:latin typeface="Calibri" panose="020F0502020204030204"/>
+              <a:ea typeface="+mn-ea"/>
+              <a:cs typeface="+mn-cs"/>
+            </a:endParaRPr>
           </a:p>
         </p:txBody>
       </p:sp>
     </p:spTree>
     <p:extLst>
       <p:ext uri="{BB962C8B-B14F-4D97-AF65-F5344CB8AC3E}">
-        <p14:creationId xmlns:p14="http://schemas.microsoft.com/office/powerpoint/2010/main" val="1229090924"/>
+        <p14:creationId xmlns:p14="http://schemas.microsoft.com/office/powerpoint/2010/main" val="182343450"/>
+      </p:ext>
+    </p:extLst>
+  </p:cSld>
+  <p:clrMapOvr>
+    <a:masterClrMapping/>
+  </p:clrMapOvr>
+</p:notes>
+</file>
+
+<file path=ppt/notesSlides/notesSlide19.xml><?xml version="1.0" encoding="utf-8"?>
+<p:notes xmlns:a="http://schemas.openxmlformats.org/drawingml/2006/main" xmlns:r="http://schemas.openxmlformats.org/officeDocument/2006/relationships" xmlns:p="http://schemas.openxmlformats.org/presentationml/2006/main">
+  <p:cSld>
+    <p:spTree>
+      <p:nvGrpSpPr>
+        <p:cNvPr id="1" name=""/>
+        <p:cNvGrpSpPr/>
+        <p:nvPr/>
+      </p:nvGrpSpPr>
+      <p:grpSpPr>
+        <a:xfrm>
+          <a:off x="0" y="0"/>
+          <a:ext cx="0" cy="0"/>
+          <a:chOff x="0" y="0"/>
+          <a:chExt cx="0" cy="0"/>
+        </a:xfrm>
+      </p:grpSpPr>
+      <p:sp>
+        <p:nvSpPr>
+          <p:cNvPr id="2" name="Folienbildplatzhalter 1"/>
+          <p:cNvSpPr>
+            <a:spLocks noGrp="1" noRot="1" noChangeAspect="1"/>
+          </p:cNvSpPr>
+          <p:nvPr>
+            <p:ph type="sldImg"/>
+          </p:nvPr>
+        </p:nvSpPr>
+        <p:spPr/>
+      </p:sp>
+      <p:sp>
+        <p:nvSpPr>
+          <p:cNvPr id="3" name="Notizenplatzhalter 2"/>
+          <p:cNvSpPr>
+            <a:spLocks noGrp="1"/>
+          </p:cNvSpPr>
+          <p:nvPr>
+            <p:ph type="body" idx="1"/>
+          </p:nvPr>
+        </p:nvSpPr>
+        <p:spPr/>
+        <p:txBody>
+          <a:bodyPr/>
+          <a:lstStyle/>
+          <a:p>
+            <a:endParaRPr lang="de-DE"/>
+          </a:p>
+        </p:txBody>
+      </p:sp>
+      <p:sp>
+        <p:nvSpPr>
+          <p:cNvPr id="4" name="Foliennummernplatzhalter 3"/>
+          <p:cNvSpPr>
+            <a:spLocks noGrp="1"/>
+          </p:cNvSpPr>
+          <p:nvPr>
+            <p:ph type="sldNum" sz="quarter" idx="5"/>
+          </p:nvPr>
+        </p:nvSpPr>
+        <p:spPr/>
+        <p:txBody>
+          <a:bodyPr/>
+          <a:lstStyle/>
+          <a:p>
+            <a:pPr marL="0" marR="0" lvl="0" indent="0" algn="r" defTabSz="914400" rtl="0" eaLnBrk="1" fontAlgn="auto" latinLnBrk="0" hangingPunct="1">
+              <a:lnSpc>
+                <a:spcPct val="100000"/>
+              </a:lnSpc>
+              <a:spcBef>
+                <a:spcPts val="0"/>
+              </a:spcBef>
+              <a:spcAft>
+                <a:spcPts val="0"/>
+              </a:spcAft>
+              <a:buClrTx/>
+              <a:buSzTx/>
+              <a:buFontTx/>
+              <a:buNone/>
+              <a:tabLst/>
+              <a:defRPr/>
+            </a:pPr>
+            <a:fld id="{D4B9A9E5-4F7F-4A7D-9DE1-899232329269}" type="slidenum">
+              <a:rPr kumimoji="0" lang="de-DE" sz="1200" b="0" i="0" u="none" strike="noStrike" kern="1200" cap="none" spc="0" normalizeH="0" baseline="0" noProof="0" smtClean="0">
+                <a:ln>
+                  <a:noFill/>
+                </a:ln>
+                <a:solidFill>
+                  <a:prstClr val="black"/>
+                </a:solidFill>
+                <a:effectLst/>
+                <a:uLnTx/>
+                <a:uFillTx/>
+                <a:latin typeface="Calibri" panose="020F0502020204030204"/>
+                <a:ea typeface="+mn-ea"/>
+                <a:cs typeface="+mn-cs"/>
+              </a:rPr>
+              <a:pPr marL="0" marR="0" lvl="0" indent="0" algn="r" defTabSz="914400" rtl="0" eaLnBrk="1" fontAlgn="auto" latinLnBrk="0" hangingPunct="1">
+                <a:lnSpc>
+                  <a:spcPct val="100000"/>
+                </a:lnSpc>
+                <a:spcBef>
+                  <a:spcPts val="0"/>
+                </a:spcBef>
+                <a:spcAft>
+                  <a:spcPts val="0"/>
+                </a:spcAft>
+                <a:buClrTx/>
+                <a:buSzTx/>
+                <a:buFontTx/>
+                <a:buNone/>
+                <a:tabLst/>
+                <a:defRPr/>
+              </a:pPr>
+              <a:t>19</a:t>
+            </a:fld>
+            <a:endParaRPr kumimoji="0" lang="de-DE" sz="1200" b="0" i="0" u="none" strike="noStrike" kern="1200" cap="none" spc="0" normalizeH="0" baseline="0" noProof="0">
+              <a:ln>
+                <a:noFill/>
+              </a:ln>
+              <a:solidFill>
+                <a:prstClr val="black"/>
+              </a:solidFill>
+              <a:effectLst/>
+              <a:uLnTx/>
+              <a:uFillTx/>
+              <a:latin typeface="Calibri" panose="020F0502020204030204"/>
+              <a:ea typeface="+mn-ea"/>
+              <a:cs typeface="+mn-cs"/>
+            </a:endParaRPr>
+          </a:p>
+        </p:txBody>
+      </p:sp>
+    </p:spTree>
+    <p:extLst>
+      <p:ext uri="{BB962C8B-B14F-4D97-AF65-F5344CB8AC3E}">
+        <p14:creationId xmlns:p14="http://schemas.microsoft.com/office/powerpoint/2010/main" val="2415892929"/>
       </p:ext>
     </p:extLst>
   </p:cSld>
@@ -1907,6 +2112,91 @@
     <p:extLst>
       <p:ext uri="{BB962C8B-B14F-4D97-AF65-F5344CB8AC3E}">
         <p14:creationId xmlns:p14="http://schemas.microsoft.com/office/powerpoint/2010/main" val="1131248021"/>
+      </p:ext>
+    </p:extLst>
+  </p:cSld>
+  <p:clrMapOvr>
+    <a:masterClrMapping/>
+  </p:clrMapOvr>
+</p:notes>
+</file>
+
+<file path=ppt/notesSlides/notesSlide20.xml><?xml version="1.0" encoding="utf-8"?>
+<p:notes xmlns:a="http://schemas.openxmlformats.org/drawingml/2006/main" xmlns:r="http://schemas.openxmlformats.org/officeDocument/2006/relationships" xmlns:p="http://schemas.openxmlformats.org/presentationml/2006/main">
+  <p:cSld>
+    <p:spTree>
+      <p:nvGrpSpPr>
+        <p:cNvPr id="1" name=""/>
+        <p:cNvGrpSpPr/>
+        <p:nvPr/>
+      </p:nvGrpSpPr>
+      <p:grpSpPr>
+        <a:xfrm>
+          <a:off x="0" y="0"/>
+          <a:ext cx="0" cy="0"/>
+          <a:chOff x="0" y="0"/>
+          <a:chExt cx="0" cy="0"/>
+        </a:xfrm>
+      </p:grpSpPr>
+      <p:sp>
+        <p:nvSpPr>
+          <p:cNvPr id="2" name="Folienbildplatzhalter 1"/>
+          <p:cNvSpPr>
+            <a:spLocks noGrp="1" noRot="1" noChangeAspect="1"/>
+          </p:cNvSpPr>
+          <p:nvPr>
+            <p:ph type="sldImg"/>
+          </p:nvPr>
+        </p:nvSpPr>
+        <p:spPr/>
+      </p:sp>
+      <p:sp>
+        <p:nvSpPr>
+          <p:cNvPr id="3" name="Notizenplatzhalter 2"/>
+          <p:cNvSpPr>
+            <a:spLocks noGrp="1"/>
+          </p:cNvSpPr>
+          <p:nvPr>
+            <p:ph type="body" idx="1"/>
+          </p:nvPr>
+        </p:nvSpPr>
+        <p:spPr/>
+        <p:txBody>
+          <a:bodyPr/>
+          <a:lstStyle/>
+          <a:p>
+            <a:endParaRPr lang="de-DE"/>
+          </a:p>
+        </p:txBody>
+      </p:sp>
+      <p:sp>
+        <p:nvSpPr>
+          <p:cNvPr id="4" name="Foliennummernplatzhalter 3"/>
+          <p:cNvSpPr>
+            <a:spLocks noGrp="1"/>
+          </p:cNvSpPr>
+          <p:nvPr>
+            <p:ph type="sldNum" sz="quarter" idx="5"/>
+          </p:nvPr>
+        </p:nvSpPr>
+        <p:spPr/>
+        <p:txBody>
+          <a:bodyPr/>
+          <a:lstStyle/>
+          <a:p>
+            <a:pPr rtl="0"/>
+            <a:fld id="{D4B9A9E5-4F7F-4A7D-9DE1-899232329269}" type="slidenum">
+              <a:rPr lang="de-DE" smtClean="0"/>
+              <a:t>20</a:t>
+            </a:fld>
+            <a:endParaRPr lang="de-DE"/>
+          </a:p>
+        </p:txBody>
+      </p:sp>
+    </p:spTree>
+    <p:extLst>
+      <p:ext uri="{BB962C8B-B14F-4D97-AF65-F5344CB8AC3E}">
+        <p14:creationId xmlns:p14="http://schemas.microsoft.com/office/powerpoint/2010/main" val="1229090924"/>
       </p:ext>
     </p:extLst>
   </p:cSld>
@@ -2411,78 +2701,19 @@
           <a:bodyPr/>
           <a:lstStyle/>
           <a:p>
-            <a:pPr marL="0" marR="0" lvl="0" indent="0" algn="r" defTabSz="914400" rtl="0" eaLnBrk="1" fontAlgn="auto" latinLnBrk="0" hangingPunct="1">
-              <a:lnSpc>
-                <a:spcPct val="100000"/>
-              </a:lnSpc>
-              <a:spcBef>
-                <a:spcPts val="0"/>
-              </a:spcBef>
-              <a:spcAft>
-                <a:spcPts val="0"/>
-              </a:spcAft>
-              <a:buClrTx/>
-              <a:buSzTx/>
-              <a:buFontTx/>
-              <a:buNone/>
-              <a:tabLst/>
-              <a:defRPr/>
-            </a:pPr>
+            <a:pPr rtl="0"/>
             <a:fld id="{D4B9A9E5-4F7F-4A7D-9DE1-899232329269}" type="slidenum">
-              <a:rPr kumimoji="0" lang="de-DE" sz="1200" b="0" i="0" u="none" strike="noStrike" kern="1200" cap="none" spc="0" normalizeH="0" baseline="0" noProof="0" smtClean="0">
-                <a:ln>
-                  <a:noFill/>
-                </a:ln>
-                <a:solidFill>
-                  <a:prstClr val="black"/>
-                </a:solidFill>
-                <a:effectLst/>
-                <a:uLnTx/>
-                <a:uFillTx/>
-                <a:latin typeface="Calibri" panose="020F0502020204030204"/>
-                <a:ea typeface="+mn-ea"/>
-                <a:cs typeface="+mn-cs"/>
-              </a:rPr>
-              <a:pPr marL="0" marR="0" lvl="0" indent="0" algn="r" defTabSz="914400" rtl="0" eaLnBrk="1" fontAlgn="auto" latinLnBrk="0" hangingPunct="1">
-                <a:lnSpc>
-                  <a:spcPct val="100000"/>
-                </a:lnSpc>
-                <a:spcBef>
-                  <a:spcPts val="0"/>
-                </a:spcBef>
-                <a:spcAft>
-                  <a:spcPts val="0"/>
-                </a:spcAft>
-                <a:buClrTx/>
-                <a:buSzTx/>
-                <a:buFontTx/>
-                <a:buNone/>
-                <a:tabLst/>
-                <a:defRPr/>
-              </a:pPr>
+              <a:rPr lang="de-DE" smtClean="0"/>
               <a:t>6</a:t>
             </a:fld>
-            <a:endParaRPr kumimoji="0" lang="de-DE" sz="1200" b="0" i="0" u="none" strike="noStrike" kern="1200" cap="none" spc="0" normalizeH="0" baseline="0" noProof="0">
-              <a:ln>
-                <a:noFill/>
-              </a:ln>
-              <a:solidFill>
-                <a:prstClr val="black"/>
-              </a:solidFill>
-              <a:effectLst/>
-              <a:uLnTx/>
-              <a:uFillTx/>
-              <a:latin typeface="Calibri" panose="020F0502020204030204"/>
-              <a:ea typeface="+mn-ea"/>
-              <a:cs typeface="+mn-cs"/>
-            </a:endParaRPr>
+            <a:endParaRPr lang="de-DE"/>
           </a:p>
         </p:txBody>
       </p:sp>
     </p:spTree>
     <p:extLst>
       <p:ext uri="{BB962C8B-B14F-4D97-AF65-F5344CB8AC3E}">
-        <p14:creationId xmlns:p14="http://schemas.microsoft.com/office/powerpoint/2010/main" val="4022791092"/>
+        <p14:creationId xmlns:p14="http://schemas.microsoft.com/office/powerpoint/2010/main" val="2308743844"/>
       </p:ext>
     </p:extLst>
   </p:cSld>
@@ -18034,7 +18265,7 @@
             <a:pPr rtl="0"/>
             <a:r>
               <a:rPr lang="de-DE" dirty="0"/>
-              <a:t>8</a:t>
+              <a:t>9</a:t>
             </a:r>
           </a:p>
         </p:txBody>
@@ -18350,7 +18581,12 @@
             <p:ph type="sldNum" sz="quarter" idx="22"/>
           </p:nvPr>
         </p:nvSpPr>
-        <p:spPr/>
+        <p:spPr>
+          <a:xfrm>
+            <a:off x="10700656" y="6356350"/>
+            <a:ext cx="653143" cy="365125"/>
+          </a:xfrm>
+        </p:spPr>
         <p:txBody>
           <a:bodyPr rtlCol="0"/>
           <a:lstStyle/>
@@ -18358,7 +18594,7 @@
             <a:pPr rtl="0"/>
             <a:r>
               <a:rPr lang="de-DE" dirty="0"/>
-              <a:t>9</a:t>
+              <a:t>10</a:t>
             </a:r>
           </a:p>
         </p:txBody>
@@ -18507,12 +18743,12 @@
         <p:spPr>
           <a:xfrm>
             <a:off x="4675182" y="1610641"/>
-            <a:ext cx="5433204" cy="365125"/>
+            <a:ext cx="5433204" cy="4239553"/>
           </a:xfrm>
         </p:spPr>
         <p:txBody>
           <a:bodyPr vert="horz" lIns="91440" tIns="45720" rIns="91440" bIns="45720" rtlCol="0" anchor="t">
-            <a:normAutofit lnSpcReduction="10000"/>
+            <a:normAutofit/>
           </a:bodyPr>
           <a:lstStyle/>
           <a:p>
@@ -18527,6 +18763,54 @@
             <a:pPr rtl="0"/>
             <a:endParaRPr lang="de-DE" dirty="0"/>
           </a:p>
+          <a:p>
+            <a:pPr rtl="0"/>
+            <a:r>
+              <a:rPr lang="de-DE" dirty="0"/>
+              <a:t>RAID – Level</a:t>
+            </a:r>
+          </a:p>
+          <a:p>
+            <a:pPr rtl="0"/>
+            <a:endParaRPr lang="de-DE" dirty="0"/>
+          </a:p>
+          <a:p>
+            <a:pPr rtl="0"/>
+            <a:r>
+              <a:rPr lang="de-DE" dirty="0"/>
+              <a:t>Funktionsweise von RAID Systemen</a:t>
+            </a:r>
+          </a:p>
+          <a:p>
+            <a:pPr rtl="0"/>
+            <a:endParaRPr lang="de-DE" dirty="0"/>
+          </a:p>
+          <a:p>
+            <a:pPr rtl="0"/>
+            <a:r>
+              <a:rPr lang="de-DE" dirty="0"/>
+              <a:t>Hardware </a:t>
+            </a:r>
+            <a:r>
+              <a:rPr lang="de-DE" dirty="0" err="1"/>
+              <a:t>vs</a:t>
+            </a:r>
+            <a:r>
+              <a:rPr lang="de-DE" dirty="0"/>
+              <a:t> Software RAID</a:t>
+            </a:r>
+          </a:p>
+          <a:p>
+            <a:pPr rtl="0"/>
+            <a:endParaRPr lang="de-DE" dirty="0"/>
+          </a:p>
+          <a:p>
+            <a:pPr rtl="0"/>
+            <a:r>
+              <a:rPr lang="de-DE" dirty="0"/>
+              <a:t>Einfluss von RAID auf Systemleistung und Datensicherheit</a:t>
+            </a:r>
+          </a:p>
         </p:txBody>
       </p:sp>
       <p:sp>
@@ -18555,40 +18839,9 @@
           <a:bodyPr rtlCol="0"/>
           <a:lstStyle/>
           <a:p>
-            <a:pPr marL="0" marR="0" lvl="0" indent="0" algn="l" defTabSz="914400" rtl="0" eaLnBrk="1" fontAlgn="auto" latinLnBrk="0" hangingPunct="1">
-              <a:lnSpc>
-                <a:spcPct val="100000"/>
-              </a:lnSpc>
-              <a:spcBef>
-                <a:spcPts val="0"/>
-              </a:spcBef>
-              <a:spcAft>
-                <a:spcPts val="0"/>
-              </a:spcAft>
-              <a:buClrTx/>
-              <a:buSzTx/>
-              <a:buFontTx/>
-              <a:buNone/>
-              <a:tabLst/>
-              <a:defRPr/>
-            </a:pPr>
-            <a:r>
-              <a:rPr kumimoji="0" lang="de-DE" sz="900" b="0" i="0" u="none" strike="noStrike" kern="1200" cap="none" spc="0" normalizeH="0" baseline="0" noProof="0" dirty="0">
-                <a:ln>
-                  <a:noFill/>
-                </a:ln>
-                <a:solidFill>
-                  <a:prstClr val="black">
-                    <a:tint val="75000"/>
-                  </a:prstClr>
-                </a:solidFill>
-                <a:effectLst/>
-                <a:uLnTx/>
-                <a:uFillTx/>
-                <a:latin typeface="Tenorite"/>
-                <a:ea typeface="+mn-ea"/>
-                <a:cs typeface="+mn-cs"/>
-              </a:rPr>
+            <a:pPr rtl="0"/>
+            <a:r>
+              <a:rPr lang="de-DE" dirty="0"/>
               <a:t>2023</a:t>
             </a:r>
           </a:p>
@@ -18620,40 +18873,9 @@
           <a:bodyPr rtlCol="0"/>
           <a:lstStyle/>
           <a:p>
-            <a:pPr marL="0" marR="0" lvl="0" indent="0" algn="ctr" defTabSz="914400" rtl="0" eaLnBrk="1" fontAlgn="auto" latinLnBrk="0" hangingPunct="1">
-              <a:lnSpc>
-                <a:spcPct val="100000"/>
-              </a:lnSpc>
-              <a:spcBef>
-                <a:spcPts val="0"/>
-              </a:spcBef>
-              <a:spcAft>
-                <a:spcPts val="0"/>
-              </a:spcAft>
-              <a:buClrTx/>
-              <a:buSzTx/>
-              <a:buFontTx/>
-              <a:buNone/>
-              <a:tabLst/>
-              <a:defRPr/>
-            </a:pPr>
-            <a:r>
-              <a:rPr kumimoji="0" lang="de-DE" sz="900" b="0" i="0" u="none" strike="noStrike" kern="1200" cap="none" spc="0" normalizeH="0" baseline="0" noProof="0" dirty="0">
-                <a:ln>
-                  <a:noFill/>
-                </a:ln>
-                <a:solidFill>
-                  <a:prstClr val="black">
-                    <a:tint val="75000"/>
-                  </a:prstClr>
-                </a:solidFill>
-                <a:effectLst/>
-                <a:uLnTx/>
-                <a:uFillTx/>
-                <a:latin typeface="Tenorite"/>
-                <a:ea typeface="+mn-ea"/>
-                <a:cs typeface="+mn-cs"/>
-              </a:rPr>
+            <a:pPr rtl="0"/>
+            <a:r>
+              <a:rPr lang="de-DE" dirty="0"/>
               <a:t>RAID</a:t>
             </a:r>
           </a:p>
@@ -18685,465 +18907,10 @@
           <a:bodyPr rtlCol="0"/>
           <a:lstStyle/>
           <a:p>
-            <a:pPr marL="0" marR="0" lvl="0" indent="0" algn="r" defTabSz="914400" rtl="0" eaLnBrk="1" fontAlgn="auto" latinLnBrk="0" hangingPunct="1">
-              <a:lnSpc>
-                <a:spcPct val="100000"/>
-              </a:lnSpc>
-              <a:spcBef>
-                <a:spcPts val="0"/>
-              </a:spcBef>
-              <a:spcAft>
-                <a:spcPts val="0"/>
-              </a:spcAft>
-              <a:buClrTx/>
-              <a:buSzTx/>
-              <a:buFontTx/>
-              <a:buNone/>
-              <a:tabLst/>
-              <a:defRPr/>
-            </a:pPr>
-            <a:r>
-              <a:rPr kumimoji="0" lang="de-DE" sz="900" b="0" i="0" u="none" strike="noStrike" kern="1200" cap="none" spc="0" normalizeH="0" baseline="0" noProof="0" dirty="0">
-                <a:ln>
-                  <a:noFill/>
-                </a:ln>
-                <a:solidFill>
-                  <a:prstClr val="black">
-                    <a:tint val="75000"/>
-                  </a:prstClr>
-                </a:solidFill>
-                <a:effectLst/>
-                <a:uLnTx/>
-                <a:uFillTx/>
-                <a:latin typeface="Tenorite"/>
-                <a:ea typeface="+mn-ea"/>
-                <a:cs typeface="+mn-cs"/>
-              </a:rPr>
-              <a:t>1</a:t>
-            </a:r>
-          </a:p>
-        </p:txBody>
-      </p:sp>
-      <p:sp>
-        <p:nvSpPr>
-          <p:cNvPr id="28" name="Inhaltsplatzhalter 2">
-            <a:extLst>
-              <a:ext uri="{FF2B5EF4-FFF2-40B4-BE49-F238E27FC236}">
-                <a16:creationId xmlns:a16="http://schemas.microsoft.com/office/drawing/2014/main" id="{32255E1E-230D-C0EC-C453-271E0F50BF5F}"/>
-              </a:ext>
-            </a:extLst>
-          </p:cNvPr>
-          <p:cNvSpPr txBox="1">
-            <a:spLocks/>
-          </p:cNvSpPr>
-          <p:nvPr/>
-        </p:nvSpPr>
-        <p:spPr>
-          <a:xfrm>
-            <a:off x="4663383" y="2246050"/>
-            <a:ext cx="5433204" cy="365125"/>
-          </a:xfrm>
-          <a:prstGeom prst="rect">
-            <a:avLst/>
-          </a:prstGeom>
-        </p:spPr>
-        <p:txBody>
-          <a:bodyPr vert="horz" lIns="91440" tIns="45720" rIns="91440" bIns="45720" rtlCol="0" anchor="t">
-            <a:normAutofit lnSpcReduction="10000"/>
-          </a:bodyPr>
-          <a:lstStyle>
-            <a:lvl1pPr marL="0" indent="0" algn="l" defTabSz="914400" rtl="0" eaLnBrk="1" latinLnBrk="0" hangingPunct="1">
-              <a:lnSpc>
-                <a:spcPct val="90000"/>
-              </a:lnSpc>
-              <a:spcBef>
-                <a:spcPts val="1000"/>
-              </a:spcBef>
-              <a:buFont typeface="Arial" panose="020B0604020202020204" pitchFamily="34" charset="0"/>
-              <a:buNone/>
-              <a:defRPr lang="en-US" sz="2000" kern="1200" spc="150" baseline="0" dirty="0">
-                <a:solidFill>
-                  <a:schemeClr val="tx1"/>
-                </a:solidFill>
-                <a:latin typeface="+mj-lt"/>
-                <a:ea typeface="+mj-ea"/>
-                <a:cs typeface="+mj-cs"/>
-              </a:defRPr>
-            </a:lvl1pPr>
-            <a:lvl2pPr marL="685800" indent="-228600" algn="l" defTabSz="914400" rtl="0" eaLnBrk="1" latinLnBrk="0" hangingPunct="1">
-              <a:lnSpc>
-                <a:spcPct val="90000"/>
-              </a:lnSpc>
-              <a:spcBef>
-                <a:spcPts val="500"/>
-              </a:spcBef>
-              <a:buFont typeface="Arial" panose="020B0604020202020204" pitchFamily="34" charset="0"/>
-              <a:buChar char="•"/>
-              <a:defRPr sz="2400" kern="1200">
-                <a:solidFill>
-                  <a:schemeClr val="tx1"/>
-                </a:solidFill>
-                <a:latin typeface="+mn-lt"/>
-                <a:ea typeface="+mn-ea"/>
-                <a:cs typeface="+mn-cs"/>
-              </a:defRPr>
-            </a:lvl2pPr>
-            <a:lvl3pPr marL="1143000" indent="-228600" algn="l" defTabSz="914400" rtl="0" eaLnBrk="1" latinLnBrk="0" hangingPunct="1">
-              <a:lnSpc>
-                <a:spcPct val="90000"/>
-              </a:lnSpc>
-              <a:spcBef>
-                <a:spcPts val="500"/>
-              </a:spcBef>
-              <a:buFont typeface="Arial" panose="020B0604020202020204" pitchFamily="34" charset="0"/>
-              <a:buChar char="•"/>
-              <a:defRPr sz="2000" kern="1200">
-                <a:solidFill>
-                  <a:schemeClr val="tx1"/>
-                </a:solidFill>
-                <a:latin typeface="+mn-lt"/>
-                <a:ea typeface="+mn-ea"/>
-                <a:cs typeface="+mn-cs"/>
-              </a:defRPr>
-            </a:lvl3pPr>
-            <a:lvl4pPr marL="1600200" indent="-228600" algn="l" defTabSz="914400" rtl="0" eaLnBrk="1" latinLnBrk="0" hangingPunct="1">
-              <a:lnSpc>
-                <a:spcPct val="90000"/>
-              </a:lnSpc>
-              <a:spcBef>
-                <a:spcPts val="500"/>
-              </a:spcBef>
-              <a:buFont typeface="Arial" panose="020B0604020202020204" pitchFamily="34" charset="0"/>
-              <a:buChar char="•"/>
-              <a:defRPr sz="1800" kern="1200">
-                <a:solidFill>
-                  <a:schemeClr val="tx1"/>
-                </a:solidFill>
-                <a:latin typeface="+mn-lt"/>
-                <a:ea typeface="+mn-ea"/>
-                <a:cs typeface="+mn-cs"/>
-              </a:defRPr>
-            </a:lvl4pPr>
-            <a:lvl5pPr marL="2057400" indent="-228600" algn="l" defTabSz="914400" rtl="0" eaLnBrk="1" latinLnBrk="0" hangingPunct="1">
-              <a:lnSpc>
-                <a:spcPct val="90000"/>
-              </a:lnSpc>
-              <a:spcBef>
-                <a:spcPts val="500"/>
-              </a:spcBef>
-              <a:buFont typeface="Arial" panose="020B0604020202020204" pitchFamily="34" charset="0"/>
-              <a:buChar char="•"/>
-              <a:defRPr sz="1800" kern="1200">
-                <a:solidFill>
-                  <a:schemeClr val="tx1"/>
-                </a:solidFill>
-                <a:latin typeface="+mn-lt"/>
-                <a:ea typeface="+mn-ea"/>
-                <a:cs typeface="+mn-cs"/>
-              </a:defRPr>
-            </a:lvl5pPr>
-            <a:lvl6pPr marL="2514600" indent="-228600" algn="l" defTabSz="914400" rtl="0" eaLnBrk="1" latinLnBrk="0" hangingPunct="1">
-              <a:lnSpc>
-                <a:spcPct val="90000"/>
-              </a:lnSpc>
-              <a:spcBef>
-                <a:spcPts val="500"/>
-              </a:spcBef>
-              <a:buFont typeface="Arial" panose="020B0604020202020204" pitchFamily="34" charset="0"/>
-              <a:buChar char="•"/>
-              <a:defRPr sz="1800" kern="1200">
-                <a:solidFill>
-                  <a:schemeClr val="tx1"/>
-                </a:solidFill>
-                <a:latin typeface="+mn-lt"/>
-                <a:ea typeface="+mn-ea"/>
-                <a:cs typeface="+mn-cs"/>
-              </a:defRPr>
-            </a:lvl6pPr>
-            <a:lvl7pPr marL="2971800" indent="-228600" algn="l" defTabSz="914400" rtl="0" eaLnBrk="1" latinLnBrk="0" hangingPunct="1">
-              <a:lnSpc>
-                <a:spcPct val="90000"/>
-              </a:lnSpc>
-              <a:spcBef>
-                <a:spcPts val="500"/>
-              </a:spcBef>
-              <a:buFont typeface="Arial" panose="020B0604020202020204" pitchFamily="34" charset="0"/>
-              <a:buChar char="•"/>
-              <a:defRPr sz="1800" kern="1200">
-                <a:solidFill>
-                  <a:schemeClr val="tx1"/>
-                </a:solidFill>
-                <a:latin typeface="+mn-lt"/>
-                <a:ea typeface="+mn-ea"/>
-                <a:cs typeface="+mn-cs"/>
-              </a:defRPr>
-            </a:lvl7pPr>
-            <a:lvl8pPr marL="3429000" indent="-228600" algn="l" defTabSz="914400" rtl="0" eaLnBrk="1" latinLnBrk="0" hangingPunct="1">
-              <a:lnSpc>
-                <a:spcPct val="90000"/>
-              </a:lnSpc>
-              <a:spcBef>
-                <a:spcPts val="500"/>
-              </a:spcBef>
-              <a:buFont typeface="Arial" panose="020B0604020202020204" pitchFamily="34" charset="0"/>
-              <a:buChar char="•"/>
-              <a:defRPr sz="1800" kern="1200">
-                <a:solidFill>
-                  <a:schemeClr val="tx1"/>
-                </a:solidFill>
-                <a:latin typeface="+mn-lt"/>
-                <a:ea typeface="+mn-ea"/>
-                <a:cs typeface="+mn-cs"/>
-              </a:defRPr>
-            </a:lvl8pPr>
-            <a:lvl9pPr marL="3886200" indent="-228600" algn="l" defTabSz="914400" rtl="0" eaLnBrk="1" latinLnBrk="0" hangingPunct="1">
-              <a:lnSpc>
-                <a:spcPct val="90000"/>
-              </a:lnSpc>
-              <a:spcBef>
-                <a:spcPts val="500"/>
-              </a:spcBef>
-              <a:buFont typeface="Arial" panose="020B0604020202020204" pitchFamily="34" charset="0"/>
-              <a:buChar char="•"/>
-              <a:defRPr sz="1800" kern="1200">
-                <a:solidFill>
-                  <a:schemeClr val="tx1"/>
-                </a:solidFill>
-                <a:latin typeface="+mn-lt"/>
-                <a:ea typeface="+mn-ea"/>
-                <a:cs typeface="+mn-cs"/>
-              </a:defRPr>
-            </a:lvl9pPr>
-          </a:lstStyle>
-          <a:p>
-            <a:pPr marL="0" marR="0" lvl="0" indent="0" algn="l" defTabSz="914400" rtl="0" eaLnBrk="1" fontAlgn="auto" latinLnBrk="0" hangingPunct="1">
-              <a:lnSpc>
-                <a:spcPct val="90000"/>
-              </a:lnSpc>
-              <a:spcBef>
-                <a:spcPts val="1000"/>
-              </a:spcBef>
-              <a:spcAft>
-                <a:spcPts val="0"/>
-              </a:spcAft>
-              <a:buClrTx/>
-              <a:buSzTx/>
-              <a:buFont typeface="Arial" panose="020B0604020202020204" pitchFamily="34" charset="0"/>
-              <a:buNone/>
-              <a:tabLst/>
-              <a:defRPr/>
-            </a:pPr>
-            <a:r>
-              <a:rPr kumimoji="0" lang="de-DE" sz="2000" b="0" i="0" u="none" strike="noStrike" kern="1200" cap="none" spc="150" normalizeH="0" baseline="0" noProof="0" dirty="0">
-                <a:ln>
-                  <a:noFill/>
-                </a:ln>
-                <a:solidFill>
-                  <a:prstClr val="black"/>
-                </a:solidFill>
-                <a:effectLst/>
-                <a:uLnTx/>
-                <a:uFillTx/>
-                <a:latin typeface="Tenorite"/>
-                <a:ea typeface="+mj-ea"/>
-                <a:cs typeface="+mj-cs"/>
-              </a:rPr>
-              <a:t>RAID-Level</a:t>
-            </a:r>
-          </a:p>
-        </p:txBody>
-      </p:sp>
-      <p:sp>
-        <p:nvSpPr>
-          <p:cNvPr id="33" name="TextBox 32">
-            <a:extLst>
-              <a:ext uri="{FF2B5EF4-FFF2-40B4-BE49-F238E27FC236}">
-                <a16:creationId xmlns:a16="http://schemas.microsoft.com/office/drawing/2014/main" id="{DC868F32-DC42-8CFB-32DA-EF52753409D3}"/>
-              </a:ext>
-            </a:extLst>
-          </p:cNvPr>
-          <p:cNvSpPr txBox="1"/>
-          <p:nvPr/>
-        </p:nvSpPr>
-        <p:spPr>
-          <a:xfrm>
-            <a:off x="4663383" y="2881459"/>
-            <a:ext cx="6098146" cy="400110"/>
-          </a:xfrm>
-          <a:prstGeom prst="rect">
-            <a:avLst/>
-          </a:prstGeom>
-          <a:noFill/>
-        </p:spPr>
-        <p:txBody>
-          <a:bodyPr wrap="square">
-            <a:spAutoFit/>
-          </a:bodyPr>
-          <a:lstStyle/>
-          <a:p>
-            <a:pPr marL="0" marR="0" lvl="0" indent="0" algn="l" defTabSz="914400" rtl="0" eaLnBrk="1" fontAlgn="auto" latinLnBrk="0" hangingPunct="1">
-              <a:lnSpc>
-                <a:spcPct val="100000"/>
-              </a:lnSpc>
-              <a:spcBef>
-                <a:spcPts val="0"/>
-              </a:spcBef>
-              <a:spcAft>
-                <a:spcPts val="0"/>
-              </a:spcAft>
-              <a:buClrTx/>
-              <a:buSzTx/>
-              <a:buFontTx/>
-              <a:buNone/>
-              <a:tabLst/>
-              <a:defRPr/>
-            </a:pPr>
-            <a:r>
-              <a:rPr kumimoji="0" lang="de-DE" sz="2000" b="0" i="0" u="none" strike="noStrike" kern="1200" cap="none" spc="0" normalizeH="0" baseline="0" noProof="0" dirty="0">
-                <a:ln>
-                  <a:noFill/>
-                </a:ln>
-                <a:solidFill>
-                  <a:prstClr val="black"/>
-                </a:solidFill>
-                <a:effectLst/>
-                <a:uLnTx/>
-                <a:uFillTx/>
-                <a:latin typeface="Tenorite"/>
-                <a:ea typeface="+mn-ea"/>
-                <a:cs typeface="+mn-cs"/>
-              </a:rPr>
-              <a:t>Technische Aspekte</a:t>
-            </a:r>
-          </a:p>
-        </p:txBody>
-      </p:sp>
-      <p:sp>
-        <p:nvSpPr>
-          <p:cNvPr id="35" name="TextBox 34">
-            <a:extLst>
-              <a:ext uri="{FF2B5EF4-FFF2-40B4-BE49-F238E27FC236}">
-                <a16:creationId xmlns:a16="http://schemas.microsoft.com/office/drawing/2014/main" id="{BD9505EA-1410-E391-14C3-5F6A14BBF84F}"/>
-              </a:ext>
-            </a:extLst>
-          </p:cNvPr>
-          <p:cNvSpPr txBox="1"/>
-          <p:nvPr/>
-        </p:nvSpPr>
-        <p:spPr>
-          <a:xfrm>
-            <a:off x="4675182" y="3551853"/>
-            <a:ext cx="6098146" cy="400110"/>
-          </a:xfrm>
-          <a:prstGeom prst="rect">
-            <a:avLst/>
-          </a:prstGeom>
-          <a:noFill/>
-        </p:spPr>
-        <p:txBody>
-          <a:bodyPr wrap="square">
-            <a:spAutoFit/>
-          </a:bodyPr>
-          <a:lstStyle/>
-          <a:p>
-            <a:pPr marL="0" marR="0" lvl="0" indent="0" algn="l" defTabSz="914400" rtl="0" eaLnBrk="1" fontAlgn="auto" latinLnBrk="0" hangingPunct="1">
-              <a:lnSpc>
-                <a:spcPct val="100000"/>
-              </a:lnSpc>
-              <a:spcBef>
-                <a:spcPts val="0"/>
-              </a:spcBef>
-              <a:spcAft>
-                <a:spcPts val="0"/>
-              </a:spcAft>
-              <a:buClrTx/>
-              <a:buSzTx/>
-              <a:buFontTx/>
-              <a:buNone/>
-              <a:tabLst/>
-              <a:defRPr/>
-            </a:pPr>
-            <a:r>
-              <a:rPr kumimoji="0" lang="de-DE" sz="2000" b="0" i="0" u="none" strike="noStrike" kern="1200" cap="none" spc="0" normalizeH="0" baseline="0" noProof="0" dirty="0">
-                <a:ln>
-                  <a:noFill/>
-                </a:ln>
-                <a:solidFill>
-                  <a:prstClr val="black"/>
-                </a:solidFill>
-                <a:effectLst/>
-                <a:uLnTx/>
-                <a:uFillTx/>
-                <a:latin typeface="Tenorite"/>
-                <a:ea typeface="+mn-ea"/>
-                <a:cs typeface="+mn-cs"/>
-              </a:rPr>
-              <a:t>Zukünftige Trends</a:t>
-            </a:r>
-          </a:p>
-        </p:txBody>
-      </p:sp>
-      <p:sp>
-        <p:nvSpPr>
-          <p:cNvPr id="37" name="TextBox 36">
-            <a:extLst>
-              <a:ext uri="{FF2B5EF4-FFF2-40B4-BE49-F238E27FC236}">
-                <a16:creationId xmlns:a16="http://schemas.microsoft.com/office/drawing/2014/main" id="{67F18ED6-AEE1-827E-CAD7-2D355542CB0D}"/>
-              </a:ext>
-            </a:extLst>
-          </p:cNvPr>
-          <p:cNvSpPr txBox="1"/>
-          <p:nvPr/>
-        </p:nvSpPr>
-        <p:spPr>
-          <a:xfrm>
-            <a:off x="4675182" y="4222248"/>
-            <a:ext cx="6098146" cy="400110"/>
-          </a:xfrm>
-          <a:prstGeom prst="rect">
-            <a:avLst/>
-          </a:prstGeom>
-          <a:noFill/>
-        </p:spPr>
-        <p:txBody>
-          <a:bodyPr wrap="square">
-            <a:spAutoFit/>
-          </a:bodyPr>
-          <a:lstStyle/>
-          <a:p>
-            <a:pPr marL="0" marR="0" lvl="0" indent="0" algn="l" defTabSz="914400" rtl="0" eaLnBrk="1" fontAlgn="auto" latinLnBrk="0" hangingPunct="1">
-              <a:lnSpc>
-                <a:spcPct val="100000"/>
-              </a:lnSpc>
-              <a:spcBef>
-                <a:spcPts val="0"/>
-              </a:spcBef>
-              <a:spcAft>
-                <a:spcPts val="0"/>
-              </a:spcAft>
-              <a:buClrTx/>
-              <a:buSzTx/>
-              <a:buFontTx/>
-              <a:buNone/>
-              <a:tabLst/>
-              <a:defRPr/>
-            </a:pPr>
-            <a:r>
-              <a:rPr kumimoji="0" lang="de-DE" sz="2000" b="0" i="0" u="none" strike="noStrike" kern="1200" cap="none" spc="0" normalizeH="0" baseline="0" noProof="0" dirty="0">
-                <a:ln>
-                  <a:noFill/>
-                </a:ln>
-                <a:solidFill>
-                  <a:prstClr val="black"/>
-                </a:solidFill>
-                <a:effectLst/>
-                <a:uLnTx/>
-                <a:uFillTx/>
-                <a:latin typeface="Tenorite"/>
-                <a:ea typeface="+mn-ea"/>
-                <a:cs typeface="+mn-cs"/>
-              </a:rPr>
-              <a:t>Fazit</a:t>
+            <a:pPr rtl="0"/>
+            <a:r>
+              <a:rPr lang="de-DE" dirty="0"/>
+              <a:t>11</a:t>
             </a:r>
           </a:p>
         </p:txBody>
@@ -19162,12 +18929,15 @@
         </p:nvSpPr>
         <p:spPr>
           <a:xfrm>
-            <a:off x="4043025" y="2921502"/>
+            <a:off x="4043025" y="3193634"/>
             <a:ext cx="632157" cy="330139"/>
           </a:xfrm>
           <a:prstGeom prst="rightArrow">
             <a:avLst/>
           </a:prstGeom>
+          <a:solidFill>
+            <a:schemeClr val="accent2"/>
+          </a:solidFill>
         </p:spPr>
         <p:style>
           <a:lnRef idx="2">
@@ -19189,44 +18959,69 @@
           <a:bodyPr rtlCol="0" anchor="ctr"/>
           <a:lstStyle/>
           <a:p>
-            <a:pPr marL="0" marR="0" lvl="0" indent="0" algn="ctr" defTabSz="914400" rtl="0" eaLnBrk="1" fontAlgn="auto" latinLnBrk="0" hangingPunct="1">
+            <a:pPr algn="ctr"/>
+            <a:endParaRPr lang="de-DE"/>
+          </a:p>
+        </p:txBody>
+      </p:sp>
+      <p:sp>
+        <p:nvSpPr>
+          <p:cNvPr id="11" name="Titel 1">
+            <a:extLst>
+              <a:ext uri="{FF2B5EF4-FFF2-40B4-BE49-F238E27FC236}">
+                <a16:creationId xmlns:a16="http://schemas.microsoft.com/office/drawing/2014/main" id="{BCBBE72B-1CD7-4827-95DC-F77D27D4663C}"/>
+              </a:ext>
+            </a:extLst>
+          </p:cNvPr>
+          <p:cNvSpPr txBox="1">
+            <a:spLocks/>
+          </p:cNvSpPr>
+          <p:nvPr/>
+        </p:nvSpPr>
+        <p:spPr>
+          <a:xfrm>
+            <a:off x="4663383" y="136525"/>
+            <a:ext cx="5211184" cy="1122202"/>
+          </a:xfrm>
+          <a:prstGeom prst="rect">
+            <a:avLst/>
+          </a:prstGeom>
+        </p:spPr>
+        <p:txBody>
+          <a:bodyPr vert="horz" lIns="91440" tIns="45720" rIns="91440" bIns="45720" rtlCol="0" anchor="b">
+            <a:normAutofit/>
+          </a:bodyPr>
+          <a:lstStyle>
+            <a:lvl1pPr algn="l" defTabSz="914400" rtl="0" eaLnBrk="1" latinLnBrk="0" hangingPunct="1">
               <a:lnSpc>
-                <a:spcPct val="100000"/>
+                <a:spcPct val="90000"/>
               </a:lnSpc>
               <a:spcBef>
-                <a:spcPts val="0"/>
+                <a:spcPct val="0"/>
               </a:spcBef>
-              <a:spcAft>
-                <a:spcPts val="0"/>
-              </a:spcAft>
-              <a:buClrTx/>
-              <a:buSzTx/>
-              <a:buFontTx/>
-              <a:buNone/>
-              <a:tabLst/>
-              <a:defRPr/>
-            </a:pPr>
-            <a:endParaRPr kumimoji="0" lang="de-DE" sz="1800" b="0" i="0" u="none" strike="noStrike" kern="1200" cap="none" spc="0" normalizeH="0" baseline="0" noProof="0">
-              <a:ln>
-                <a:noFill/>
-              </a:ln>
-              <a:solidFill>
-                <a:prstClr val="white"/>
-              </a:solidFill>
-              <a:effectLst/>
-              <a:uLnTx/>
-              <a:uFillTx/>
-              <a:latin typeface="Tenorite"/>
-              <a:ea typeface="+mn-ea"/>
-              <a:cs typeface="+mn-cs"/>
-            </a:endParaRPr>
+              <a:buNone/>
+              <a:defRPr lang="en-US" sz="2800" kern="1200" cap="all" spc="150" baseline="0" dirty="0">
+                <a:solidFill>
+                  <a:schemeClr val="tx1"/>
+                </a:solidFill>
+                <a:latin typeface="+mj-lt"/>
+                <a:ea typeface="+mj-ea"/>
+                <a:cs typeface="+mj-cs"/>
+              </a:defRPr>
+            </a:lvl1pPr>
+          </a:lstStyle>
+          <a:p>
+            <a:r>
+              <a:rPr lang="de-DE" sz="3200" dirty="0"/>
+              <a:t>Agenda</a:t>
+            </a:r>
           </a:p>
         </p:txBody>
       </p:sp>
     </p:spTree>
     <p:extLst>
       <p:ext uri="{BB962C8B-B14F-4D97-AF65-F5344CB8AC3E}">
-        <p14:creationId xmlns:p14="http://schemas.microsoft.com/office/powerpoint/2010/main" val="1565951954"/>
+        <p14:creationId xmlns:p14="http://schemas.microsoft.com/office/powerpoint/2010/main" val="2034053601"/>
       </p:ext>
     </p:extLst>
   </p:cSld>
@@ -19279,9 +19074,40 @@
           <a:bodyPr rtlCol="0"/>
           <a:lstStyle/>
           <a:p>
-            <a:pPr rtl="0"/>
-            <a:r>
-              <a:rPr lang="de-DE" dirty="0"/>
+            <a:pPr marL="0" marR="0" lvl="0" indent="0" algn="l" defTabSz="914400" rtl="0" eaLnBrk="1" fontAlgn="auto" latinLnBrk="0" hangingPunct="1">
+              <a:lnSpc>
+                <a:spcPct val="100000"/>
+              </a:lnSpc>
+              <a:spcBef>
+                <a:spcPts val="0"/>
+              </a:spcBef>
+              <a:spcAft>
+                <a:spcPts val="0"/>
+              </a:spcAft>
+              <a:buClrTx/>
+              <a:buSzTx/>
+              <a:buFontTx/>
+              <a:buNone/>
+              <a:tabLst/>
+              <a:defRPr/>
+            </a:pPr>
+            <a:r>
+              <a:rPr kumimoji="0" lang="de-DE" sz="900" b="0" i="0" u="none" strike="noStrike" kern="1200" cap="none" spc="0" normalizeH="0" baseline="0" noProof="0" dirty="0">
+                <a:ln>
+                  <a:noFill/>
+                </a:ln>
+                <a:solidFill>
+                  <a:prstClr val="black">
+                    <a:tint val="75000"/>
+                  </a:prstClr>
+                </a:solidFill>
+                <a:effectLst/>
+                <a:uLnTx/>
+                <a:uFillTx/>
+                <a:latin typeface="Tenorite"/>
+                <a:ea typeface="+mn-ea"/>
+                <a:cs typeface="+mn-cs"/>
+              </a:rPr>
               <a:t>2023</a:t>
             </a:r>
           </a:p>
@@ -19313,9 +19139,40 @@
           <a:bodyPr rtlCol="0"/>
           <a:lstStyle/>
           <a:p>
-            <a:pPr rtl="0"/>
-            <a:r>
-              <a:rPr lang="de-DE" dirty="0"/>
+            <a:pPr marL="0" marR="0" lvl="0" indent="0" algn="ctr" defTabSz="914400" rtl="0" eaLnBrk="1" fontAlgn="auto" latinLnBrk="0" hangingPunct="1">
+              <a:lnSpc>
+                <a:spcPct val="100000"/>
+              </a:lnSpc>
+              <a:spcBef>
+                <a:spcPts val="0"/>
+              </a:spcBef>
+              <a:spcAft>
+                <a:spcPts val="0"/>
+              </a:spcAft>
+              <a:buClrTx/>
+              <a:buSzTx/>
+              <a:buFontTx/>
+              <a:buNone/>
+              <a:tabLst/>
+              <a:defRPr/>
+            </a:pPr>
+            <a:r>
+              <a:rPr kumimoji="0" lang="de-DE" sz="900" b="0" i="0" u="none" strike="noStrike" kern="1200" cap="none" spc="0" normalizeH="0" baseline="0" noProof="0" dirty="0">
+                <a:ln>
+                  <a:noFill/>
+                </a:ln>
+                <a:solidFill>
+                  <a:prstClr val="black">
+                    <a:tint val="75000"/>
+                  </a:prstClr>
+                </a:solidFill>
+                <a:effectLst/>
+                <a:uLnTx/>
+                <a:uFillTx/>
+                <a:latin typeface="Tenorite"/>
+                <a:ea typeface="+mn-ea"/>
+                <a:cs typeface="+mn-cs"/>
+              </a:rPr>
               <a:t>RAID</a:t>
             </a:r>
           </a:p>
@@ -19347,11 +19204,50 @@
           <a:bodyPr rtlCol="0"/>
           <a:lstStyle/>
           <a:p>
-            <a:pPr rtl="0"/>
-            <a:r>
-              <a:rPr lang="de-DE" dirty="0"/>
-              <a:t>4</a:t>
-            </a:r>
+            <a:pPr marL="0" marR="0" lvl="0" indent="0" algn="r" defTabSz="914400" rtl="0" eaLnBrk="1" fontAlgn="auto" latinLnBrk="0" hangingPunct="1">
+              <a:lnSpc>
+                <a:spcPct val="100000"/>
+              </a:lnSpc>
+              <a:spcBef>
+                <a:spcPts val="0"/>
+              </a:spcBef>
+              <a:spcAft>
+                <a:spcPts val="0"/>
+              </a:spcAft>
+              <a:buClrTx/>
+              <a:buSzTx/>
+              <a:buFontTx/>
+              <a:buNone/>
+              <a:tabLst/>
+              <a:defRPr/>
+            </a:pPr>
+            <a:r>
+              <a:rPr lang="de-DE" dirty="0">
+                <a:solidFill>
+                  <a:prstClr val="black">
+                    <a:tint val="75000"/>
+                  </a:prstClr>
+                </a:solidFill>
+                <a:latin typeface="Tenorite"/>
+              </a:rPr>
+              <a:t>12</a:t>
+            </a:r>
+            <a:endParaRPr kumimoji="0" lang="de-DE" sz="900" b="0" i="0" u="none" strike="noStrike" kern="1200" cap="none" spc="0" normalizeH="0" baseline="0" noProof="0" dirty="0">
+              <a:ln>
+                <a:noFill/>
+              </a:ln>
+              <a:solidFill>
+                <a:prstClr val="black">
+                  <a:tint val="75000"/>
+                </a:prstClr>
+              </a:solidFill>
+              <a:effectLst/>
+              <a:uLnTx/>
+              <a:uFillTx/>
+              <a:latin typeface="Tenorite"/>
+              <a:ea typeface="+mn-ea"/>
+              <a:cs typeface="+mn-cs"/>
+            </a:endParaRPr>
           </a:p>
         </p:txBody>
       </p:sp>
@@ -19371,7 +19267,7 @@
         </p:nvSpPr>
         <p:spPr>
           <a:xfrm>
-            <a:off x="4556363" y="-198326"/>
+            <a:off x="4602510" y="0"/>
             <a:ext cx="5211184" cy="1122202"/>
           </a:xfrm>
           <a:prstGeom prst="rect">
@@ -19402,17 +19298,299 @@
             </a:lvl1pPr>
           </a:lstStyle>
           <a:p>
-            <a:r>
-              <a:rPr lang="de-DE" sz="3200" dirty="0"/>
-              <a:t>Technische Aspekte</a:t>
-            </a:r>
-          </a:p>
-        </p:txBody>
-      </p:sp>
+            <a:pPr marL="0" marR="0" lvl="0" indent="0" algn="l" defTabSz="914400" rtl="0" eaLnBrk="1" fontAlgn="auto" latinLnBrk="0" hangingPunct="1">
+              <a:lnSpc>
+                <a:spcPct val="90000"/>
+              </a:lnSpc>
+              <a:spcBef>
+                <a:spcPct val="0"/>
+              </a:spcBef>
+              <a:spcAft>
+                <a:spcPts val="0"/>
+              </a:spcAft>
+              <a:buClrTx/>
+              <a:buSzTx/>
+              <a:buFontTx/>
+              <a:buNone/>
+              <a:tabLst/>
+              <a:defRPr/>
+            </a:pPr>
+            <a:r>
+              <a:rPr kumimoji="0" lang="de-DE" sz="3200" b="0" i="0" u="none" strike="noStrike" kern="1200" cap="all" spc="150" normalizeH="0" baseline="0" noProof="0" dirty="0">
+                <a:ln>
+                  <a:noFill/>
+                </a:ln>
+                <a:solidFill>
+                  <a:prstClr val="black"/>
+                </a:solidFill>
+                <a:effectLst/>
+                <a:uLnTx/>
+                <a:uFillTx/>
+                <a:latin typeface="Tenorite"/>
+                <a:ea typeface="+mj-ea"/>
+                <a:cs typeface="+mj-cs"/>
+              </a:rPr>
+              <a:t>Funktionsweise von Raid </a:t>
+            </a:r>
+            <a:r>
+              <a:rPr kumimoji="0" lang="de-DE" sz="3200" b="0" i="0" u="none" strike="noStrike" kern="1200" cap="all" spc="150" normalizeH="0" baseline="0" noProof="0" dirty="0" err="1">
+                <a:ln>
+                  <a:noFill/>
+                </a:ln>
+                <a:solidFill>
+                  <a:prstClr val="black"/>
+                </a:solidFill>
+                <a:effectLst/>
+                <a:uLnTx/>
+                <a:uFillTx/>
+                <a:latin typeface="Tenorite"/>
+                <a:ea typeface="+mj-ea"/>
+                <a:cs typeface="+mj-cs"/>
+              </a:rPr>
+              <a:t>systemen</a:t>
+            </a:r>
+            <a:endParaRPr kumimoji="0" lang="de-DE" sz="3200" b="0" i="0" u="none" strike="noStrike" kern="1200" cap="all" spc="150" normalizeH="0" baseline="0" noProof="0" dirty="0">
+              <a:ln>
+                <a:noFill/>
+              </a:ln>
+              <a:solidFill>
+                <a:prstClr val="black"/>
+              </a:solidFill>
+              <a:effectLst/>
+              <a:uLnTx/>
+              <a:uFillTx/>
+              <a:latin typeface="Tenorite"/>
+              <a:ea typeface="+mj-ea"/>
+              <a:cs typeface="+mj-cs"/>
+            </a:endParaRPr>
+          </a:p>
+        </p:txBody>
+      </p:sp>
+      <p:sp>
+        <p:nvSpPr>
+          <p:cNvPr id="2" name="Inhaltsplatzhalter 2">
+            <a:extLst>
+              <a:ext uri="{FF2B5EF4-FFF2-40B4-BE49-F238E27FC236}">
+                <a16:creationId xmlns:a16="http://schemas.microsoft.com/office/drawing/2014/main" id="{B01B59DC-1628-FE13-EF11-819526184801}"/>
+              </a:ext>
+            </a:extLst>
+          </p:cNvPr>
+          <p:cNvSpPr>
+            <a:spLocks noGrp="1"/>
+          </p:cNvSpPr>
+          <p:nvPr>
+            <p:ph type="body" sz="quarter" idx="13"/>
+          </p:nvPr>
+        </p:nvSpPr>
+        <p:spPr>
+          <a:xfrm>
+            <a:off x="4602510" y="1122202"/>
+            <a:ext cx="5433204" cy="5234147"/>
+          </a:xfrm>
+        </p:spPr>
+        <p:txBody>
+          <a:bodyPr vert="horz" lIns="91440" tIns="45720" rIns="91440" bIns="45720" rtlCol="0" anchor="t">
+            <a:normAutofit/>
+          </a:bodyPr>
+          <a:lstStyle/>
+          <a:p>
+            <a:pPr marL="342900" indent="-342900">
+              <a:buFont typeface="Arial" panose="020B0604020202020204" pitchFamily="34" charset="0"/>
+              <a:buChar char="•"/>
+            </a:pPr>
+            <a:r>
+              <a:rPr lang="de-DE" dirty="0" err="1"/>
+              <a:t>Datenstriping</a:t>
+            </a:r>
+            <a:endParaRPr lang="de-DE" dirty="0"/>
+          </a:p>
+          <a:p>
+            <a:pPr marL="342900" indent="-342900">
+              <a:buFont typeface="Arial" panose="020B0604020202020204" pitchFamily="34" charset="0"/>
+              <a:buChar char="•"/>
+            </a:pPr>
+            <a:endParaRPr lang="de-DE" dirty="0"/>
+          </a:p>
+          <a:p>
+            <a:pPr marL="342900" indent="-342900">
+              <a:buFont typeface="Arial" panose="020B0604020202020204" pitchFamily="34" charset="0"/>
+              <a:buChar char="•"/>
+            </a:pPr>
+            <a:endParaRPr lang="de-DE" dirty="0"/>
+          </a:p>
+          <a:p>
+            <a:pPr marL="342900" indent="-342900">
+              <a:buFont typeface="Arial" panose="020B0604020202020204" pitchFamily="34" charset="0"/>
+              <a:buChar char="•"/>
+            </a:pPr>
+            <a:endParaRPr lang="de-DE" dirty="0"/>
+          </a:p>
+          <a:p>
+            <a:pPr marL="342900" indent="-342900">
+              <a:buFont typeface="Arial" panose="020B0604020202020204" pitchFamily="34" charset="0"/>
+              <a:buChar char="•"/>
+            </a:pPr>
+            <a:endParaRPr lang="de-DE" dirty="0"/>
+          </a:p>
+          <a:p>
+            <a:pPr marL="342900" indent="-342900">
+              <a:buFont typeface="Arial" panose="020B0604020202020204" pitchFamily="34" charset="0"/>
+              <a:buChar char="•"/>
+            </a:pPr>
+            <a:r>
+              <a:rPr lang="de-DE" dirty="0"/>
+              <a:t>Spiegelung (</a:t>
+            </a:r>
+            <a:r>
+              <a:rPr lang="de-DE" dirty="0" err="1"/>
+              <a:t>Mirroring</a:t>
+            </a:r>
+            <a:r>
+              <a:rPr lang="de-DE" dirty="0"/>
+              <a:t>)</a:t>
+            </a:r>
+          </a:p>
+          <a:p>
+            <a:pPr marL="342900" indent="-342900">
+              <a:buFont typeface="Arial" panose="020B0604020202020204" pitchFamily="34" charset="0"/>
+              <a:buChar char="•"/>
+            </a:pPr>
+            <a:endParaRPr lang="de-DE" dirty="0"/>
+          </a:p>
+          <a:p>
+            <a:pPr marL="342900" indent="-342900">
+              <a:buFont typeface="Arial" panose="020B0604020202020204" pitchFamily="34" charset="0"/>
+              <a:buChar char="•"/>
+            </a:pPr>
+            <a:endParaRPr lang="de-DE" dirty="0"/>
+          </a:p>
+          <a:p>
+            <a:pPr marL="342900" indent="-342900">
+              <a:buFont typeface="Arial" panose="020B0604020202020204" pitchFamily="34" charset="0"/>
+              <a:buChar char="•"/>
+            </a:pPr>
+            <a:endParaRPr lang="de-DE" dirty="0"/>
+          </a:p>
+          <a:p>
+            <a:pPr marL="342900" indent="-342900">
+              <a:buFont typeface="Arial" panose="020B0604020202020204" pitchFamily="34" charset="0"/>
+              <a:buChar char="•"/>
+            </a:pPr>
+            <a:endParaRPr lang="de-DE" dirty="0"/>
+          </a:p>
+          <a:p>
+            <a:pPr marL="342900" indent="-342900">
+              <a:buFont typeface="Arial" panose="020B0604020202020204" pitchFamily="34" charset="0"/>
+              <a:buChar char="•"/>
+            </a:pPr>
+            <a:r>
+              <a:rPr lang="de-DE" dirty="0"/>
+              <a:t>Paritätsprüfung</a:t>
+            </a:r>
+          </a:p>
+          <a:p>
+            <a:pPr marL="342900" indent="-342900" rtl="0">
+              <a:buFont typeface="Arial" panose="020B0604020202020204" pitchFamily="34" charset="0"/>
+              <a:buChar char="•"/>
+            </a:pPr>
+            <a:endParaRPr lang="de-DE" dirty="0"/>
+          </a:p>
+        </p:txBody>
+      </p:sp>
+      <p:pic>
+        <p:nvPicPr>
+          <p:cNvPr id="7" name="Grafik 6">
+            <a:extLst>
+              <a:ext uri="{FF2B5EF4-FFF2-40B4-BE49-F238E27FC236}">
+                <a16:creationId xmlns:a16="http://schemas.microsoft.com/office/drawing/2014/main" id="{01C12E28-A6FB-4432-83D4-5EA67A587554}"/>
+              </a:ext>
+            </a:extLst>
+          </p:cNvPr>
+          <p:cNvPicPr>
+            <a:picLocks noChangeAspect="1"/>
+          </p:cNvPicPr>
+          <p:nvPr/>
+        </p:nvPicPr>
+        <p:blipFill>
+          <a:blip r:embed="rId3"/>
+          <a:stretch>
+            <a:fillRect/>
+          </a:stretch>
+        </p:blipFill>
+        <p:spPr>
+          <a:xfrm>
+            <a:off x="9281652" y="249460"/>
+            <a:ext cx="1425826" cy="2193990"/>
+          </a:xfrm>
+          <a:prstGeom prst="rect">
+            <a:avLst/>
+          </a:prstGeom>
+        </p:spPr>
+      </p:pic>
+      <p:pic>
+        <p:nvPicPr>
+          <p:cNvPr id="9" name="Grafik 8">
+            <a:extLst>
+              <a:ext uri="{FF2B5EF4-FFF2-40B4-BE49-F238E27FC236}">
+                <a16:creationId xmlns:a16="http://schemas.microsoft.com/office/drawing/2014/main" id="{905FE939-6FFA-41B3-85D6-4A4F4BD2D241}"/>
+              </a:ext>
+            </a:extLst>
+          </p:cNvPr>
+          <p:cNvPicPr>
+            <a:picLocks noChangeAspect="1"/>
+          </p:cNvPicPr>
+          <p:nvPr/>
+        </p:nvPicPr>
+        <p:blipFill>
+          <a:blip r:embed="rId4"/>
+          <a:stretch>
+            <a:fillRect/>
+          </a:stretch>
+        </p:blipFill>
+        <p:spPr>
+          <a:xfrm>
+            <a:off x="9281652" y="2325361"/>
+            <a:ext cx="1425826" cy="2193990"/>
+          </a:xfrm>
+          <a:prstGeom prst="rect">
+            <a:avLst/>
+          </a:prstGeom>
+        </p:spPr>
+      </p:pic>
+      <p:pic>
+        <p:nvPicPr>
+          <p:cNvPr id="11" name="Grafik 10">
+            <a:extLst>
+              <a:ext uri="{FF2B5EF4-FFF2-40B4-BE49-F238E27FC236}">
+                <a16:creationId xmlns:a16="http://schemas.microsoft.com/office/drawing/2014/main" id="{D263E0A9-A34B-4CA1-BA23-B261DAC2706E}"/>
+              </a:ext>
+            </a:extLst>
+          </p:cNvPr>
+          <p:cNvPicPr>
+            <a:picLocks noChangeAspect="1"/>
+          </p:cNvPicPr>
+          <p:nvPr/>
+        </p:nvPicPr>
+        <p:blipFill>
+          <a:blip r:embed="rId5"/>
+          <a:stretch>
+            <a:fillRect/>
+          </a:stretch>
+        </p:blipFill>
+        <p:spPr>
+          <a:xfrm>
+            <a:off x="8731045" y="4414550"/>
+            <a:ext cx="2621839" cy="1941799"/>
+          </a:xfrm>
+          <a:prstGeom prst="rect">
+            <a:avLst/>
+          </a:prstGeom>
+        </p:spPr>
+      </p:pic>
     </p:spTree>
     <p:extLst>
       <p:ext uri="{BB962C8B-B14F-4D97-AF65-F5344CB8AC3E}">
-        <p14:creationId xmlns:p14="http://schemas.microsoft.com/office/powerpoint/2010/main" val="1188394634"/>
+        <p14:creationId xmlns:p14="http://schemas.microsoft.com/office/powerpoint/2010/main" val="3476333381"/>
       </p:ext>
     </p:extLst>
   </p:cSld>
@@ -19458,12 +19636,12 @@
         <p:spPr>
           <a:xfrm>
             <a:off x="4675182" y="1610641"/>
-            <a:ext cx="5433204" cy="365125"/>
+            <a:ext cx="5433204" cy="4239553"/>
           </a:xfrm>
         </p:spPr>
         <p:txBody>
           <a:bodyPr vert="horz" lIns="91440" tIns="45720" rIns="91440" bIns="45720" rtlCol="0" anchor="t">
-            <a:normAutofit lnSpcReduction="10000"/>
+            <a:normAutofit/>
           </a:bodyPr>
           <a:lstStyle/>
           <a:p>
@@ -19478,6 +19656,54 @@
             <a:pPr rtl="0"/>
             <a:endParaRPr lang="de-DE" dirty="0"/>
           </a:p>
+          <a:p>
+            <a:pPr rtl="0"/>
+            <a:r>
+              <a:rPr lang="de-DE" dirty="0"/>
+              <a:t>RAID – Level</a:t>
+            </a:r>
+          </a:p>
+          <a:p>
+            <a:pPr rtl="0"/>
+            <a:endParaRPr lang="de-DE" dirty="0"/>
+          </a:p>
+          <a:p>
+            <a:pPr rtl="0"/>
+            <a:r>
+              <a:rPr lang="de-DE" dirty="0"/>
+              <a:t>Funktionsweise von RAID Systemen</a:t>
+            </a:r>
+          </a:p>
+          <a:p>
+            <a:pPr rtl="0"/>
+            <a:endParaRPr lang="de-DE" dirty="0"/>
+          </a:p>
+          <a:p>
+            <a:pPr rtl="0"/>
+            <a:r>
+              <a:rPr lang="de-DE" dirty="0"/>
+              <a:t>Hardware </a:t>
+            </a:r>
+            <a:r>
+              <a:rPr lang="de-DE" dirty="0" err="1"/>
+              <a:t>vs</a:t>
+            </a:r>
+            <a:r>
+              <a:rPr lang="de-DE" dirty="0"/>
+              <a:t> Software RAID</a:t>
+            </a:r>
+          </a:p>
+          <a:p>
+            <a:pPr rtl="0"/>
+            <a:endParaRPr lang="de-DE" dirty="0"/>
+          </a:p>
+          <a:p>
+            <a:pPr rtl="0"/>
+            <a:r>
+              <a:rPr lang="de-DE" dirty="0"/>
+              <a:t>Einfluss von RAID auf Systemleistung und Datensicherheit</a:t>
+            </a:r>
+          </a:p>
         </p:txBody>
       </p:sp>
       <p:sp>
@@ -19506,40 +19732,9 @@
           <a:bodyPr rtlCol="0"/>
           <a:lstStyle/>
           <a:p>
-            <a:pPr marL="0" marR="0" lvl="0" indent="0" algn="l" defTabSz="914400" rtl="0" eaLnBrk="1" fontAlgn="auto" latinLnBrk="0" hangingPunct="1">
-              <a:lnSpc>
-                <a:spcPct val="100000"/>
-              </a:lnSpc>
-              <a:spcBef>
-                <a:spcPts val="0"/>
-              </a:spcBef>
-              <a:spcAft>
-                <a:spcPts val="0"/>
-              </a:spcAft>
-              <a:buClrTx/>
-              <a:buSzTx/>
-              <a:buFontTx/>
-              <a:buNone/>
-              <a:tabLst/>
-              <a:defRPr/>
-            </a:pPr>
-            <a:r>
-              <a:rPr kumimoji="0" lang="de-DE" sz="900" b="0" i="0" u="none" strike="noStrike" kern="1200" cap="none" spc="0" normalizeH="0" baseline="0" noProof="0" dirty="0">
-                <a:ln>
-                  <a:noFill/>
-                </a:ln>
-                <a:solidFill>
-                  <a:prstClr val="black">
-                    <a:tint val="75000"/>
-                  </a:prstClr>
-                </a:solidFill>
-                <a:effectLst/>
-                <a:uLnTx/>
-                <a:uFillTx/>
-                <a:latin typeface="Tenorite"/>
-                <a:ea typeface="+mn-ea"/>
-                <a:cs typeface="+mn-cs"/>
-              </a:rPr>
+            <a:pPr rtl="0"/>
+            <a:r>
+              <a:rPr lang="de-DE" dirty="0"/>
               <a:t>2023</a:t>
             </a:r>
           </a:p>
@@ -19571,40 +19766,9 @@
           <a:bodyPr rtlCol="0"/>
           <a:lstStyle/>
           <a:p>
-            <a:pPr marL="0" marR="0" lvl="0" indent="0" algn="ctr" defTabSz="914400" rtl="0" eaLnBrk="1" fontAlgn="auto" latinLnBrk="0" hangingPunct="1">
-              <a:lnSpc>
-                <a:spcPct val="100000"/>
-              </a:lnSpc>
-              <a:spcBef>
-                <a:spcPts val="0"/>
-              </a:spcBef>
-              <a:spcAft>
-                <a:spcPts val="0"/>
-              </a:spcAft>
-              <a:buClrTx/>
-              <a:buSzTx/>
-              <a:buFontTx/>
-              <a:buNone/>
-              <a:tabLst/>
-              <a:defRPr/>
-            </a:pPr>
-            <a:r>
-              <a:rPr kumimoji="0" lang="de-DE" sz="900" b="0" i="0" u="none" strike="noStrike" kern="1200" cap="none" spc="0" normalizeH="0" baseline="0" noProof="0" dirty="0">
-                <a:ln>
-                  <a:noFill/>
-                </a:ln>
-                <a:solidFill>
-                  <a:prstClr val="black">
-                    <a:tint val="75000"/>
-                  </a:prstClr>
-                </a:solidFill>
-                <a:effectLst/>
-                <a:uLnTx/>
-                <a:uFillTx/>
-                <a:latin typeface="Tenorite"/>
-                <a:ea typeface="+mn-ea"/>
-                <a:cs typeface="+mn-cs"/>
-              </a:rPr>
+            <a:pPr rtl="0"/>
+            <a:r>
+              <a:rPr lang="de-DE" dirty="0"/>
               <a:t>RAID</a:t>
             </a:r>
           </a:p>
@@ -19636,465 +19800,10 @@
           <a:bodyPr rtlCol="0"/>
           <a:lstStyle/>
           <a:p>
-            <a:pPr marL="0" marR="0" lvl="0" indent="0" algn="r" defTabSz="914400" rtl="0" eaLnBrk="1" fontAlgn="auto" latinLnBrk="0" hangingPunct="1">
-              <a:lnSpc>
-                <a:spcPct val="100000"/>
-              </a:lnSpc>
-              <a:spcBef>
-                <a:spcPts val="0"/>
-              </a:spcBef>
-              <a:spcAft>
-                <a:spcPts val="0"/>
-              </a:spcAft>
-              <a:buClrTx/>
-              <a:buSzTx/>
-              <a:buFontTx/>
-              <a:buNone/>
-              <a:tabLst/>
-              <a:defRPr/>
-            </a:pPr>
-            <a:r>
-              <a:rPr kumimoji="0" lang="de-DE" sz="900" b="0" i="0" u="none" strike="noStrike" kern="1200" cap="none" spc="0" normalizeH="0" baseline="0" noProof="0" dirty="0">
-                <a:ln>
-                  <a:noFill/>
-                </a:ln>
-                <a:solidFill>
-                  <a:prstClr val="black">
-                    <a:tint val="75000"/>
-                  </a:prstClr>
-                </a:solidFill>
-                <a:effectLst/>
-                <a:uLnTx/>
-                <a:uFillTx/>
-                <a:latin typeface="Tenorite"/>
-                <a:ea typeface="+mn-ea"/>
-                <a:cs typeface="+mn-cs"/>
-              </a:rPr>
-              <a:t>1</a:t>
-            </a:r>
-          </a:p>
-        </p:txBody>
-      </p:sp>
-      <p:sp>
-        <p:nvSpPr>
-          <p:cNvPr id="28" name="Inhaltsplatzhalter 2">
-            <a:extLst>
-              <a:ext uri="{FF2B5EF4-FFF2-40B4-BE49-F238E27FC236}">
-                <a16:creationId xmlns:a16="http://schemas.microsoft.com/office/drawing/2014/main" id="{32255E1E-230D-C0EC-C453-271E0F50BF5F}"/>
-              </a:ext>
-            </a:extLst>
-          </p:cNvPr>
-          <p:cNvSpPr txBox="1">
-            <a:spLocks/>
-          </p:cNvSpPr>
-          <p:nvPr/>
-        </p:nvSpPr>
-        <p:spPr>
-          <a:xfrm>
-            <a:off x="4663383" y="2246050"/>
-            <a:ext cx="5433204" cy="365125"/>
-          </a:xfrm>
-          <a:prstGeom prst="rect">
-            <a:avLst/>
-          </a:prstGeom>
-        </p:spPr>
-        <p:txBody>
-          <a:bodyPr vert="horz" lIns="91440" tIns="45720" rIns="91440" bIns="45720" rtlCol="0" anchor="t">
-            <a:normAutofit lnSpcReduction="10000"/>
-          </a:bodyPr>
-          <a:lstStyle>
-            <a:lvl1pPr marL="0" indent="0" algn="l" defTabSz="914400" rtl="0" eaLnBrk="1" latinLnBrk="0" hangingPunct="1">
-              <a:lnSpc>
-                <a:spcPct val="90000"/>
-              </a:lnSpc>
-              <a:spcBef>
-                <a:spcPts val="1000"/>
-              </a:spcBef>
-              <a:buFont typeface="Arial" panose="020B0604020202020204" pitchFamily="34" charset="0"/>
-              <a:buNone/>
-              <a:defRPr lang="en-US" sz="2000" kern="1200" spc="150" baseline="0" dirty="0">
-                <a:solidFill>
-                  <a:schemeClr val="tx1"/>
-                </a:solidFill>
-                <a:latin typeface="+mj-lt"/>
-                <a:ea typeface="+mj-ea"/>
-                <a:cs typeface="+mj-cs"/>
-              </a:defRPr>
-            </a:lvl1pPr>
-            <a:lvl2pPr marL="685800" indent="-228600" algn="l" defTabSz="914400" rtl="0" eaLnBrk="1" latinLnBrk="0" hangingPunct="1">
-              <a:lnSpc>
-                <a:spcPct val="90000"/>
-              </a:lnSpc>
-              <a:spcBef>
-                <a:spcPts val="500"/>
-              </a:spcBef>
-              <a:buFont typeface="Arial" panose="020B0604020202020204" pitchFamily="34" charset="0"/>
-              <a:buChar char="•"/>
-              <a:defRPr sz="2400" kern="1200">
-                <a:solidFill>
-                  <a:schemeClr val="tx1"/>
-                </a:solidFill>
-                <a:latin typeface="+mn-lt"/>
-                <a:ea typeface="+mn-ea"/>
-                <a:cs typeface="+mn-cs"/>
-              </a:defRPr>
-            </a:lvl2pPr>
-            <a:lvl3pPr marL="1143000" indent="-228600" algn="l" defTabSz="914400" rtl="0" eaLnBrk="1" latinLnBrk="0" hangingPunct="1">
-              <a:lnSpc>
-                <a:spcPct val="90000"/>
-              </a:lnSpc>
-              <a:spcBef>
-                <a:spcPts val="500"/>
-              </a:spcBef>
-              <a:buFont typeface="Arial" panose="020B0604020202020204" pitchFamily="34" charset="0"/>
-              <a:buChar char="•"/>
-              <a:defRPr sz="2000" kern="1200">
-                <a:solidFill>
-                  <a:schemeClr val="tx1"/>
-                </a:solidFill>
-                <a:latin typeface="+mn-lt"/>
-                <a:ea typeface="+mn-ea"/>
-                <a:cs typeface="+mn-cs"/>
-              </a:defRPr>
-            </a:lvl3pPr>
-            <a:lvl4pPr marL="1600200" indent="-228600" algn="l" defTabSz="914400" rtl="0" eaLnBrk="1" latinLnBrk="0" hangingPunct="1">
-              <a:lnSpc>
-                <a:spcPct val="90000"/>
-              </a:lnSpc>
-              <a:spcBef>
-                <a:spcPts val="500"/>
-              </a:spcBef>
-              <a:buFont typeface="Arial" panose="020B0604020202020204" pitchFamily="34" charset="0"/>
-              <a:buChar char="•"/>
-              <a:defRPr sz="1800" kern="1200">
-                <a:solidFill>
-                  <a:schemeClr val="tx1"/>
-                </a:solidFill>
-                <a:latin typeface="+mn-lt"/>
-                <a:ea typeface="+mn-ea"/>
-                <a:cs typeface="+mn-cs"/>
-              </a:defRPr>
-            </a:lvl4pPr>
-            <a:lvl5pPr marL="2057400" indent="-228600" algn="l" defTabSz="914400" rtl="0" eaLnBrk="1" latinLnBrk="0" hangingPunct="1">
-              <a:lnSpc>
-                <a:spcPct val="90000"/>
-              </a:lnSpc>
-              <a:spcBef>
-                <a:spcPts val="500"/>
-              </a:spcBef>
-              <a:buFont typeface="Arial" panose="020B0604020202020204" pitchFamily="34" charset="0"/>
-              <a:buChar char="•"/>
-              <a:defRPr sz="1800" kern="1200">
-                <a:solidFill>
-                  <a:schemeClr val="tx1"/>
-                </a:solidFill>
-                <a:latin typeface="+mn-lt"/>
-                <a:ea typeface="+mn-ea"/>
-                <a:cs typeface="+mn-cs"/>
-              </a:defRPr>
-            </a:lvl5pPr>
-            <a:lvl6pPr marL="2514600" indent="-228600" algn="l" defTabSz="914400" rtl="0" eaLnBrk="1" latinLnBrk="0" hangingPunct="1">
-              <a:lnSpc>
-                <a:spcPct val="90000"/>
-              </a:lnSpc>
-              <a:spcBef>
-                <a:spcPts val="500"/>
-              </a:spcBef>
-              <a:buFont typeface="Arial" panose="020B0604020202020204" pitchFamily="34" charset="0"/>
-              <a:buChar char="•"/>
-              <a:defRPr sz="1800" kern="1200">
-                <a:solidFill>
-                  <a:schemeClr val="tx1"/>
-                </a:solidFill>
-                <a:latin typeface="+mn-lt"/>
-                <a:ea typeface="+mn-ea"/>
-                <a:cs typeface="+mn-cs"/>
-              </a:defRPr>
-            </a:lvl6pPr>
-            <a:lvl7pPr marL="2971800" indent="-228600" algn="l" defTabSz="914400" rtl="0" eaLnBrk="1" latinLnBrk="0" hangingPunct="1">
-              <a:lnSpc>
-                <a:spcPct val="90000"/>
-              </a:lnSpc>
-              <a:spcBef>
-                <a:spcPts val="500"/>
-              </a:spcBef>
-              <a:buFont typeface="Arial" panose="020B0604020202020204" pitchFamily="34" charset="0"/>
-              <a:buChar char="•"/>
-              <a:defRPr sz="1800" kern="1200">
-                <a:solidFill>
-                  <a:schemeClr val="tx1"/>
-                </a:solidFill>
-                <a:latin typeface="+mn-lt"/>
-                <a:ea typeface="+mn-ea"/>
-                <a:cs typeface="+mn-cs"/>
-              </a:defRPr>
-            </a:lvl7pPr>
-            <a:lvl8pPr marL="3429000" indent="-228600" algn="l" defTabSz="914400" rtl="0" eaLnBrk="1" latinLnBrk="0" hangingPunct="1">
-              <a:lnSpc>
-                <a:spcPct val="90000"/>
-              </a:lnSpc>
-              <a:spcBef>
-                <a:spcPts val="500"/>
-              </a:spcBef>
-              <a:buFont typeface="Arial" panose="020B0604020202020204" pitchFamily="34" charset="0"/>
-              <a:buChar char="•"/>
-              <a:defRPr sz="1800" kern="1200">
-                <a:solidFill>
-                  <a:schemeClr val="tx1"/>
-                </a:solidFill>
-                <a:latin typeface="+mn-lt"/>
-                <a:ea typeface="+mn-ea"/>
-                <a:cs typeface="+mn-cs"/>
-              </a:defRPr>
-            </a:lvl8pPr>
-            <a:lvl9pPr marL="3886200" indent="-228600" algn="l" defTabSz="914400" rtl="0" eaLnBrk="1" latinLnBrk="0" hangingPunct="1">
-              <a:lnSpc>
-                <a:spcPct val="90000"/>
-              </a:lnSpc>
-              <a:spcBef>
-                <a:spcPts val="500"/>
-              </a:spcBef>
-              <a:buFont typeface="Arial" panose="020B0604020202020204" pitchFamily="34" charset="0"/>
-              <a:buChar char="•"/>
-              <a:defRPr sz="1800" kern="1200">
-                <a:solidFill>
-                  <a:schemeClr val="tx1"/>
-                </a:solidFill>
-                <a:latin typeface="+mn-lt"/>
-                <a:ea typeface="+mn-ea"/>
-                <a:cs typeface="+mn-cs"/>
-              </a:defRPr>
-            </a:lvl9pPr>
-          </a:lstStyle>
-          <a:p>
-            <a:pPr marL="0" marR="0" lvl="0" indent="0" algn="l" defTabSz="914400" rtl="0" eaLnBrk="1" fontAlgn="auto" latinLnBrk="0" hangingPunct="1">
-              <a:lnSpc>
-                <a:spcPct val="90000"/>
-              </a:lnSpc>
-              <a:spcBef>
-                <a:spcPts val="1000"/>
-              </a:spcBef>
-              <a:spcAft>
-                <a:spcPts val="0"/>
-              </a:spcAft>
-              <a:buClrTx/>
-              <a:buSzTx/>
-              <a:buFont typeface="Arial" panose="020B0604020202020204" pitchFamily="34" charset="0"/>
-              <a:buNone/>
-              <a:tabLst/>
-              <a:defRPr/>
-            </a:pPr>
-            <a:r>
-              <a:rPr kumimoji="0" lang="de-DE" sz="2000" b="0" i="0" u="none" strike="noStrike" kern="1200" cap="none" spc="150" normalizeH="0" baseline="0" noProof="0" dirty="0">
-                <a:ln>
-                  <a:noFill/>
-                </a:ln>
-                <a:solidFill>
-                  <a:prstClr val="black"/>
-                </a:solidFill>
-                <a:effectLst/>
-                <a:uLnTx/>
-                <a:uFillTx/>
-                <a:latin typeface="Tenorite"/>
-                <a:ea typeface="+mj-ea"/>
-                <a:cs typeface="+mj-cs"/>
-              </a:rPr>
-              <a:t>RAID-Level</a:t>
-            </a:r>
-          </a:p>
-        </p:txBody>
-      </p:sp>
-      <p:sp>
-        <p:nvSpPr>
-          <p:cNvPr id="33" name="TextBox 32">
-            <a:extLst>
-              <a:ext uri="{FF2B5EF4-FFF2-40B4-BE49-F238E27FC236}">
-                <a16:creationId xmlns:a16="http://schemas.microsoft.com/office/drawing/2014/main" id="{DC868F32-DC42-8CFB-32DA-EF52753409D3}"/>
-              </a:ext>
-            </a:extLst>
-          </p:cNvPr>
-          <p:cNvSpPr txBox="1"/>
-          <p:nvPr/>
-        </p:nvSpPr>
-        <p:spPr>
-          <a:xfrm>
-            <a:off x="4663383" y="2881459"/>
-            <a:ext cx="6098146" cy="400110"/>
-          </a:xfrm>
-          <a:prstGeom prst="rect">
-            <a:avLst/>
-          </a:prstGeom>
-          <a:noFill/>
-        </p:spPr>
-        <p:txBody>
-          <a:bodyPr wrap="square">
-            <a:spAutoFit/>
-          </a:bodyPr>
-          <a:lstStyle/>
-          <a:p>
-            <a:pPr marL="0" marR="0" lvl="0" indent="0" algn="l" defTabSz="914400" rtl="0" eaLnBrk="1" fontAlgn="auto" latinLnBrk="0" hangingPunct="1">
-              <a:lnSpc>
-                <a:spcPct val="100000"/>
-              </a:lnSpc>
-              <a:spcBef>
-                <a:spcPts val="0"/>
-              </a:spcBef>
-              <a:spcAft>
-                <a:spcPts val="0"/>
-              </a:spcAft>
-              <a:buClrTx/>
-              <a:buSzTx/>
-              <a:buFontTx/>
-              <a:buNone/>
-              <a:tabLst/>
-              <a:defRPr/>
-            </a:pPr>
-            <a:r>
-              <a:rPr kumimoji="0" lang="de-DE" sz="2000" b="0" i="0" u="none" strike="noStrike" kern="1200" cap="none" spc="0" normalizeH="0" baseline="0" noProof="0" dirty="0">
-                <a:ln>
-                  <a:noFill/>
-                </a:ln>
-                <a:solidFill>
-                  <a:prstClr val="black"/>
-                </a:solidFill>
-                <a:effectLst/>
-                <a:uLnTx/>
-                <a:uFillTx/>
-                <a:latin typeface="Tenorite"/>
-                <a:ea typeface="+mn-ea"/>
-                <a:cs typeface="+mn-cs"/>
-              </a:rPr>
-              <a:t>Technische Aspekte</a:t>
-            </a:r>
-          </a:p>
-        </p:txBody>
-      </p:sp>
-      <p:sp>
-        <p:nvSpPr>
-          <p:cNvPr id="35" name="TextBox 34">
-            <a:extLst>
-              <a:ext uri="{FF2B5EF4-FFF2-40B4-BE49-F238E27FC236}">
-                <a16:creationId xmlns:a16="http://schemas.microsoft.com/office/drawing/2014/main" id="{BD9505EA-1410-E391-14C3-5F6A14BBF84F}"/>
-              </a:ext>
-            </a:extLst>
-          </p:cNvPr>
-          <p:cNvSpPr txBox="1"/>
-          <p:nvPr/>
-        </p:nvSpPr>
-        <p:spPr>
-          <a:xfrm>
-            <a:off x="4675182" y="3551853"/>
-            <a:ext cx="6098146" cy="400110"/>
-          </a:xfrm>
-          <a:prstGeom prst="rect">
-            <a:avLst/>
-          </a:prstGeom>
-          <a:noFill/>
-        </p:spPr>
-        <p:txBody>
-          <a:bodyPr wrap="square">
-            <a:spAutoFit/>
-          </a:bodyPr>
-          <a:lstStyle/>
-          <a:p>
-            <a:pPr marL="0" marR="0" lvl="0" indent="0" algn="l" defTabSz="914400" rtl="0" eaLnBrk="1" fontAlgn="auto" latinLnBrk="0" hangingPunct="1">
-              <a:lnSpc>
-                <a:spcPct val="100000"/>
-              </a:lnSpc>
-              <a:spcBef>
-                <a:spcPts val="0"/>
-              </a:spcBef>
-              <a:spcAft>
-                <a:spcPts val="0"/>
-              </a:spcAft>
-              <a:buClrTx/>
-              <a:buSzTx/>
-              <a:buFontTx/>
-              <a:buNone/>
-              <a:tabLst/>
-              <a:defRPr/>
-            </a:pPr>
-            <a:r>
-              <a:rPr kumimoji="0" lang="de-DE" sz="2000" b="0" i="0" u="none" strike="noStrike" kern="1200" cap="none" spc="0" normalizeH="0" baseline="0" noProof="0" dirty="0">
-                <a:ln>
-                  <a:noFill/>
-                </a:ln>
-                <a:solidFill>
-                  <a:prstClr val="black"/>
-                </a:solidFill>
-                <a:effectLst/>
-                <a:uLnTx/>
-                <a:uFillTx/>
-                <a:latin typeface="Tenorite"/>
-                <a:ea typeface="+mn-ea"/>
-                <a:cs typeface="+mn-cs"/>
-              </a:rPr>
-              <a:t>Zukünftige Trends</a:t>
-            </a:r>
-          </a:p>
-        </p:txBody>
-      </p:sp>
-      <p:sp>
-        <p:nvSpPr>
-          <p:cNvPr id="37" name="TextBox 36">
-            <a:extLst>
-              <a:ext uri="{FF2B5EF4-FFF2-40B4-BE49-F238E27FC236}">
-                <a16:creationId xmlns:a16="http://schemas.microsoft.com/office/drawing/2014/main" id="{67F18ED6-AEE1-827E-CAD7-2D355542CB0D}"/>
-              </a:ext>
-            </a:extLst>
-          </p:cNvPr>
-          <p:cNvSpPr txBox="1"/>
-          <p:nvPr/>
-        </p:nvSpPr>
-        <p:spPr>
-          <a:xfrm>
-            <a:off x="4675182" y="4222248"/>
-            <a:ext cx="6098146" cy="400110"/>
-          </a:xfrm>
-          <a:prstGeom prst="rect">
-            <a:avLst/>
-          </a:prstGeom>
-          <a:noFill/>
-        </p:spPr>
-        <p:txBody>
-          <a:bodyPr wrap="square">
-            <a:spAutoFit/>
-          </a:bodyPr>
-          <a:lstStyle/>
-          <a:p>
-            <a:pPr marL="0" marR="0" lvl="0" indent="0" algn="l" defTabSz="914400" rtl="0" eaLnBrk="1" fontAlgn="auto" latinLnBrk="0" hangingPunct="1">
-              <a:lnSpc>
-                <a:spcPct val="100000"/>
-              </a:lnSpc>
-              <a:spcBef>
-                <a:spcPts val="0"/>
-              </a:spcBef>
-              <a:spcAft>
-                <a:spcPts val="0"/>
-              </a:spcAft>
-              <a:buClrTx/>
-              <a:buSzTx/>
-              <a:buFontTx/>
-              <a:buNone/>
-              <a:tabLst/>
-              <a:defRPr/>
-            </a:pPr>
-            <a:r>
-              <a:rPr kumimoji="0" lang="de-DE" sz="2000" b="0" i="0" u="none" strike="noStrike" kern="1200" cap="none" spc="0" normalizeH="0" baseline="0" noProof="0" dirty="0">
-                <a:ln>
-                  <a:noFill/>
-                </a:ln>
-                <a:solidFill>
-                  <a:prstClr val="black"/>
-                </a:solidFill>
-                <a:effectLst/>
-                <a:uLnTx/>
-                <a:uFillTx/>
-                <a:latin typeface="Tenorite"/>
-                <a:ea typeface="+mn-ea"/>
-                <a:cs typeface="+mn-cs"/>
-              </a:rPr>
-              <a:t>Fazit</a:t>
+            <a:pPr rtl="0"/>
+            <a:r>
+              <a:rPr lang="de-DE" dirty="0"/>
+              <a:t>13</a:t>
             </a:r>
           </a:p>
         </p:txBody>
@@ -20113,12 +19822,15 @@
         </p:nvSpPr>
         <p:spPr>
           <a:xfrm>
-            <a:off x="4043025" y="3591897"/>
+            <a:off x="4043025" y="4029376"/>
             <a:ext cx="632157" cy="330139"/>
           </a:xfrm>
           <a:prstGeom prst="rightArrow">
             <a:avLst/>
           </a:prstGeom>
+          <a:solidFill>
+            <a:schemeClr val="accent2"/>
+          </a:solidFill>
         </p:spPr>
         <p:style>
           <a:lnRef idx="2">
@@ -20140,44 +19852,69 @@
           <a:bodyPr rtlCol="0" anchor="ctr"/>
           <a:lstStyle/>
           <a:p>
-            <a:pPr marL="0" marR="0" lvl="0" indent="0" algn="ctr" defTabSz="914400" rtl="0" eaLnBrk="1" fontAlgn="auto" latinLnBrk="0" hangingPunct="1">
+            <a:pPr algn="ctr"/>
+            <a:endParaRPr lang="de-DE"/>
+          </a:p>
+        </p:txBody>
+      </p:sp>
+      <p:sp>
+        <p:nvSpPr>
+          <p:cNvPr id="11" name="Titel 1">
+            <a:extLst>
+              <a:ext uri="{FF2B5EF4-FFF2-40B4-BE49-F238E27FC236}">
+                <a16:creationId xmlns:a16="http://schemas.microsoft.com/office/drawing/2014/main" id="{BCBBE72B-1CD7-4827-95DC-F77D27D4663C}"/>
+              </a:ext>
+            </a:extLst>
+          </p:cNvPr>
+          <p:cNvSpPr txBox="1">
+            <a:spLocks/>
+          </p:cNvSpPr>
+          <p:nvPr/>
+        </p:nvSpPr>
+        <p:spPr>
+          <a:xfrm>
+            <a:off x="4663383" y="136525"/>
+            <a:ext cx="5211184" cy="1122202"/>
+          </a:xfrm>
+          <a:prstGeom prst="rect">
+            <a:avLst/>
+          </a:prstGeom>
+        </p:spPr>
+        <p:txBody>
+          <a:bodyPr vert="horz" lIns="91440" tIns="45720" rIns="91440" bIns="45720" rtlCol="0" anchor="b">
+            <a:normAutofit/>
+          </a:bodyPr>
+          <a:lstStyle>
+            <a:lvl1pPr algn="l" defTabSz="914400" rtl="0" eaLnBrk="1" latinLnBrk="0" hangingPunct="1">
               <a:lnSpc>
-                <a:spcPct val="100000"/>
+                <a:spcPct val="90000"/>
               </a:lnSpc>
               <a:spcBef>
-                <a:spcPts val="0"/>
+                <a:spcPct val="0"/>
               </a:spcBef>
-              <a:spcAft>
-                <a:spcPts val="0"/>
-              </a:spcAft>
-              <a:buClrTx/>
-              <a:buSzTx/>
-              <a:buFontTx/>
-              <a:buNone/>
-              <a:tabLst/>
-              <a:defRPr/>
-            </a:pPr>
-            <a:endParaRPr kumimoji="0" lang="de-DE" sz="1800" b="0" i="0" u="none" strike="noStrike" kern="1200" cap="none" spc="0" normalizeH="0" baseline="0" noProof="0">
-              <a:ln>
-                <a:noFill/>
-              </a:ln>
-              <a:solidFill>
-                <a:prstClr val="white"/>
-              </a:solidFill>
-              <a:effectLst/>
-              <a:uLnTx/>
-              <a:uFillTx/>
-              <a:latin typeface="Tenorite"/>
-              <a:ea typeface="+mn-ea"/>
-              <a:cs typeface="+mn-cs"/>
-            </a:endParaRPr>
+              <a:buNone/>
+              <a:defRPr lang="en-US" sz="2800" kern="1200" cap="all" spc="150" baseline="0" dirty="0">
+                <a:solidFill>
+                  <a:schemeClr val="tx1"/>
+                </a:solidFill>
+                <a:latin typeface="+mj-lt"/>
+                <a:ea typeface="+mj-ea"/>
+                <a:cs typeface="+mj-cs"/>
+              </a:defRPr>
+            </a:lvl1pPr>
+          </a:lstStyle>
+          <a:p>
+            <a:r>
+              <a:rPr lang="de-DE" sz="3200" dirty="0"/>
+              <a:t>Agenda</a:t>
+            </a:r>
           </a:p>
         </p:txBody>
       </p:sp>
     </p:spTree>
     <p:extLst>
       <p:ext uri="{BB962C8B-B14F-4D97-AF65-F5344CB8AC3E}">
-        <p14:creationId xmlns:p14="http://schemas.microsoft.com/office/powerpoint/2010/main" val="224376760"/>
+        <p14:creationId xmlns:p14="http://schemas.microsoft.com/office/powerpoint/2010/main" val="3360792630"/>
       </p:ext>
     </p:extLst>
   </p:cSld>
@@ -20230,9 +19967,40 @@
           <a:bodyPr rtlCol="0"/>
           <a:lstStyle/>
           <a:p>
-            <a:pPr rtl="0"/>
-            <a:r>
-              <a:rPr lang="de-DE" dirty="0"/>
+            <a:pPr marL="0" marR="0" lvl="0" indent="0" algn="l" defTabSz="914400" rtl="0" eaLnBrk="1" fontAlgn="auto" latinLnBrk="0" hangingPunct="1">
+              <a:lnSpc>
+                <a:spcPct val="100000"/>
+              </a:lnSpc>
+              <a:spcBef>
+                <a:spcPts val="0"/>
+              </a:spcBef>
+              <a:spcAft>
+                <a:spcPts val="0"/>
+              </a:spcAft>
+              <a:buClrTx/>
+              <a:buSzTx/>
+              <a:buFontTx/>
+              <a:buNone/>
+              <a:tabLst/>
+              <a:defRPr/>
+            </a:pPr>
+            <a:r>
+              <a:rPr kumimoji="0" lang="de-DE" sz="900" b="0" i="0" u="none" strike="noStrike" kern="1200" cap="none" spc="0" normalizeH="0" baseline="0" noProof="0" dirty="0">
+                <a:ln>
+                  <a:noFill/>
+                </a:ln>
+                <a:solidFill>
+                  <a:prstClr val="black">
+                    <a:tint val="75000"/>
+                  </a:prstClr>
+                </a:solidFill>
+                <a:effectLst/>
+                <a:uLnTx/>
+                <a:uFillTx/>
+                <a:latin typeface="Tenorite"/>
+                <a:ea typeface="+mn-ea"/>
+                <a:cs typeface="+mn-cs"/>
+              </a:rPr>
               <a:t>2023</a:t>
             </a:r>
           </a:p>
@@ -20264,9 +20032,40 @@
           <a:bodyPr rtlCol="0"/>
           <a:lstStyle/>
           <a:p>
-            <a:pPr rtl="0"/>
-            <a:r>
-              <a:rPr lang="de-DE" dirty="0"/>
+            <a:pPr marL="0" marR="0" lvl="0" indent="0" algn="ctr" defTabSz="914400" rtl="0" eaLnBrk="1" fontAlgn="auto" latinLnBrk="0" hangingPunct="1">
+              <a:lnSpc>
+                <a:spcPct val="100000"/>
+              </a:lnSpc>
+              <a:spcBef>
+                <a:spcPts val="0"/>
+              </a:spcBef>
+              <a:spcAft>
+                <a:spcPts val="0"/>
+              </a:spcAft>
+              <a:buClrTx/>
+              <a:buSzTx/>
+              <a:buFontTx/>
+              <a:buNone/>
+              <a:tabLst/>
+              <a:defRPr/>
+            </a:pPr>
+            <a:r>
+              <a:rPr kumimoji="0" lang="de-DE" sz="900" b="0" i="0" u="none" strike="noStrike" kern="1200" cap="none" spc="0" normalizeH="0" baseline="0" noProof="0" dirty="0">
+                <a:ln>
+                  <a:noFill/>
+                </a:ln>
+                <a:solidFill>
+                  <a:prstClr val="black">
+                    <a:tint val="75000"/>
+                  </a:prstClr>
+                </a:solidFill>
+                <a:effectLst/>
+                <a:uLnTx/>
+                <a:uFillTx/>
+                <a:latin typeface="Tenorite"/>
+                <a:ea typeface="+mn-ea"/>
+                <a:cs typeface="+mn-cs"/>
+              </a:rPr>
               <a:t>RAID</a:t>
             </a:r>
           </a:p>
@@ -20298,10 +20097,41 @@
           <a:bodyPr rtlCol="0"/>
           <a:lstStyle/>
           <a:p>
-            <a:pPr rtl="0"/>
-            <a:r>
-              <a:rPr lang="de-DE" dirty="0"/>
-              <a:t>5</a:t>
+            <a:pPr marL="0" marR="0" lvl="0" indent="0" algn="r" defTabSz="914400" rtl="0" eaLnBrk="1" fontAlgn="auto" latinLnBrk="0" hangingPunct="1">
+              <a:lnSpc>
+                <a:spcPct val="100000"/>
+              </a:lnSpc>
+              <a:spcBef>
+                <a:spcPts val="0"/>
+              </a:spcBef>
+              <a:spcAft>
+                <a:spcPts val="0"/>
+              </a:spcAft>
+              <a:buClrTx/>
+              <a:buSzTx/>
+              <a:buFontTx/>
+              <a:buNone/>
+              <a:tabLst/>
+              <a:defRPr/>
+            </a:pPr>
+            <a:r>
+              <a:rPr kumimoji="0" lang="de-DE" sz="900" b="0" i="0" u="none" strike="noStrike" kern="1200" cap="none" spc="0" normalizeH="0" baseline="0" noProof="0" dirty="0">
+                <a:ln>
+                  <a:noFill/>
+                </a:ln>
+                <a:solidFill>
+                  <a:prstClr val="black">
+                    <a:tint val="75000"/>
+                  </a:prstClr>
+                </a:solidFill>
+                <a:effectLst/>
+                <a:uLnTx/>
+                <a:uFillTx/>
+                <a:latin typeface="Tenorite"/>
+                <a:ea typeface="+mn-ea"/>
+                <a:cs typeface="+mn-cs"/>
+              </a:rPr>
+              <a:t>14</a:t>
             </a:r>
           </a:p>
         </p:txBody>
@@ -20322,7 +20152,7 @@
         </p:nvSpPr>
         <p:spPr>
           <a:xfrm>
-            <a:off x="4556363" y="-198326"/>
+            <a:off x="4556363" y="0"/>
             <a:ext cx="5211184" cy="1122202"/>
           </a:xfrm>
           <a:prstGeom prst="rect">
@@ -20353,17 +20183,331 @@
             </a:lvl1pPr>
           </a:lstStyle>
           <a:p>
-            <a:r>
-              <a:rPr lang="de-DE" sz="3200" dirty="0"/>
-              <a:t>Zukünftige Trends</a:t>
-            </a:r>
-          </a:p>
-        </p:txBody>
-      </p:sp>
+            <a:pPr marL="0" marR="0" lvl="0" indent="0" algn="l" defTabSz="914400" rtl="0" eaLnBrk="1" fontAlgn="auto" latinLnBrk="0" hangingPunct="1">
+              <a:lnSpc>
+                <a:spcPct val="90000"/>
+              </a:lnSpc>
+              <a:spcBef>
+                <a:spcPct val="0"/>
+              </a:spcBef>
+              <a:spcAft>
+                <a:spcPts val="0"/>
+              </a:spcAft>
+              <a:buClrTx/>
+              <a:buSzTx/>
+              <a:buFontTx/>
+              <a:buNone/>
+              <a:tabLst/>
+              <a:defRPr/>
+            </a:pPr>
+            <a:r>
+              <a:rPr kumimoji="0" lang="de-DE" sz="3200" b="0" i="0" u="none" strike="noStrike" kern="1200" cap="all" spc="150" normalizeH="0" baseline="0" noProof="0" dirty="0">
+                <a:ln>
+                  <a:noFill/>
+                </a:ln>
+                <a:solidFill>
+                  <a:prstClr val="black"/>
+                </a:solidFill>
+                <a:effectLst/>
+                <a:uLnTx/>
+                <a:uFillTx/>
+                <a:latin typeface="Tenorite"/>
+                <a:ea typeface="+mj-ea"/>
+                <a:cs typeface="+mj-cs"/>
+              </a:rPr>
+              <a:t>Hardware vs. Software raid</a:t>
+            </a:r>
+          </a:p>
+        </p:txBody>
+      </p:sp>
+      <p:graphicFrame>
+        <p:nvGraphicFramePr>
+          <p:cNvPr id="9" name="Table 8">
+            <a:extLst>
+              <a:ext uri="{FF2B5EF4-FFF2-40B4-BE49-F238E27FC236}">
+                <a16:creationId xmlns:a16="http://schemas.microsoft.com/office/drawing/2014/main" id="{39C1BD62-9C34-F2AA-08FB-83CEE45B20DC}"/>
+              </a:ext>
+            </a:extLst>
+          </p:cNvPr>
+          <p:cNvGraphicFramePr>
+            <a:graphicFrameLocks noGrp="1"/>
+          </p:cNvGraphicFramePr>
+          <p:nvPr>
+            <p:extLst/>
+          </p:nvPr>
+        </p:nvGraphicFramePr>
+        <p:xfrm>
+          <a:off x="2700165" y="1574799"/>
+          <a:ext cx="7319598" cy="3830465"/>
+        </p:xfrm>
+        <a:graphic>
+          <a:graphicData uri="http://schemas.openxmlformats.org/drawingml/2006/table">
+            <a:tbl>
+              <a:tblPr firstRow="1" bandRow="1">
+                <a:tableStyleId>{5C22544A-7EE6-4342-B048-85BDC9FD1C3A}</a:tableStyleId>
+              </a:tblPr>
+              <a:tblGrid>
+                <a:gridCol w="3659799">
+                  <a:extLst>
+                    <a:ext uri="{9D8B030D-6E8A-4147-A177-3AD203B41FA5}">
+                      <a16:colId xmlns:a16="http://schemas.microsoft.com/office/drawing/2014/main" val="1311180587"/>
+                    </a:ext>
+                  </a:extLst>
+                </a:gridCol>
+                <a:gridCol w="3659799">
+                  <a:extLst>
+                    <a:ext uri="{9D8B030D-6E8A-4147-A177-3AD203B41FA5}">
+                      <a16:colId xmlns:a16="http://schemas.microsoft.com/office/drawing/2014/main" val="3974234270"/>
+                    </a:ext>
+                  </a:extLst>
+                </a:gridCol>
+              </a:tblGrid>
+              <a:tr h="638077">
+                <a:tc>
+                  <a:txBody>
+                    <a:bodyPr/>
+                    <a:lstStyle/>
+                    <a:p>
+                      <a:pPr algn="ctr"/>
+                      <a:r>
+                        <a:rPr lang="de-DE" dirty="0">
+                          <a:solidFill>
+                            <a:schemeClr val="tx1"/>
+                          </a:solidFill>
+                        </a:rPr>
+                        <a:t>HARDWARE</a:t>
+                      </a:r>
+                    </a:p>
+                  </a:txBody>
+                  <a:tcPr/>
+                </a:tc>
+                <a:tc>
+                  <a:txBody>
+                    <a:bodyPr/>
+                    <a:lstStyle/>
+                    <a:p>
+                      <a:pPr algn="ctr"/>
+                      <a:r>
+                        <a:rPr lang="de-DE" dirty="0">
+                          <a:solidFill>
+                            <a:schemeClr val="tx1"/>
+                          </a:solidFill>
+                        </a:rPr>
+                        <a:t>SOFTWARE</a:t>
+                      </a:r>
+                    </a:p>
+                  </a:txBody>
+                  <a:tcPr/>
+                </a:tc>
+                <a:extLst>
+                  <a:ext uri="{0D108BD9-81ED-4DB2-BD59-A6C34878D82A}">
+                    <a16:rowId xmlns:a16="http://schemas.microsoft.com/office/drawing/2014/main" val="3728939042"/>
+                  </a:ext>
+                </a:extLst>
+              </a:tr>
+              <a:tr h="638077">
+                <a:tc>
+                  <a:txBody>
+                    <a:bodyPr/>
+                    <a:lstStyle/>
+                    <a:p>
+                      <a:pPr algn="ctr"/>
+                      <a:r>
+                        <a:rPr lang="de-DE" dirty="0"/>
+                        <a:t>Implementierung +</a:t>
+                      </a:r>
+                    </a:p>
+                  </a:txBody>
+                  <a:tcPr/>
+                </a:tc>
+                <a:tc>
+                  <a:txBody>
+                    <a:bodyPr/>
+                    <a:lstStyle/>
+                    <a:p>
+                      <a:pPr algn="ctr"/>
+                      <a:r>
+                        <a:rPr lang="de-DE" dirty="0"/>
+                        <a:t>Implementierung ++</a:t>
+                      </a:r>
+                    </a:p>
+                  </a:txBody>
+                  <a:tcPr/>
+                </a:tc>
+                <a:extLst>
+                  <a:ext uri="{0D108BD9-81ED-4DB2-BD59-A6C34878D82A}">
+                    <a16:rowId xmlns:a16="http://schemas.microsoft.com/office/drawing/2014/main" val="2909961909"/>
+                  </a:ext>
+                </a:extLst>
+              </a:tr>
+              <a:tr h="638077">
+                <a:tc>
+                  <a:txBody>
+                    <a:bodyPr/>
+                    <a:lstStyle/>
+                    <a:p>
+                      <a:pPr algn="ctr"/>
+                      <a:r>
+                        <a:rPr lang="de-DE" dirty="0"/>
+                        <a:t>Leistung +</a:t>
+                      </a:r>
+                    </a:p>
+                  </a:txBody>
+                  <a:tcPr/>
+                </a:tc>
+                <a:tc>
+                  <a:txBody>
+                    <a:bodyPr/>
+                    <a:lstStyle/>
+                    <a:p>
+                      <a:pPr algn="ctr"/>
+                      <a:r>
+                        <a:rPr lang="de-DE" dirty="0"/>
+                        <a:t>Leistung -</a:t>
+                      </a:r>
+                    </a:p>
+                  </a:txBody>
+                  <a:tcPr/>
+                </a:tc>
+                <a:extLst>
+                  <a:ext uri="{0D108BD9-81ED-4DB2-BD59-A6C34878D82A}">
+                    <a16:rowId xmlns:a16="http://schemas.microsoft.com/office/drawing/2014/main" val="2439373651"/>
+                  </a:ext>
+                </a:extLst>
+              </a:tr>
+              <a:tr h="638077">
+                <a:tc>
+                  <a:txBody>
+                    <a:bodyPr/>
+                    <a:lstStyle/>
+                    <a:p>
+                      <a:pPr algn="ctr"/>
+                      <a:r>
+                        <a:rPr lang="de-DE" dirty="0"/>
+                        <a:t>Zuverlässigkeit +</a:t>
+                      </a:r>
+                    </a:p>
+                  </a:txBody>
+                  <a:tcPr/>
+                </a:tc>
+                <a:tc>
+                  <a:txBody>
+                    <a:bodyPr/>
+                    <a:lstStyle/>
+                    <a:p>
+                      <a:pPr algn="ctr"/>
+                      <a:r>
+                        <a:rPr lang="de-DE" dirty="0"/>
+                        <a:t>Zuverlässigkeit -</a:t>
+                      </a:r>
+                    </a:p>
+                  </a:txBody>
+                  <a:tcPr/>
+                </a:tc>
+                <a:extLst>
+                  <a:ext uri="{0D108BD9-81ED-4DB2-BD59-A6C34878D82A}">
+                    <a16:rowId xmlns:a16="http://schemas.microsoft.com/office/drawing/2014/main" val="3100180892"/>
+                  </a:ext>
+                </a:extLst>
+              </a:tr>
+              <a:tr h="638077">
+                <a:tc>
+                  <a:txBody>
+                    <a:bodyPr/>
+                    <a:lstStyle/>
+                    <a:p>
+                      <a:pPr algn="ctr"/>
+                      <a:r>
+                        <a:rPr lang="de-DE" dirty="0"/>
+                        <a:t>Flexibilität -</a:t>
+                      </a:r>
+                    </a:p>
+                  </a:txBody>
+                  <a:tcPr/>
+                </a:tc>
+                <a:tc>
+                  <a:txBody>
+                    <a:bodyPr/>
+                    <a:lstStyle/>
+                    <a:p>
+                      <a:pPr marL="0" marR="0" lvl="0" indent="0" algn="ctr" defTabSz="914400" rtl="0" eaLnBrk="1" fontAlgn="auto" latinLnBrk="0" hangingPunct="1">
+                        <a:lnSpc>
+                          <a:spcPct val="100000"/>
+                        </a:lnSpc>
+                        <a:spcBef>
+                          <a:spcPts val="0"/>
+                        </a:spcBef>
+                        <a:spcAft>
+                          <a:spcPts val="0"/>
+                        </a:spcAft>
+                        <a:buClrTx/>
+                        <a:buSzTx/>
+                        <a:buFontTx/>
+                        <a:buNone/>
+                        <a:tabLst/>
+                        <a:defRPr/>
+                      </a:pPr>
+                      <a:r>
+                        <a:rPr lang="de-DE" dirty="0"/>
+                        <a:t>Flexibilität +</a:t>
+                      </a:r>
+                    </a:p>
+                    <a:p>
+                      <a:pPr algn="ctr"/>
+                      <a:endParaRPr lang="de-DE" dirty="0"/>
+                    </a:p>
+                  </a:txBody>
+                  <a:tcPr/>
+                </a:tc>
+                <a:extLst>
+                  <a:ext uri="{0D108BD9-81ED-4DB2-BD59-A6C34878D82A}">
+                    <a16:rowId xmlns:a16="http://schemas.microsoft.com/office/drawing/2014/main" val="1034338749"/>
+                  </a:ext>
+                </a:extLst>
+              </a:tr>
+              <a:tr h="638077">
+                <a:tc>
+                  <a:txBody>
+                    <a:bodyPr/>
+                    <a:lstStyle/>
+                    <a:p>
+                      <a:pPr algn="ctr"/>
+                      <a:r>
+                        <a:rPr lang="de-DE" dirty="0"/>
+                        <a:t>Kosten -</a:t>
+                      </a:r>
+                    </a:p>
+                  </a:txBody>
+                  <a:tcPr/>
+                </a:tc>
+                <a:tc>
+                  <a:txBody>
+                    <a:bodyPr/>
+                    <a:lstStyle/>
+                    <a:p>
+                      <a:pPr algn="ctr"/>
+                      <a:r>
+                        <a:rPr lang="de-DE" dirty="0"/>
+                        <a:t>Kosten +</a:t>
+                      </a:r>
+                    </a:p>
+                  </a:txBody>
+                  <a:tcPr/>
+                </a:tc>
+                <a:extLst>
+                  <a:ext uri="{0D108BD9-81ED-4DB2-BD59-A6C34878D82A}">
+                    <a16:rowId xmlns:a16="http://schemas.microsoft.com/office/drawing/2014/main" val="3806746707"/>
+                  </a:ext>
+                </a:extLst>
+              </a:tr>
+            </a:tbl>
+          </a:graphicData>
+        </a:graphic>
+      </p:graphicFrame>
     </p:spTree>
     <p:extLst>
       <p:ext uri="{BB962C8B-B14F-4D97-AF65-F5344CB8AC3E}">
-        <p14:creationId xmlns:p14="http://schemas.microsoft.com/office/powerpoint/2010/main" val="3420544394"/>
+        <p14:creationId xmlns:p14="http://schemas.microsoft.com/office/powerpoint/2010/main" val="869919764"/>
       </p:ext>
     </p:extLst>
   </p:cSld>
@@ -20409,12 +20553,12 @@
         <p:spPr>
           <a:xfrm>
             <a:off x="4675182" y="1610641"/>
-            <a:ext cx="5433204" cy="365125"/>
+            <a:ext cx="5433204" cy="4239553"/>
           </a:xfrm>
         </p:spPr>
         <p:txBody>
           <a:bodyPr vert="horz" lIns="91440" tIns="45720" rIns="91440" bIns="45720" rtlCol="0" anchor="t">
-            <a:normAutofit lnSpcReduction="10000"/>
+            <a:normAutofit/>
           </a:bodyPr>
           <a:lstStyle/>
           <a:p>
@@ -20429,6 +20573,54 @@
             <a:pPr rtl="0"/>
             <a:endParaRPr lang="de-DE" dirty="0"/>
           </a:p>
+          <a:p>
+            <a:pPr rtl="0"/>
+            <a:r>
+              <a:rPr lang="de-DE" dirty="0"/>
+              <a:t>RAID – Level</a:t>
+            </a:r>
+          </a:p>
+          <a:p>
+            <a:pPr rtl="0"/>
+            <a:endParaRPr lang="de-DE" dirty="0"/>
+          </a:p>
+          <a:p>
+            <a:pPr rtl="0"/>
+            <a:r>
+              <a:rPr lang="de-DE" dirty="0"/>
+              <a:t>Funktionsweise von RAID Systemen</a:t>
+            </a:r>
+          </a:p>
+          <a:p>
+            <a:pPr rtl="0"/>
+            <a:endParaRPr lang="de-DE" dirty="0"/>
+          </a:p>
+          <a:p>
+            <a:pPr rtl="0"/>
+            <a:r>
+              <a:rPr lang="de-DE" dirty="0"/>
+              <a:t>Hardware </a:t>
+            </a:r>
+            <a:r>
+              <a:rPr lang="de-DE" dirty="0" err="1"/>
+              <a:t>vs</a:t>
+            </a:r>
+            <a:r>
+              <a:rPr lang="de-DE" dirty="0"/>
+              <a:t> Software RAID</a:t>
+            </a:r>
+          </a:p>
+          <a:p>
+            <a:pPr rtl="0"/>
+            <a:endParaRPr lang="de-DE" dirty="0"/>
+          </a:p>
+          <a:p>
+            <a:pPr rtl="0"/>
+            <a:r>
+              <a:rPr lang="de-DE" dirty="0"/>
+              <a:t>Einfluss von RAID auf Systemleistung und Datensicherheit</a:t>
+            </a:r>
+          </a:p>
         </p:txBody>
       </p:sp>
       <p:sp>
@@ -20457,40 +20649,9 @@
           <a:bodyPr rtlCol="0"/>
           <a:lstStyle/>
           <a:p>
-            <a:pPr marL="0" marR="0" lvl="0" indent="0" algn="l" defTabSz="914400" rtl="0" eaLnBrk="1" fontAlgn="auto" latinLnBrk="0" hangingPunct="1">
-              <a:lnSpc>
-                <a:spcPct val="100000"/>
-              </a:lnSpc>
-              <a:spcBef>
-                <a:spcPts val="0"/>
-              </a:spcBef>
-              <a:spcAft>
-                <a:spcPts val="0"/>
-              </a:spcAft>
-              <a:buClrTx/>
-              <a:buSzTx/>
-              <a:buFontTx/>
-              <a:buNone/>
-              <a:tabLst/>
-              <a:defRPr/>
-            </a:pPr>
-            <a:r>
-              <a:rPr kumimoji="0" lang="de-DE" sz="900" b="0" i="0" u="none" strike="noStrike" kern="1200" cap="none" spc="0" normalizeH="0" baseline="0" noProof="0" dirty="0">
-                <a:ln>
-                  <a:noFill/>
-                </a:ln>
-                <a:solidFill>
-                  <a:prstClr val="black">
-                    <a:tint val="75000"/>
-                  </a:prstClr>
-                </a:solidFill>
-                <a:effectLst/>
-                <a:uLnTx/>
-                <a:uFillTx/>
-                <a:latin typeface="Tenorite"/>
-                <a:ea typeface="+mn-ea"/>
-                <a:cs typeface="+mn-cs"/>
-              </a:rPr>
+            <a:pPr rtl="0"/>
+            <a:r>
+              <a:rPr lang="de-DE" dirty="0"/>
               <a:t>2023</a:t>
             </a:r>
           </a:p>
@@ -20522,40 +20683,9 @@
           <a:bodyPr rtlCol="0"/>
           <a:lstStyle/>
           <a:p>
-            <a:pPr marL="0" marR="0" lvl="0" indent="0" algn="ctr" defTabSz="914400" rtl="0" eaLnBrk="1" fontAlgn="auto" latinLnBrk="0" hangingPunct="1">
-              <a:lnSpc>
-                <a:spcPct val="100000"/>
-              </a:lnSpc>
-              <a:spcBef>
-                <a:spcPts val="0"/>
-              </a:spcBef>
-              <a:spcAft>
-                <a:spcPts val="0"/>
-              </a:spcAft>
-              <a:buClrTx/>
-              <a:buSzTx/>
-              <a:buFontTx/>
-              <a:buNone/>
-              <a:tabLst/>
-              <a:defRPr/>
-            </a:pPr>
-            <a:r>
-              <a:rPr kumimoji="0" lang="de-DE" sz="900" b="0" i="0" u="none" strike="noStrike" kern="1200" cap="none" spc="0" normalizeH="0" baseline="0" noProof="0" dirty="0">
-                <a:ln>
-                  <a:noFill/>
-                </a:ln>
-                <a:solidFill>
-                  <a:prstClr val="black">
-                    <a:tint val="75000"/>
-                  </a:prstClr>
-                </a:solidFill>
-                <a:effectLst/>
-                <a:uLnTx/>
-                <a:uFillTx/>
-                <a:latin typeface="Tenorite"/>
-                <a:ea typeface="+mn-ea"/>
-                <a:cs typeface="+mn-cs"/>
-              </a:rPr>
+            <a:pPr rtl="0"/>
+            <a:r>
+              <a:rPr lang="de-DE" dirty="0"/>
               <a:t>RAID</a:t>
             </a:r>
           </a:p>
@@ -20587,465 +20717,10 @@
           <a:bodyPr rtlCol="0"/>
           <a:lstStyle/>
           <a:p>
-            <a:pPr marL="0" marR="0" lvl="0" indent="0" algn="r" defTabSz="914400" rtl="0" eaLnBrk="1" fontAlgn="auto" latinLnBrk="0" hangingPunct="1">
-              <a:lnSpc>
-                <a:spcPct val="100000"/>
-              </a:lnSpc>
-              <a:spcBef>
-                <a:spcPts val="0"/>
-              </a:spcBef>
-              <a:spcAft>
-                <a:spcPts val="0"/>
-              </a:spcAft>
-              <a:buClrTx/>
-              <a:buSzTx/>
-              <a:buFontTx/>
-              <a:buNone/>
-              <a:tabLst/>
-              <a:defRPr/>
-            </a:pPr>
-            <a:r>
-              <a:rPr kumimoji="0" lang="de-DE" sz="900" b="0" i="0" u="none" strike="noStrike" kern="1200" cap="none" spc="0" normalizeH="0" baseline="0" noProof="0" dirty="0">
-                <a:ln>
-                  <a:noFill/>
-                </a:ln>
-                <a:solidFill>
-                  <a:prstClr val="black">
-                    <a:tint val="75000"/>
-                  </a:prstClr>
-                </a:solidFill>
-                <a:effectLst/>
-                <a:uLnTx/>
-                <a:uFillTx/>
-                <a:latin typeface="Tenorite"/>
-                <a:ea typeface="+mn-ea"/>
-                <a:cs typeface="+mn-cs"/>
-              </a:rPr>
-              <a:t>1</a:t>
-            </a:r>
-          </a:p>
-        </p:txBody>
-      </p:sp>
-      <p:sp>
-        <p:nvSpPr>
-          <p:cNvPr id="28" name="Inhaltsplatzhalter 2">
-            <a:extLst>
-              <a:ext uri="{FF2B5EF4-FFF2-40B4-BE49-F238E27FC236}">
-                <a16:creationId xmlns:a16="http://schemas.microsoft.com/office/drawing/2014/main" id="{32255E1E-230D-C0EC-C453-271E0F50BF5F}"/>
-              </a:ext>
-            </a:extLst>
-          </p:cNvPr>
-          <p:cNvSpPr txBox="1">
-            <a:spLocks/>
-          </p:cNvSpPr>
-          <p:nvPr/>
-        </p:nvSpPr>
-        <p:spPr>
-          <a:xfrm>
-            <a:off x="4663383" y="2246050"/>
-            <a:ext cx="5433204" cy="365125"/>
-          </a:xfrm>
-          <a:prstGeom prst="rect">
-            <a:avLst/>
-          </a:prstGeom>
-        </p:spPr>
-        <p:txBody>
-          <a:bodyPr vert="horz" lIns="91440" tIns="45720" rIns="91440" bIns="45720" rtlCol="0" anchor="t">
-            <a:normAutofit lnSpcReduction="10000"/>
-          </a:bodyPr>
-          <a:lstStyle>
-            <a:lvl1pPr marL="0" indent="0" algn="l" defTabSz="914400" rtl="0" eaLnBrk="1" latinLnBrk="0" hangingPunct="1">
-              <a:lnSpc>
-                <a:spcPct val="90000"/>
-              </a:lnSpc>
-              <a:spcBef>
-                <a:spcPts val="1000"/>
-              </a:spcBef>
-              <a:buFont typeface="Arial" panose="020B0604020202020204" pitchFamily="34" charset="0"/>
-              <a:buNone/>
-              <a:defRPr lang="en-US" sz="2000" kern="1200" spc="150" baseline="0" dirty="0">
-                <a:solidFill>
-                  <a:schemeClr val="tx1"/>
-                </a:solidFill>
-                <a:latin typeface="+mj-lt"/>
-                <a:ea typeface="+mj-ea"/>
-                <a:cs typeface="+mj-cs"/>
-              </a:defRPr>
-            </a:lvl1pPr>
-            <a:lvl2pPr marL="685800" indent="-228600" algn="l" defTabSz="914400" rtl="0" eaLnBrk="1" latinLnBrk="0" hangingPunct="1">
-              <a:lnSpc>
-                <a:spcPct val="90000"/>
-              </a:lnSpc>
-              <a:spcBef>
-                <a:spcPts val="500"/>
-              </a:spcBef>
-              <a:buFont typeface="Arial" panose="020B0604020202020204" pitchFamily="34" charset="0"/>
-              <a:buChar char="•"/>
-              <a:defRPr sz="2400" kern="1200">
-                <a:solidFill>
-                  <a:schemeClr val="tx1"/>
-                </a:solidFill>
-                <a:latin typeface="+mn-lt"/>
-                <a:ea typeface="+mn-ea"/>
-                <a:cs typeface="+mn-cs"/>
-              </a:defRPr>
-            </a:lvl2pPr>
-            <a:lvl3pPr marL="1143000" indent="-228600" algn="l" defTabSz="914400" rtl="0" eaLnBrk="1" latinLnBrk="0" hangingPunct="1">
-              <a:lnSpc>
-                <a:spcPct val="90000"/>
-              </a:lnSpc>
-              <a:spcBef>
-                <a:spcPts val="500"/>
-              </a:spcBef>
-              <a:buFont typeface="Arial" panose="020B0604020202020204" pitchFamily="34" charset="0"/>
-              <a:buChar char="•"/>
-              <a:defRPr sz="2000" kern="1200">
-                <a:solidFill>
-                  <a:schemeClr val="tx1"/>
-                </a:solidFill>
-                <a:latin typeface="+mn-lt"/>
-                <a:ea typeface="+mn-ea"/>
-                <a:cs typeface="+mn-cs"/>
-              </a:defRPr>
-            </a:lvl3pPr>
-            <a:lvl4pPr marL="1600200" indent="-228600" algn="l" defTabSz="914400" rtl="0" eaLnBrk="1" latinLnBrk="0" hangingPunct="1">
-              <a:lnSpc>
-                <a:spcPct val="90000"/>
-              </a:lnSpc>
-              <a:spcBef>
-                <a:spcPts val="500"/>
-              </a:spcBef>
-              <a:buFont typeface="Arial" panose="020B0604020202020204" pitchFamily="34" charset="0"/>
-              <a:buChar char="•"/>
-              <a:defRPr sz="1800" kern="1200">
-                <a:solidFill>
-                  <a:schemeClr val="tx1"/>
-                </a:solidFill>
-                <a:latin typeface="+mn-lt"/>
-                <a:ea typeface="+mn-ea"/>
-                <a:cs typeface="+mn-cs"/>
-              </a:defRPr>
-            </a:lvl4pPr>
-            <a:lvl5pPr marL="2057400" indent="-228600" algn="l" defTabSz="914400" rtl="0" eaLnBrk="1" latinLnBrk="0" hangingPunct="1">
-              <a:lnSpc>
-                <a:spcPct val="90000"/>
-              </a:lnSpc>
-              <a:spcBef>
-                <a:spcPts val="500"/>
-              </a:spcBef>
-              <a:buFont typeface="Arial" panose="020B0604020202020204" pitchFamily="34" charset="0"/>
-              <a:buChar char="•"/>
-              <a:defRPr sz="1800" kern="1200">
-                <a:solidFill>
-                  <a:schemeClr val="tx1"/>
-                </a:solidFill>
-                <a:latin typeface="+mn-lt"/>
-                <a:ea typeface="+mn-ea"/>
-                <a:cs typeface="+mn-cs"/>
-              </a:defRPr>
-            </a:lvl5pPr>
-            <a:lvl6pPr marL="2514600" indent="-228600" algn="l" defTabSz="914400" rtl="0" eaLnBrk="1" latinLnBrk="0" hangingPunct="1">
-              <a:lnSpc>
-                <a:spcPct val="90000"/>
-              </a:lnSpc>
-              <a:spcBef>
-                <a:spcPts val="500"/>
-              </a:spcBef>
-              <a:buFont typeface="Arial" panose="020B0604020202020204" pitchFamily="34" charset="0"/>
-              <a:buChar char="•"/>
-              <a:defRPr sz="1800" kern="1200">
-                <a:solidFill>
-                  <a:schemeClr val="tx1"/>
-                </a:solidFill>
-                <a:latin typeface="+mn-lt"/>
-                <a:ea typeface="+mn-ea"/>
-                <a:cs typeface="+mn-cs"/>
-              </a:defRPr>
-            </a:lvl6pPr>
-            <a:lvl7pPr marL="2971800" indent="-228600" algn="l" defTabSz="914400" rtl="0" eaLnBrk="1" latinLnBrk="0" hangingPunct="1">
-              <a:lnSpc>
-                <a:spcPct val="90000"/>
-              </a:lnSpc>
-              <a:spcBef>
-                <a:spcPts val="500"/>
-              </a:spcBef>
-              <a:buFont typeface="Arial" panose="020B0604020202020204" pitchFamily="34" charset="0"/>
-              <a:buChar char="•"/>
-              <a:defRPr sz="1800" kern="1200">
-                <a:solidFill>
-                  <a:schemeClr val="tx1"/>
-                </a:solidFill>
-                <a:latin typeface="+mn-lt"/>
-                <a:ea typeface="+mn-ea"/>
-                <a:cs typeface="+mn-cs"/>
-              </a:defRPr>
-            </a:lvl7pPr>
-            <a:lvl8pPr marL="3429000" indent="-228600" algn="l" defTabSz="914400" rtl="0" eaLnBrk="1" latinLnBrk="0" hangingPunct="1">
-              <a:lnSpc>
-                <a:spcPct val="90000"/>
-              </a:lnSpc>
-              <a:spcBef>
-                <a:spcPts val="500"/>
-              </a:spcBef>
-              <a:buFont typeface="Arial" panose="020B0604020202020204" pitchFamily="34" charset="0"/>
-              <a:buChar char="•"/>
-              <a:defRPr sz="1800" kern="1200">
-                <a:solidFill>
-                  <a:schemeClr val="tx1"/>
-                </a:solidFill>
-                <a:latin typeface="+mn-lt"/>
-                <a:ea typeface="+mn-ea"/>
-                <a:cs typeface="+mn-cs"/>
-              </a:defRPr>
-            </a:lvl8pPr>
-            <a:lvl9pPr marL="3886200" indent="-228600" algn="l" defTabSz="914400" rtl="0" eaLnBrk="1" latinLnBrk="0" hangingPunct="1">
-              <a:lnSpc>
-                <a:spcPct val="90000"/>
-              </a:lnSpc>
-              <a:spcBef>
-                <a:spcPts val="500"/>
-              </a:spcBef>
-              <a:buFont typeface="Arial" panose="020B0604020202020204" pitchFamily="34" charset="0"/>
-              <a:buChar char="•"/>
-              <a:defRPr sz="1800" kern="1200">
-                <a:solidFill>
-                  <a:schemeClr val="tx1"/>
-                </a:solidFill>
-                <a:latin typeface="+mn-lt"/>
-                <a:ea typeface="+mn-ea"/>
-                <a:cs typeface="+mn-cs"/>
-              </a:defRPr>
-            </a:lvl9pPr>
-          </a:lstStyle>
-          <a:p>
-            <a:pPr marL="0" marR="0" lvl="0" indent="0" algn="l" defTabSz="914400" rtl="0" eaLnBrk="1" fontAlgn="auto" latinLnBrk="0" hangingPunct="1">
-              <a:lnSpc>
-                <a:spcPct val="90000"/>
-              </a:lnSpc>
-              <a:spcBef>
-                <a:spcPts val="1000"/>
-              </a:spcBef>
-              <a:spcAft>
-                <a:spcPts val="0"/>
-              </a:spcAft>
-              <a:buClrTx/>
-              <a:buSzTx/>
-              <a:buFont typeface="Arial" panose="020B0604020202020204" pitchFamily="34" charset="0"/>
-              <a:buNone/>
-              <a:tabLst/>
-              <a:defRPr/>
-            </a:pPr>
-            <a:r>
-              <a:rPr kumimoji="0" lang="de-DE" sz="2000" b="0" i="0" u="none" strike="noStrike" kern="1200" cap="none" spc="150" normalizeH="0" baseline="0" noProof="0" dirty="0">
-                <a:ln>
-                  <a:noFill/>
-                </a:ln>
-                <a:solidFill>
-                  <a:prstClr val="black"/>
-                </a:solidFill>
-                <a:effectLst/>
-                <a:uLnTx/>
-                <a:uFillTx/>
-                <a:latin typeface="Tenorite"/>
-                <a:ea typeface="+mj-ea"/>
-                <a:cs typeface="+mj-cs"/>
-              </a:rPr>
-              <a:t>RAID-Level</a:t>
-            </a:r>
-          </a:p>
-        </p:txBody>
-      </p:sp>
-      <p:sp>
-        <p:nvSpPr>
-          <p:cNvPr id="33" name="TextBox 32">
-            <a:extLst>
-              <a:ext uri="{FF2B5EF4-FFF2-40B4-BE49-F238E27FC236}">
-                <a16:creationId xmlns:a16="http://schemas.microsoft.com/office/drawing/2014/main" id="{DC868F32-DC42-8CFB-32DA-EF52753409D3}"/>
-              </a:ext>
-            </a:extLst>
-          </p:cNvPr>
-          <p:cNvSpPr txBox="1"/>
-          <p:nvPr/>
-        </p:nvSpPr>
-        <p:spPr>
-          <a:xfrm>
-            <a:off x="4663383" y="2881459"/>
-            <a:ext cx="6098146" cy="400110"/>
-          </a:xfrm>
-          <a:prstGeom prst="rect">
-            <a:avLst/>
-          </a:prstGeom>
-          <a:noFill/>
-        </p:spPr>
-        <p:txBody>
-          <a:bodyPr wrap="square">
-            <a:spAutoFit/>
-          </a:bodyPr>
-          <a:lstStyle/>
-          <a:p>
-            <a:pPr marL="0" marR="0" lvl="0" indent="0" algn="l" defTabSz="914400" rtl="0" eaLnBrk="1" fontAlgn="auto" latinLnBrk="0" hangingPunct="1">
-              <a:lnSpc>
-                <a:spcPct val="100000"/>
-              </a:lnSpc>
-              <a:spcBef>
-                <a:spcPts val="0"/>
-              </a:spcBef>
-              <a:spcAft>
-                <a:spcPts val="0"/>
-              </a:spcAft>
-              <a:buClrTx/>
-              <a:buSzTx/>
-              <a:buFontTx/>
-              <a:buNone/>
-              <a:tabLst/>
-              <a:defRPr/>
-            </a:pPr>
-            <a:r>
-              <a:rPr kumimoji="0" lang="de-DE" sz="2000" b="0" i="0" u="none" strike="noStrike" kern="1200" cap="none" spc="0" normalizeH="0" baseline="0" noProof="0" dirty="0">
-                <a:ln>
-                  <a:noFill/>
-                </a:ln>
-                <a:solidFill>
-                  <a:prstClr val="black"/>
-                </a:solidFill>
-                <a:effectLst/>
-                <a:uLnTx/>
-                <a:uFillTx/>
-                <a:latin typeface="Tenorite"/>
-                <a:ea typeface="+mn-ea"/>
-                <a:cs typeface="+mn-cs"/>
-              </a:rPr>
-              <a:t>Technische Aspekte</a:t>
-            </a:r>
-          </a:p>
-        </p:txBody>
-      </p:sp>
-      <p:sp>
-        <p:nvSpPr>
-          <p:cNvPr id="35" name="TextBox 34">
-            <a:extLst>
-              <a:ext uri="{FF2B5EF4-FFF2-40B4-BE49-F238E27FC236}">
-                <a16:creationId xmlns:a16="http://schemas.microsoft.com/office/drawing/2014/main" id="{BD9505EA-1410-E391-14C3-5F6A14BBF84F}"/>
-              </a:ext>
-            </a:extLst>
-          </p:cNvPr>
-          <p:cNvSpPr txBox="1"/>
-          <p:nvPr/>
-        </p:nvSpPr>
-        <p:spPr>
-          <a:xfrm>
-            <a:off x="4675182" y="3551853"/>
-            <a:ext cx="6098146" cy="400110"/>
-          </a:xfrm>
-          <a:prstGeom prst="rect">
-            <a:avLst/>
-          </a:prstGeom>
-          <a:noFill/>
-        </p:spPr>
-        <p:txBody>
-          <a:bodyPr wrap="square">
-            <a:spAutoFit/>
-          </a:bodyPr>
-          <a:lstStyle/>
-          <a:p>
-            <a:pPr marL="0" marR="0" lvl="0" indent="0" algn="l" defTabSz="914400" rtl="0" eaLnBrk="1" fontAlgn="auto" latinLnBrk="0" hangingPunct="1">
-              <a:lnSpc>
-                <a:spcPct val="100000"/>
-              </a:lnSpc>
-              <a:spcBef>
-                <a:spcPts val="0"/>
-              </a:spcBef>
-              <a:spcAft>
-                <a:spcPts val="0"/>
-              </a:spcAft>
-              <a:buClrTx/>
-              <a:buSzTx/>
-              <a:buFontTx/>
-              <a:buNone/>
-              <a:tabLst/>
-              <a:defRPr/>
-            </a:pPr>
-            <a:r>
-              <a:rPr kumimoji="0" lang="de-DE" sz="2000" b="0" i="0" u="none" strike="noStrike" kern="1200" cap="none" spc="0" normalizeH="0" baseline="0" noProof="0" dirty="0">
-                <a:ln>
-                  <a:noFill/>
-                </a:ln>
-                <a:solidFill>
-                  <a:prstClr val="black"/>
-                </a:solidFill>
-                <a:effectLst/>
-                <a:uLnTx/>
-                <a:uFillTx/>
-                <a:latin typeface="Tenorite"/>
-                <a:ea typeface="+mn-ea"/>
-                <a:cs typeface="+mn-cs"/>
-              </a:rPr>
-              <a:t>Zukünftige Trends</a:t>
-            </a:r>
-          </a:p>
-        </p:txBody>
-      </p:sp>
-      <p:sp>
-        <p:nvSpPr>
-          <p:cNvPr id="37" name="TextBox 36">
-            <a:extLst>
-              <a:ext uri="{FF2B5EF4-FFF2-40B4-BE49-F238E27FC236}">
-                <a16:creationId xmlns:a16="http://schemas.microsoft.com/office/drawing/2014/main" id="{67F18ED6-AEE1-827E-CAD7-2D355542CB0D}"/>
-              </a:ext>
-            </a:extLst>
-          </p:cNvPr>
-          <p:cNvSpPr txBox="1"/>
-          <p:nvPr/>
-        </p:nvSpPr>
-        <p:spPr>
-          <a:xfrm>
-            <a:off x="4675182" y="4222248"/>
-            <a:ext cx="6098146" cy="400110"/>
-          </a:xfrm>
-          <a:prstGeom prst="rect">
-            <a:avLst/>
-          </a:prstGeom>
-          <a:noFill/>
-        </p:spPr>
-        <p:txBody>
-          <a:bodyPr wrap="square">
-            <a:spAutoFit/>
-          </a:bodyPr>
-          <a:lstStyle/>
-          <a:p>
-            <a:pPr marL="0" marR="0" lvl="0" indent="0" algn="l" defTabSz="914400" rtl="0" eaLnBrk="1" fontAlgn="auto" latinLnBrk="0" hangingPunct="1">
-              <a:lnSpc>
-                <a:spcPct val="100000"/>
-              </a:lnSpc>
-              <a:spcBef>
-                <a:spcPts val="0"/>
-              </a:spcBef>
-              <a:spcAft>
-                <a:spcPts val="0"/>
-              </a:spcAft>
-              <a:buClrTx/>
-              <a:buSzTx/>
-              <a:buFontTx/>
-              <a:buNone/>
-              <a:tabLst/>
-              <a:defRPr/>
-            </a:pPr>
-            <a:r>
-              <a:rPr kumimoji="0" lang="de-DE" sz="2000" b="0" i="0" u="none" strike="noStrike" kern="1200" cap="none" spc="0" normalizeH="0" baseline="0" noProof="0" dirty="0">
-                <a:ln>
-                  <a:noFill/>
-                </a:ln>
-                <a:solidFill>
-                  <a:prstClr val="black"/>
-                </a:solidFill>
-                <a:effectLst/>
-                <a:uLnTx/>
-                <a:uFillTx/>
-                <a:latin typeface="Tenorite"/>
-                <a:ea typeface="+mn-ea"/>
-                <a:cs typeface="+mn-cs"/>
-              </a:rPr>
-              <a:t>Fazit</a:t>
+            <a:pPr rtl="0"/>
+            <a:r>
+              <a:rPr lang="de-DE" dirty="0"/>
+              <a:t>15</a:t>
             </a:r>
           </a:p>
         </p:txBody>
@@ -21064,12 +20739,15 @@
         </p:nvSpPr>
         <p:spPr>
           <a:xfrm>
-            <a:off x="4043025" y="4257233"/>
+            <a:off x="4031226" y="4825789"/>
             <a:ext cx="632157" cy="330139"/>
           </a:xfrm>
           <a:prstGeom prst="rightArrow">
             <a:avLst/>
           </a:prstGeom>
+          <a:solidFill>
+            <a:schemeClr val="accent2"/>
+          </a:solidFill>
         </p:spPr>
         <p:style>
           <a:lnRef idx="2">
@@ -21091,44 +20769,69 @@
           <a:bodyPr rtlCol="0" anchor="ctr"/>
           <a:lstStyle/>
           <a:p>
-            <a:pPr marL="0" marR="0" lvl="0" indent="0" algn="ctr" defTabSz="914400" rtl="0" eaLnBrk="1" fontAlgn="auto" latinLnBrk="0" hangingPunct="1">
+            <a:pPr algn="ctr"/>
+            <a:endParaRPr lang="de-DE"/>
+          </a:p>
+        </p:txBody>
+      </p:sp>
+      <p:sp>
+        <p:nvSpPr>
+          <p:cNvPr id="11" name="Titel 1">
+            <a:extLst>
+              <a:ext uri="{FF2B5EF4-FFF2-40B4-BE49-F238E27FC236}">
+                <a16:creationId xmlns:a16="http://schemas.microsoft.com/office/drawing/2014/main" id="{BCBBE72B-1CD7-4827-95DC-F77D27D4663C}"/>
+              </a:ext>
+            </a:extLst>
+          </p:cNvPr>
+          <p:cNvSpPr txBox="1">
+            <a:spLocks/>
+          </p:cNvSpPr>
+          <p:nvPr/>
+        </p:nvSpPr>
+        <p:spPr>
+          <a:xfrm>
+            <a:off x="4663383" y="136525"/>
+            <a:ext cx="5211184" cy="1122202"/>
+          </a:xfrm>
+          <a:prstGeom prst="rect">
+            <a:avLst/>
+          </a:prstGeom>
+        </p:spPr>
+        <p:txBody>
+          <a:bodyPr vert="horz" lIns="91440" tIns="45720" rIns="91440" bIns="45720" rtlCol="0" anchor="b">
+            <a:normAutofit/>
+          </a:bodyPr>
+          <a:lstStyle>
+            <a:lvl1pPr algn="l" defTabSz="914400" rtl="0" eaLnBrk="1" latinLnBrk="0" hangingPunct="1">
               <a:lnSpc>
-                <a:spcPct val="100000"/>
+                <a:spcPct val="90000"/>
               </a:lnSpc>
               <a:spcBef>
-                <a:spcPts val="0"/>
+                <a:spcPct val="0"/>
               </a:spcBef>
-              <a:spcAft>
-                <a:spcPts val="0"/>
-              </a:spcAft>
-              <a:buClrTx/>
-              <a:buSzTx/>
-              <a:buFontTx/>
-              <a:buNone/>
-              <a:tabLst/>
-              <a:defRPr/>
-            </a:pPr>
-            <a:endParaRPr kumimoji="0" lang="de-DE" sz="1800" b="0" i="0" u="none" strike="noStrike" kern="1200" cap="none" spc="0" normalizeH="0" baseline="0" noProof="0">
-              <a:ln>
-                <a:noFill/>
-              </a:ln>
-              <a:solidFill>
-                <a:prstClr val="white"/>
-              </a:solidFill>
-              <a:effectLst/>
-              <a:uLnTx/>
-              <a:uFillTx/>
-              <a:latin typeface="Tenorite"/>
-              <a:ea typeface="+mn-ea"/>
-              <a:cs typeface="+mn-cs"/>
-            </a:endParaRPr>
+              <a:buNone/>
+              <a:defRPr lang="en-US" sz="2800" kern="1200" cap="all" spc="150" baseline="0" dirty="0">
+                <a:solidFill>
+                  <a:schemeClr val="tx1"/>
+                </a:solidFill>
+                <a:latin typeface="+mj-lt"/>
+                <a:ea typeface="+mj-ea"/>
+                <a:cs typeface="+mj-cs"/>
+              </a:defRPr>
+            </a:lvl1pPr>
+          </a:lstStyle>
+          <a:p>
+            <a:r>
+              <a:rPr lang="de-DE" sz="3200" dirty="0"/>
+              <a:t>Agenda</a:t>
+            </a:r>
           </a:p>
         </p:txBody>
       </p:sp>
     </p:spTree>
     <p:extLst>
       <p:ext uri="{BB962C8B-B14F-4D97-AF65-F5344CB8AC3E}">
-        <p14:creationId xmlns:p14="http://schemas.microsoft.com/office/powerpoint/2010/main" val="260506740"/>
+        <p14:creationId xmlns:p14="http://schemas.microsoft.com/office/powerpoint/2010/main" val="1585678460"/>
       </p:ext>
     </p:extLst>
   </p:cSld>
@@ -21181,9 +20884,40 @@
           <a:bodyPr rtlCol="0"/>
           <a:lstStyle/>
           <a:p>
-            <a:pPr rtl="0"/>
-            <a:r>
-              <a:rPr lang="de-DE" dirty="0"/>
+            <a:pPr marL="0" marR="0" lvl="0" indent="0" algn="l" defTabSz="914400" rtl="0" eaLnBrk="1" fontAlgn="auto" latinLnBrk="0" hangingPunct="1">
+              <a:lnSpc>
+                <a:spcPct val="100000"/>
+              </a:lnSpc>
+              <a:spcBef>
+                <a:spcPts val="0"/>
+              </a:spcBef>
+              <a:spcAft>
+                <a:spcPts val="0"/>
+              </a:spcAft>
+              <a:buClrTx/>
+              <a:buSzTx/>
+              <a:buFontTx/>
+              <a:buNone/>
+              <a:tabLst/>
+              <a:defRPr/>
+            </a:pPr>
+            <a:r>
+              <a:rPr kumimoji="0" lang="de-DE" sz="900" b="0" i="0" u="none" strike="noStrike" kern="1200" cap="none" spc="0" normalizeH="0" baseline="0" noProof="0" dirty="0">
+                <a:ln>
+                  <a:noFill/>
+                </a:ln>
+                <a:solidFill>
+                  <a:prstClr val="black">
+                    <a:tint val="75000"/>
+                  </a:prstClr>
+                </a:solidFill>
+                <a:effectLst/>
+                <a:uLnTx/>
+                <a:uFillTx/>
+                <a:latin typeface="Tenorite"/>
+                <a:ea typeface="+mn-ea"/>
+                <a:cs typeface="+mn-cs"/>
+              </a:rPr>
               <a:t>2023</a:t>
             </a:r>
           </a:p>
@@ -21215,9 +20949,40 @@
           <a:bodyPr rtlCol="0"/>
           <a:lstStyle/>
           <a:p>
-            <a:pPr rtl="0"/>
-            <a:r>
-              <a:rPr lang="de-DE" dirty="0"/>
+            <a:pPr marL="0" marR="0" lvl="0" indent="0" algn="ctr" defTabSz="914400" rtl="0" eaLnBrk="1" fontAlgn="auto" latinLnBrk="0" hangingPunct="1">
+              <a:lnSpc>
+                <a:spcPct val="100000"/>
+              </a:lnSpc>
+              <a:spcBef>
+                <a:spcPts val="0"/>
+              </a:spcBef>
+              <a:spcAft>
+                <a:spcPts val="0"/>
+              </a:spcAft>
+              <a:buClrTx/>
+              <a:buSzTx/>
+              <a:buFontTx/>
+              <a:buNone/>
+              <a:tabLst/>
+              <a:defRPr/>
+            </a:pPr>
+            <a:r>
+              <a:rPr kumimoji="0" lang="de-DE" sz="900" b="0" i="0" u="none" strike="noStrike" kern="1200" cap="none" spc="0" normalizeH="0" baseline="0" noProof="0" dirty="0">
+                <a:ln>
+                  <a:noFill/>
+                </a:ln>
+                <a:solidFill>
+                  <a:prstClr val="black">
+                    <a:tint val="75000"/>
+                  </a:prstClr>
+                </a:solidFill>
+                <a:effectLst/>
+                <a:uLnTx/>
+                <a:uFillTx/>
+                <a:latin typeface="Tenorite"/>
+                <a:ea typeface="+mn-ea"/>
+                <a:cs typeface="+mn-cs"/>
+              </a:rPr>
               <a:t>RAID</a:t>
             </a:r>
           </a:p>
@@ -21249,11 +21014,50 @@
           <a:bodyPr rtlCol="0"/>
           <a:lstStyle/>
           <a:p>
-            <a:pPr rtl="0"/>
-            <a:r>
-              <a:rPr lang="de-DE" dirty="0"/>
-              <a:t>6</a:t>
-            </a:r>
+            <a:pPr marL="0" marR="0" lvl="0" indent="0" algn="r" defTabSz="914400" rtl="0" eaLnBrk="1" fontAlgn="auto" latinLnBrk="0" hangingPunct="1">
+              <a:lnSpc>
+                <a:spcPct val="100000"/>
+              </a:lnSpc>
+              <a:spcBef>
+                <a:spcPts val="0"/>
+              </a:spcBef>
+              <a:spcAft>
+                <a:spcPts val="0"/>
+              </a:spcAft>
+              <a:buClrTx/>
+              <a:buSzTx/>
+              <a:buFontTx/>
+              <a:buNone/>
+              <a:tabLst/>
+              <a:defRPr/>
+            </a:pPr>
+            <a:r>
+              <a:rPr lang="de-DE" dirty="0">
+                <a:solidFill>
+                  <a:prstClr val="black">
+                    <a:tint val="75000"/>
+                  </a:prstClr>
+                </a:solidFill>
+                <a:latin typeface="Tenorite"/>
+              </a:rPr>
+              <a:t>16</a:t>
+            </a:r>
+            <a:endParaRPr kumimoji="0" lang="de-DE" sz="900" b="0" i="0" u="none" strike="noStrike" kern="1200" cap="none" spc="0" normalizeH="0" baseline="0" noProof="0" dirty="0">
+              <a:ln>
+                <a:noFill/>
+              </a:ln>
+              <a:solidFill>
+                <a:prstClr val="black">
+                  <a:tint val="75000"/>
+                </a:prstClr>
+              </a:solidFill>
+              <a:effectLst/>
+              <a:uLnTx/>
+              <a:uFillTx/>
+              <a:latin typeface="Tenorite"/>
+              <a:ea typeface="+mn-ea"/>
+              <a:cs typeface="+mn-cs"/>
+            </a:endParaRPr>
           </a:p>
         </p:txBody>
       </p:sp>
@@ -21273,8 +21077,8 @@
         </p:nvSpPr>
         <p:spPr>
           <a:xfrm>
-            <a:off x="5303338" y="-301357"/>
-            <a:ext cx="5211184" cy="1122202"/>
+            <a:off x="4602510" y="105066"/>
+            <a:ext cx="6250544" cy="1340276"/>
           </a:xfrm>
           <a:prstGeom prst="rect">
             <a:avLst/>
@@ -21282,7 +21086,7 @@
         </p:spPr>
         <p:txBody>
           <a:bodyPr vert="horz" lIns="91440" tIns="45720" rIns="91440" bIns="45720" rtlCol="0" anchor="b">
-            <a:normAutofit/>
+            <a:normAutofit lnSpcReduction="10000"/>
           </a:bodyPr>
           <a:lstStyle>
             <a:lvl1pPr algn="l" defTabSz="914400" rtl="0" eaLnBrk="1" latinLnBrk="0" hangingPunct="1">
@@ -21304,9 +21108,268 @@
             </a:lvl1pPr>
           </a:lstStyle>
           <a:p>
-            <a:r>
-              <a:rPr lang="de-DE" sz="3200" dirty="0"/>
-              <a:t>Fazit</a:t>
+            <a:pPr marL="0" marR="0" lvl="0" indent="0" algn="l" defTabSz="914400" rtl="0" eaLnBrk="1" fontAlgn="auto" latinLnBrk="0" hangingPunct="1">
+              <a:lnSpc>
+                <a:spcPct val="90000"/>
+              </a:lnSpc>
+              <a:spcBef>
+                <a:spcPct val="0"/>
+              </a:spcBef>
+              <a:spcAft>
+                <a:spcPts val="0"/>
+              </a:spcAft>
+              <a:buClrTx/>
+              <a:buSzTx/>
+              <a:buFontTx/>
+              <a:buNone/>
+              <a:tabLst/>
+              <a:defRPr/>
+            </a:pPr>
+            <a:r>
+              <a:rPr kumimoji="0" lang="de-DE" sz="3200" b="0" i="0" u="none" strike="noStrike" kern="1200" cap="all" spc="150" normalizeH="0" baseline="0" noProof="0" dirty="0">
+                <a:ln>
+                  <a:noFill/>
+                </a:ln>
+                <a:solidFill>
+                  <a:prstClr val="black"/>
+                </a:solidFill>
+                <a:effectLst/>
+                <a:uLnTx/>
+                <a:uFillTx/>
+                <a:latin typeface="Tenorite"/>
+                <a:ea typeface="+mj-ea"/>
+                <a:cs typeface="+mj-cs"/>
+              </a:rPr>
+              <a:t>Einfluss von Raid auf Systemleistung und Datensicherheit</a:t>
+            </a:r>
+          </a:p>
+        </p:txBody>
+      </p:sp>
+      <p:sp>
+        <p:nvSpPr>
+          <p:cNvPr id="7" name="TextBox 6">
+            <a:extLst>
+              <a:ext uri="{FF2B5EF4-FFF2-40B4-BE49-F238E27FC236}">
+                <a16:creationId xmlns:a16="http://schemas.microsoft.com/office/drawing/2014/main" id="{1DB5C10C-139C-FFFA-BC74-0F4FA8586D68}"/>
+              </a:ext>
+            </a:extLst>
+          </p:cNvPr>
+          <p:cNvSpPr txBox="1"/>
+          <p:nvPr/>
+        </p:nvSpPr>
+        <p:spPr>
+          <a:xfrm>
+            <a:off x="4600423" y="1518410"/>
+            <a:ext cx="6252631" cy="707886"/>
+          </a:xfrm>
+          <a:prstGeom prst="rect">
+            <a:avLst/>
+          </a:prstGeom>
+          <a:noFill/>
+        </p:spPr>
+        <p:txBody>
+          <a:bodyPr wrap="square">
+            <a:spAutoFit/>
+          </a:bodyPr>
+          <a:lstStyle/>
+          <a:p>
+            <a:pPr marL="0" marR="0" lvl="0" indent="0" algn="l" defTabSz="914400" rtl="0" eaLnBrk="1" fontAlgn="auto" latinLnBrk="0" hangingPunct="1">
+              <a:lnSpc>
+                <a:spcPct val="100000"/>
+              </a:lnSpc>
+              <a:spcBef>
+                <a:spcPts val="0"/>
+              </a:spcBef>
+              <a:spcAft>
+                <a:spcPts val="0"/>
+              </a:spcAft>
+              <a:buClrTx/>
+              <a:buSzTx/>
+              <a:buFontTx/>
+              <a:buNone/>
+              <a:tabLst/>
+              <a:defRPr/>
+            </a:pPr>
+            <a:r>
+              <a:rPr kumimoji="0" lang="de-DE" sz="2000" b="0" i="0" u="none" strike="noStrike" kern="1200" cap="none" spc="0" normalizeH="0" baseline="0" noProof="0" dirty="0">
+                <a:ln>
+                  <a:noFill/>
+                </a:ln>
+                <a:solidFill>
+                  <a:prstClr val="black"/>
+                </a:solidFill>
+                <a:effectLst/>
+                <a:uLnTx/>
+                <a:uFillTx/>
+                <a:latin typeface="Tenorite"/>
+                <a:ea typeface="+mn-ea"/>
+                <a:cs typeface="+mn-cs"/>
+              </a:rPr>
+              <a:t>RAID 0: RAID 0 verbessert die Leistung durch </a:t>
+            </a:r>
+            <a:r>
+              <a:rPr kumimoji="0" lang="de-DE" sz="2000" b="0" i="0" u="none" strike="noStrike" kern="1200" cap="none" spc="0" normalizeH="0" baseline="0" noProof="0" dirty="0" err="1">
+                <a:ln>
+                  <a:noFill/>
+                </a:ln>
+                <a:solidFill>
+                  <a:prstClr val="black"/>
+                </a:solidFill>
+                <a:effectLst/>
+                <a:uLnTx/>
+                <a:uFillTx/>
+                <a:latin typeface="Tenorite"/>
+                <a:ea typeface="+mn-ea"/>
+                <a:cs typeface="+mn-cs"/>
+              </a:rPr>
+              <a:t>Datenstriping</a:t>
+            </a:r>
+            <a:r>
+              <a:rPr kumimoji="0" lang="de-DE" sz="2000" b="0" i="0" u="none" strike="noStrike" kern="1200" cap="none" spc="0" normalizeH="0" baseline="0" noProof="0" dirty="0">
+                <a:ln>
+                  <a:noFill/>
+                </a:ln>
+                <a:solidFill>
+                  <a:prstClr val="black"/>
+                </a:solidFill>
+                <a:effectLst/>
+                <a:uLnTx/>
+                <a:uFillTx/>
+                <a:latin typeface="Tenorite"/>
+                <a:ea typeface="+mn-ea"/>
+                <a:cs typeface="+mn-cs"/>
+              </a:rPr>
+              <a:t> über mehrere Laufwerke</a:t>
+            </a:r>
+          </a:p>
+        </p:txBody>
+      </p:sp>
+      <p:sp>
+        <p:nvSpPr>
+          <p:cNvPr id="9" name="TextBox 8">
+            <a:extLst>
+              <a:ext uri="{FF2B5EF4-FFF2-40B4-BE49-F238E27FC236}">
+                <a16:creationId xmlns:a16="http://schemas.microsoft.com/office/drawing/2014/main" id="{643A3093-7683-D8CB-1172-DA7C66C38AB7}"/>
+              </a:ext>
+            </a:extLst>
+          </p:cNvPr>
+          <p:cNvSpPr txBox="1"/>
+          <p:nvPr/>
+        </p:nvSpPr>
+        <p:spPr>
+          <a:xfrm>
+            <a:off x="4600424" y="4319320"/>
+            <a:ext cx="6100232" cy="1015663"/>
+          </a:xfrm>
+          <a:prstGeom prst="rect">
+            <a:avLst/>
+          </a:prstGeom>
+          <a:noFill/>
+        </p:spPr>
+        <p:txBody>
+          <a:bodyPr wrap="square">
+            <a:spAutoFit/>
+          </a:bodyPr>
+          <a:lstStyle/>
+          <a:p>
+            <a:pPr marL="0" marR="0" lvl="0" indent="0" algn="l" defTabSz="914400" rtl="0" eaLnBrk="1" fontAlgn="auto" latinLnBrk="0" hangingPunct="1">
+              <a:lnSpc>
+                <a:spcPct val="100000"/>
+              </a:lnSpc>
+              <a:spcBef>
+                <a:spcPts val="0"/>
+              </a:spcBef>
+              <a:spcAft>
+                <a:spcPts val="0"/>
+              </a:spcAft>
+              <a:buClrTx/>
+              <a:buSzTx/>
+              <a:buFontTx/>
+              <a:buNone/>
+              <a:tabLst/>
+              <a:defRPr/>
+            </a:pPr>
+            <a:r>
+              <a:rPr kumimoji="0" lang="de-DE" sz="2000" b="0" i="0" u="none" strike="noStrike" kern="1200" cap="none" spc="0" normalizeH="0" baseline="0" noProof="0" dirty="0">
+                <a:ln>
+                  <a:noFill/>
+                </a:ln>
+                <a:solidFill>
+                  <a:prstClr val="black"/>
+                </a:solidFill>
+                <a:effectLst/>
+                <a:uLnTx/>
+                <a:uFillTx/>
+                <a:latin typeface="Tenorite"/>
+                <a:ea typeface="+mn-ea"/>
+                <a:cs typeface="+mn-cs"/>
+              </a:rPr>
+              <a:t>RAID 5, RAID 6 und RAID 10: Diese RAID-Level bieten sowohl Leistungsverbesserungen als auch Datensicherheit.</a:t>
+            </a:r>
+          </a:p>
+        </p:txBody>
+      </p:sp>
+      <p:sp>
+        <p:nvSpPr>
+          <p:cNvPr id="10" name="TextBox 6">
+            <a:extLst>
+              <a:ext uri="{FF2B5EF4-FFF2-40B4-BE49-F238E27FC236}">
+                <a16:creationId xmlns:a16="http://schemas.microsoft.com/office/drawing/2014/main" id="{DC30F717-9E7E-467D-8BCC-6E871C6DEA89}"/>
+              </a:ext>
+            </a:extLst>
+          </p:cNvPr>
+          <p:cNvSpPr txBox="1"/>
+          <p:nvPr/>
+        </p:nvSpPr>
+        <p:spPr>
+          <a:xfrm>
+            <a:off x="4600424" y="2942521"/>
+            <a:ext cx="6252632" cy="707886"/>
+          </a:xfrm>
+          <a:prstGeom prst="rect">
+            <a:avLst/>
+          </a:prstGeom>
+          <a:noFill/>
+        </p:spPr>
+        <p:txBody>
+          <a:bodyPr wrap="square">
+            <a:spAutoFit/>
+          </a:bodyPr>
+          <a:lstStyle/>
+          <a:p>
+            <a:pPr marL="0" marR="0" lvl="0" indent="0" algn="l" defTabSz="914400" rtl="0" eaLnBrk="1" fontAlgn="auto" latinLnBrk="0" hangingPunct="1">
+              <a:lnSpc>
+                <a:spcPct val="100000"/>
+              </a:lnSpc>
+              <a:spcBef>
+                <a:spcPts val="0"/>
+              </a:spcBef>
+              <a:spcAft>
+                <a:spcPts val="0"/>
+              </a:spcAft>
+              <a:buClrTx/>
+              <a:buSzTx/>
+              <a:buFontTx/>
+              <a:buNone/>
+              <a:tabLst/>
+              <a:defRPr/>
+            </a:pPr>
+            <a:r>
+              <a:rPr kumimoji="0" lang="de-DE" sz="2000" b="0" i="0" u="none" strike="noStrike" kern="1200" cap="none" spc="0" normalizeH="0" baseline="0" noProof="0" dirty="0">
+                <a:ln>
+                  <a:noFill/>
+                </a:ln>
+                <a:solidFill>
+                  <a:prstClr val="black"/>
+                </a:solidFill>
+                <a:effectLst/>
+                <a:uLnTx/>
+                <a:uFillTx/>
+                <a:latin typeface="Tenorite"/>
+                <a:ea typeface="+mn-ea"/>
+                <a:cs typeface="+mn-cs"/>
+              </a:rPr>
+              <a:t>RAID 1: RAID 1 hat eine höhere Datensicherheit es kann jedoch zu geringfügigen Leistungseinbußen kommen.</a:t>
             </a:r>
           </a:p>
         </p:txBody>
@@ -21314,7 +21377,7 @@
     </p:spTree>
     <p:extLst>
       <p:ext uri="{BB962C8B-B14F-4D97-AF65-F5344CB8AC3E}">
-        <p14:creationId xmlns:p14="http://schemas.microsoft.com/office/powerpoint/2010/main" val="2388309161"/>
+        <p14:creationId xmlns:p14="http://schemas.microsoft.com/office/powerpoint/2010/main" val="1110752942"/>
       </p:ext>
     </p:extLst>
   </p:cSld>
@@ -21343,136 +21406,474 @@
       </p:grpSpPr>
       <p:sp>
         <p:nvSpPr>
-          <p:cNvPr id="2" name="Titel 1">
-            <a:extLst>
-              <a:ext uri="{FF2B5EF4-FFF2-40B4-BE49-F238E27FC236}">
-                <a16:creationId xmlns:a16="http://schemas.microsoft.com/office/drawing/2014/main" id="{39605AF1-623C-4E09-AB5D-8DD0571489F6}"/>
-              </a:ext>
-            </a:extLst>
-          </p:cNvPr>
-          <p:cNvSpPr>
-            <a:spLocks noGrp="1"/>
-          </p:cNvSpPr>
-          <p:nvPr>
-            <p:ph type="title"/>
-          </p:nvPr>
-        </p:nvSpPr>
-        <p:spPr>
-          <a:xfrm>
-            <a:off x="5920169" y="1152771"/>
-            <a:ext cx="5431971" cy="846301"/>
+          <p:cNvPr id="20" name="Datumsplatzhalter 19">
+            <a:extLst>
+              <a:ext uri="{FF2B5EF4-FFF2-40B4-BE49-F238E27FC236}">
+                <a16:creationId xmlns:a16="http://schemas.microsoft.com/office/drawing/2014/main" id="{A74D661B-510C-4CF2-BF77-3EAFB649883D}"/>
+              </a:ext>
+            </a:extLst>
+          </p:cNvPr>
+          <p:cNvSpPr>
+            <a:spLocks noGrp="1"/>
+          </p:cNvSpPr>
+          <p:nvPr>
+            <p:ph type="dt" sz="half" idx="20"/>
+          </p:nvPr>
+        </p:nvSpPr>
+        <p:spPr>
+          <a:xfrm>
+            <a:off x="5919680" y="6356350"/>
+            <a:ext cx="947516" cy="365125"/>
           </a:xfrm>
         </p:spPr>
         <p:txBody>
           <a:bodyPr rtlCol="0"/>
           <a:lstStyle/>
           <a:p>
-            <a:pPr rtl="0"/>
-            <a:r>
-              <a:rPr lang="de-DE" dirty="0"/>
-              <a:t>Ende</a:t>
-            </a:r>
-          </a:p>
-        </p:txBody>
-      </p:sp>
-      <p:sp>
-        <p:nvSpPr>
-          <p:cNvPr id="4" name="Datumsplatzhalter 3">
-            <a:extLst>
-              <a:ext uri="{FF2B5EF4-FFF2-40B4-BE49-F238E27FC236}">
-                <a16:creationId xmlns:a16="http://schemas.microsoft.com/office/drawing/2014/main" id="{7FDC0E0A-2715-4BF9-8659-0ED8629BA242}"/>
-              </a:ext>
-            </a:extLst>
-          </p:cNvPr>
-          <p:cNvSpPr>
-            <a:spLocks noGrp="1"/>
-          </p:cNvSpPr>
-          <p:nvPr>
-            <p:ph type="dt" sz="half" idx="10"/>
-          </p:nvPr>
-        </p:nvSpPr>
-        <p:spPr>
-          <a:xfrm>
-            <a:off x="838200" y="6356350"/>
-            <a:ext cx="2743200" cy="365125"/>
+            <a:pPr marL="0" marR="0" lvl="0" indent="0" algn="l" defTabSz="914400" rtl="0" eaLnBrk="1" fontAlgn="auto" latinLnBrk="0" hangingPunct="1">
+              <a:lnSpc>
+                <a:spcPct val="100000"/>
+              </a:lnSpc>
+              <a:spcBef>
+                <a:spcPts val="0"/>
+              </a:spcBef>
+              <a:spcAft>
+                <a:spcPts val="0"/>
+              </a:spcAft>
+              <a:buClrTx/>
+              <a:buSzTx/>
+              <a:buFontTx/>
+              <a:buNone/>
+              <a:tabLst/>
+              <a:defRPr/>
+            </a:pPr>
+            <a:r>
+              <a:rPr kumimoji="0" lang="de-DE" sz="900" b="0" i="0" u="none" strike="noStrike" kern="1200" cap="none" spc="0" normalizeH="0" baseline="0" noProof="0" dirty="0">
+                <a:ln>
+                  <a:noFill/>
+                </a:ln>
+                <a:solidFill>
+                  <a:prstClr val="black">
+                    <a:tint val="75000"/>
+                  </a:prstClr>
+                </a:solidFill>
+                <a:effectLst/>
+                <a:uLnTx/>
+                <a:uFillTx/>
+                <a:latin typeface="Tenorite"/>
+                <a:ea typeface="+mn-ea"/>
+                <a:cs typeface="+mn-cs"/>
+              </a:rPr>
+              <a:t>2023</a:t>
+            </a:r>
+          </a:p>
+        </p:txBody>
+      </p:sp>
+      <p:sp>
+        <p:nvSpPr>
+          <p:cNvPr id="21" name="Fußzeilenplatzhalter 20">
+            <a:extLst>
+              <a:ext uri="{FF2B5EF4-FFF2-40B4-BE49-F238E27FC236}">
+                <a16:creationId xmlns:a16="http://schemas.microsoft.com/office/drawing/2014/main" id="{7E44CAC0-3B5A-49F6-A2CB-0BC80D111A87}"/>
+              </a:ext>
+            </a:extLst>
+          </p:cNvPr>
+          <p:cNvSpPr>
+            <a:spLocks noGrp="1"/>
+          </p:cNvSpPr>
+          <p:nvPr>
+            <p:ph type="ftr" sz="quarter" idx="21"/>
+          </p:nvPr>
+        </p:nvSpPr>
+        <p:spPr>
+          <a:xfrm>
+            <a:off x="7161955" y="6356350"/>
+            <a:ext cx="3243942" cy="365125"/>
           </a:xfrm>
         </p:spPr>
         <p:txBody>
           <a:bodyPr rtlCol="0"/>
           <a:lstStyle/>
           <a:p>
-            <a:pPr rtl="0"/>
-            <a:r>
-              <a:rPr lang="de-DE"/>
-              <a:t>20XX</a:t>
-            </a:r>
-          </a:p>
-        </p:txBody>
-      </p:sp>
-      <p:sp>
-        <p:nvSpPr>
-          <p:cNvPr id="5" name="Fußzeilenplatzhalter 4">
-            <a:extLst>
-              <a:ext uri="{FF2B5EF4-FFF2-40B4-BE49-F238E27FC236}">
-                <a16:creationId xmlns:a16="http://schemas.microsoft.com/office/drawing/2014/main" id="{20E75224-81EB-4CDA-BBBE-44B4B2F3C039}"/>
-              </a:ext>
-            </a:extLst>
-          </p:cNvPr>
-          <p:cNvSpPr>
-            <a:spLocks noGrp="1"/>
-          </p:cNvSpPr>
-          <p:nvPr>
-            <p:ph type="ftr" sz="quarter" idx="11"/>
-          </p:nvPr>
-        </p:nvSpPr>
-        <p:spPr>
-          <a:xfrm>
-            <a:off x="4038600" y="6356350"/>
-            <a:ext cx="4114800" cy="365125"/>
+            <a:pPr marL="0" marR="0" lvl="0" indent="0" algn="ctr" defTabSz="914400" rtl="0" eaLnBrk="1" fontAlgn="auto" latinLnBrk="0" hangingPunct="1">
+              <a:lnSpc>
+                <a:spcPct val="100000"/>
+              </a:lnSpc>
+              <a:spcBef>
+                <a:spcPts val="0"/>
+              </a:spcBef>
+              <a:spcAft>
+                <a:spcPts val="0"/>
+              </a:spcAft>
+              <a:buClrTx/>
+              <a:buSzTx/>
+              <a:buFontTx/>
+              <a:buNone/>
+              <a:tabLst/>
+              <a:defRPr/>
+            </a:pPr>
+            <a:r>
+              <a:rPr kumimoji="0" lang="de-DE" sz="900" b="0" i="0" u="none" strike="noStrike" kern="1200" cap="none" spc="0" normalizeH="0" baseline="0" noProof="0" dirty="0">
+                <a:ln>
+                  <a:noFill/>
+                </a:ln>
+                <a:solidFill>
+                  <a:prstClr val="black">
+                    <a:tint val="75000"/>
+                  </a:prstClr>
+                </a:solidFill>
+                <a:effectLst/>
+                <a:uLnTx/>
+                <a:uFillTx/>
+                <a:latin typeface="Tenorite"/>
+                <a:ea typeface="+mn-ea"/>
+                <a:cs typeface="+mn-cs"/>
+              </a:rPr>
+              <a:t>RAID</a:t>
+            </a:r>
+          </a:p>
+        </p:txBody>
+      </p:sp>
+      <p:sp>
+        <p:nvSpPr>
+          <p:cNvPr id="22" name="Foliennummernplatzhalter 21">
+            <a:extLst>
+              <a:ext uri="{FF2B5EF4-FFF2-40B4-BE49-F238E27FC236}">
+                <a16:creationId xmlns:a16="http://schemas.microsoft.com/office/drawing/2014/main" id="{5D1BD041-3428-4D62-934F-F3FF6D36F90F}"/>
+              </a:ext>
+            </a:extLst>
+          </p:cNvPr>
+          <p:cNvSpPr>
+            <a:spLocks noGrp="1"/>
+          </p:cNvSpPr>
+          <p:nvPr>
+            <p:ph type="sldNum" sz="quarter" idx="22"/>
+          </p:nvPr>
+        </p:nvSpPr>
+        <p:spPr>
+          <a:xfrm>
+            <a:off x="10700656" y="6356350"/>
+            <a:ext cx="653143" cy="365125"/>
           </a:xfrm>
         </p:spPr>
         <p:txBody>
           <a:bodyPr rtlCol="0"/>
           <a:lstStyle/>
           <a:p>
-            <a:pPr rtl="0"/>
-            <a:r>
-              <a:rPr lang="de-DE"/>
-              <a:t>Verkaufspräsentation</a:t>
-            </a:r>
-          </a:p>
-        </p:txBody>
-      </p:sp>
-      <p:sp>
-        <p:nvSpPr>
-          <p:cNvPr id="6" name="Foliennummernplatzhalter 5">
-            <a:extLst>
-              <a:ext uri="{FF2B5EF4-FFF2-40B4-BE49-F238E27FC236}">
-                <a16:creationId xmlns:a16="http://schemas.microsoft.com/office/drawing/2014/main" id="{BA32F697-D1D4-4B0A-B960-D1869BF8607A}"/>
-              </a:ext>
-            </a:extLst>
-          </p:cNvPr>
-          <p:cNvSpPr>
-            <a:spLocks noGrp="1"/>
-          </p:cNvSpPr>
-          <p:nvPr>
-            <p:ph type="sldNum" sz="quarter" idx="12"/>
-          </p:nvPr>
-        </p:nvSpPr>
-        <p:spPr>
-          <a:xfrm>
-            <a:off x="8610600" y="6356350"/>
-            <a:ext cx="2743200" cy="365125"/>
-          </a:xfrm>
-        </p:spPr>
-        <p:txBody>
-          <a:bodyPr rtlCol="0"/>
+            <a:pPr marL="0" marR="0" lvl="0" indent="0" algn="r" defTabSz="914400" rtl="0" eaLnBrk="1" fontAlgn="auto" latinLnBrk="0" hangingPunct="1">
+              <a:lnSpc>
+                <a:spcPct val="100000"/>
+              </a:lnSpc>
+              <a:spcBef>
+                <a:spcPts val="0"/>
+              </a:spcBef>
+              <a:spcAft>
+                <a:spcPts val="0"/>
+              </a:spcAft>
+              <a:buClrTx/>
+              <a:buSzTx/>
+              <a:buFontTx/>
+              <a:buNone/>
+              <a:tabLst/>
+              <a:defRPr/>
+            </a:pPr>
+            <a:r>
+              <a:rPr kumimoji="0" lang="de-DE" sz="900" b="0" i="0" u="none" strike="noStrike" kern="1200" cap="none" spc="0" normalizeH="0" baseline="0" noProof="0" dirty="0">
+                <a:ln>
+                  <a:noFill/>
+                </a:ln>
+                <a:solidFill>
+                  <a:prstClr val="black">
+                    <a:tint val="75000"/>
+                  </a:prstClr>
+                </a:solidFill>
+                <a:effectLst/>
+                <a:uLnTx/>
+                <a:uFillTx/>
+                <a:latin typeface="Tenorite"/>
+                <a:ea typeface="+mn-ea"/>
+                <a:cs typeface="+mn-cs"/>
+              </a:rPr>
+              <a:t>17</a:t>
+            </a:r>
+          </a:p>
+        </p:txBody>
+      </p:sp>
+      <p:sp>
+        <p:nvSpPr>
+          <p:cNvPr id="5" name="Titel 1">
+            <a:extLst>
+              <a:ext uri="{FF2B5EF4-FFF2-40B4-BE49-F238E27FC236}">
+                <a16:creationId xmlns:a16="http://schemas.microsoft.com/office/drawing/2014/main" id="{55DBED79-4C43-459F-3C6C-ECEE3774EC55}"/>
+              </a:ext>
+            </a:extLst>
+          </p:cNvPr>
+          <p:cNvSpPr txBox="1">
+            <a:spLocks/>
+          </p:cNvSpPr>
+          <p:nvPr/>
+        </p:nvSpPr>
+        <p:spPr>
+          <a:xfrm>
+            <a:off x="4602510" y="105066"/>
+            <a:ext cx="5211184" cy="563528"/>
+          </a:xfrm>
+          <a:prstGeom prst="rect">
+            <a:avLst/>
+          </a:prstGeom>
+        </p:spPr>
+        <p:txBody>
+          <a:bodyPr vert="horz" lIns="91440" tIns="45720" rIns="91440" bIns="45720" rtlCol="0" anchor="b">
+            <a:normAutofit/>
+          </a:bodyPr>
+          <a:lstStyle>
+            <a:lvl1pPr algn="l" defTabSz="914400" rtl="0" eaLnBrk="1" latinLnBrk="0" hangingPunct="1">
+              <a:lnSpc>
+                <a:spcPct val="90000"/>
+              </a:lnSpc>
+              <a:spcBef>
+                <a:spcPct val="0"/>
+              </a:spcBef>
+              <a:buNone/>
+              <a:defRPr lang="en-US" sz="2800" kern="1200" cap="all" spc="150" baseline="0" dirty="0">
+                <a:solidFill>
+                  <a:schemeClr val="tx1"/>
+                </a:solidFill>
+                <a:latin typeface="+mj-lt"/>
+                <a:ea typeface="+mj-ea"/>
+                <a:cs typeface="+mj-cs"/>
+              </a:defRPr>
+            </a:lvl1pPr>
+          </a:lstStyle>
+          <a:p>
+            <a:pPr marL="0" marR="0" lvl="0" indent="0" algn="l" defTabSz="914400" rtl="0" eaLnBrk="1" fontAlgn="auto" latinLnBrk="0" hangingPunct="1">
+              <a:lnSpc>
+                <a:spcPct val="90000"/>
+              </a:lnSpc>
+              <a:spcBef>
+                <a:spcPct val="0"/>
+              </a:spcBef>
+              <a:spcAft>
+                <a:spcPts val="0"/>
+              </a:spcAft>
+              <a:buClrTx/>
+              <a:buSzTx/>
+              <a:buFontTx/>
+              <a:buNone/>
+              <a:tabLst/>
+              <a:defRPr/>
+            </a:pPr>
+            <a:r>
+              <a:rPr kumimoji="0" lang="de-DE" sz="3200" b="0" i="0" u="none" strike="noStrike" kern="1200" cap="all" spc="150" normalizeH="0" baseline="0" noProof="0" dirty="0">
+                <a:ln>
+                  <a:noFill/>
+                </a:ln>
+                <a:solidFill>
+                  <a:prstClr val="black"/>
+                </a:solidFill>
+                <a:effectLst/>
+                <a:uLnTx/>
+                <a:uFillTx/>
+                <a:latin typeface="Tenorite"/>
+                <a:ea typeface="+mj-ea"/>
+                <a:cs typeface="+mj-cs"/>
+              </a:rPr>
+              <a:t>Fazit</a:t>
+            </a:r>
+          </a:p>
+        </p:txBody>
+      </p:sp>
+      <p:sp>
+        <p:nvSpPr>
+          <p:cNvPr id="7" name="TextBox 6">
+            <a:extLst>
+              <a:ext uri="{FF2B5EF4-FFF2-40B4-BE49-F238E27FC236}">
+                <a16:creationId xmlns:a16="http://schemas.microsoft.com/office/drawing/2014/main" id="{1DB5C10C-139C-FFFA-BC74-0F4FA8586D68}"/>
+              </a:ext>
+            </a:extLst>
+          </p:cNvPr>
+          <p:cNvSpPr txBox="1"/>
+          <p:nvPr/>
+        </p:nvSpPr>
+        <p:spPr>
+          <a:xfrm>
+            <a:off x="4600423" y="1518410"/>
+            <a:ext cx="6252631" cy="707886"/>
+          </a:xfrm>
+          <a:prstGeom prst="rect">
+            <a:avLst/>
+          </a:prstGeom>
+          <a:noFill/>
+        </p:spPr>
+        <p:txBody>
+          <a:bodyPr wrap="square">
+            <a:spAutoFit/>
+          </a:bodyPr>
           <a:lstStyle/>
           <a:p>
-            <a:pPr rtl="0"/>
-            <a:r>
-              <a:rPr lang="de-DE" dirty="0"/>
-              <a:t>7</a:t>
+            <a:pPr marL="0" marR="0" lvl="0" indent="0" algn="l" defTabSz="914400" rtl="0" eaLnBrk="1" fontAlgn="auto" latinLnBrk="0" hangingPunct="1">
+              <a:lnSpc>
+                <a:spcPct val="100000"/>
+              </a:lnSpc>
+              <a:spcBef>
+                <a:spcPts val="0"/>
+              </a:spcBef>
+              <a:spcAft>
+                <a:spcPts val="0"/>
+              </a:spcAft>
+              <a:buClrTx/>
+              <a:buSzTx/>
+              <a:buFontTx/>
+              <a:buNone/>
+              <a:tabLst/>
+              <a:defRPr/>
+            </a:pPr>
+            <a:r>
+              <a:rPr kumimoji="0" lang="de-DE" sz="2000" b="0" i="0" u="none" strike="noStrike" kern="1200" cap="none" spc="0" normalizeH="0" baseline="0" noProof="0" dirty="0">
+                <a:ln>
+                  <a:noFill/>
+                </a:ln>
+                <a:solidFill>
+                  <a:prstClr val="black"/>
+                </a:solidFill>
+                <a:effectLst/>
+                <a:uLnTx/>
+                <a:uFillTx/>
+                <a:latin typeface="Tenorite"/>
+                <a:ea typeface="+mn-ea"/>
+                <a:cs typeface="+mn-cs"/>
+              </a:rPr>
+              <a:t>RAID ist ein robustes System um mehrere Datenträger gemeinsam als eine logische Einheit zu verwenden</a:t>
+            </a:r>
+          </a:p>
+        </p:txBody>
+      </p:sp>
+      <p:sp>
+        <p:nvSpPr>
+          <p:cNvPr id="11" name="TextBox 6">
+            <a:extLst>
+              <a:ext uri="{FF2B5EF4-FFF2-40B4-BE49-F238E27FC236}">
+                <a16:creationId xmlns:a16="http://schemas.microsoft.com/office/drawing/2014/main" id="{1625C599-1FA0-4B06-850B-DA012CD6543B}"/>
+              </a:ext>
+            </a:extLst>
+          </p:cNvPr>
+          <p:cNvSpPr txBox="1"/>
+          <p:nvPr/>
+        </p:nvSpPr>
+        <p:spPr>
+          <a:xfrm>
+            <a:off x="4600422" y="2721114"/>
+            <a:ext cx="6252631" cy="1015663"/>
+          </a:xfrm>
+          <a:prstGeom prst="rect">
+            <a:avLst/>
+          </a:prstGeom>
+          <a:noFill/>
+        </p:spPr>
+        <p:txBody>
+          <a:bodyPr wrap="square">
+            <a:spAutoFit/>
+          </a:bodyPr>
+          <a:lstStyle/>
+          <a:p>
+            <a:pPr marL="0" marR="0" lvl="0" indent="0" algn="l" defTabSz="914400" rtl="0" eaLnBrk="1" fontAlgn="auto" latinLnBrk="0" hangingPunct="1">
+              <a:lnSpc>
+                <a:spcPct val="100000"/>
+              </a:lnSpc>
+              <a:spcBef>
+                <a:spcPts val="0"/>
+              </a:spcBef>
+              <a:spcAft>
+                <a:spcPts val="0"/>
+              </a:spcAft>
+              <a:buClrTx/>
+              <a:buSzTx/>
+              <a:buFontTx/>
+              <a:buNone/>
+              <a:tabLst/>
+              <a:defRPr/>
+            </a:pPr>
+            <a:r>
+              <a:rPr kumimoji="0" lang="de-DE" sz="2000" b="0" i="0" u="none" strike="noStrike" kern="1200" cap="none" spc="0" normalizeH="0" baseline="0" noProof="0" dirty="0">
+                <a:ln>
+                  <a:noFill/>
+                </a:ln>
+                <a:solidFill>
+                  <a:prstClr val="black"/>
+                </a:solidFill>
+                <a:effectLst/>
+                <a:uLnTx/>
+                <a:uFillTx/>
+                <a:latin typeface="Tenorite"/>
+                <a:ea typeface="+mn-ea"/>
+                <a:cs typeface="+mn-cs"/>
+              </a:rPr>
+              <a:t>RAID kann zur Datensicherung, Geschwindigkeitsoptimierung oder für beide Zwecke verwendet werden</a:t>
+            </a:r>
+          </a:p>
+        </p:txBody>
+      </p:sp>
+      <p:sp>
+        <p:nvSpPr>
+          <p:cNvPr id="12" name="TextBox 6">
+            <a:extLst>
+              <a:ext uri="{FF2B5EF4-FFF2-40B4-BE49-F238E27FC236}">
+                <a16:creationId xmlns:a16="http://schemas.microsoft.com/office/drawing/2014/main" id="{B5DA35AB-0BF9-480F-89D7-2D715169EE6A}"/>
+              </a:ext>
+            </a:extLst>
+          </p:cNvPr>
+          <p:cNvSpPr txBox="1"/>
+          <p:nvPr/>
+        </p:nvSpPr>
+        <p:spPr>
+          <a:xfrm>
+            <a:off x="4600421" y="4231595"/>
+            <a:ext cx="6252631" cy="707886"/>
+          </a:xfrm>
+          <a:prstGeom prst="rect">
+            <a:avLst/>
+          </a:prstGeom>
+          <a:noFill/>
+        </p:spPr>
+        <p:txBody>
+          <a:bodyPr wrap="square">
+            <a:spAutoFit/>
+          </a:bodyPr>
+          <a:lstStyle/>
+          <a:p>
+            <a:pPr marL="0" marR="0" lvl="0" indent="0" algn="l" defTabSz="914400" rtl="0" eaLnBrk="1" fontAlgn="auto" latinLnBrk="0" hangingPunct="1">
+              <a:lnSpc>
+                <a:spcPct val="100000"/>
+              </a:lnSpc>
+              <a:spcBef>
+                <a:spcPts val="0"/>
+              </a:spcBef>
+              <a:spcAft>
+                <a:spcPts val="0"/>
+              </a:spcAft>
+              <a:buClrTx/>
+              <a:buSzTx/>
+              <a:buFontTx/>
+              <a:buNone/>
+              <a:tabLst/>
+              <a:defRPr/>
+            </a:pPr>
+            <a:r>
+              <a:rPr kumimoji="0" lang="de-DE" sz="2000" b="0" i="0" u="none" strike="noStrike" kern="1200" cap="none" spc="0" normalizeH="0" baseline="0" noProof="0" dirty="0">
+                <a:ln>
+                  <a:noFill/>
+                </a:ln>
+                <a:solidFill>
+                  <a:prstClr val="black"/>
+                </a:solidFill>
+                <a:effectLst/>
+                <a:uLnTx/>
+                <a:uFillTx/>
+                <a:latin typeface="Tenorite"/>
+                <a:ea typeface="+mn-ea"/>
+                <a:cs typeface="+mn-cs"/>
+              </a:rPr>
+              <a:t>RAID kann auf verschiedene Arten genutzt und konfiguriert werden</a:t>
             </a:r>
           </a:p>
         </p:txBody>
@@ -21480,7 +21881,492 @@
     </p:spTree>
     <p:extLst>
       <p:ext uri="{BB962C8B-B14F-4D97-AF65-F5344CB8AC3E}">
-        <p14:creationId xmlns:p14="http://schemas.microsoft.com/office/powerpoint/2010/main" val="1472106130"/>
+        <p14:creationId xmlns:p14="http://schemas.microsoft.com/office/powerpoint/2010/main" val="3243846298"/>
+      </p:ext>
+    </p:extLst>
+  </p:cSld>
+  <p:clrMapOvr>
+    <a:masterClrMapping/>
+  </p:clrMapOvr>
+</p:sld>
+</file>
+
+<file path=ppt/slides/slide19.xml><?xml version="1.0" encoding="utf-8"?>
+<p:sld xmlns:a="http://schemas.openxmlformats.org/drawingml/2006/main" xmlns:r="http://schemas.openxmlformats.org/officeDocument/2006/relationships" xmlns:p="http://schemas.openxmlformats.org/presentationml/2006/main">
+  <p:cSld>
+    <p:spTree>
+      <p:nvGrpSpPr>
+        <p:cNvPr id="1" name=""/>
+        <p:cNvGrpSpPr/>
+        <p:nvPr/>
+      </p:nvGrpSpPr>
+      <p:grpSpPr>
+        <a:xfrm>
+          <a:off x="0" y="0"/>
+          <a:ext cx="0" cy="0"/>
+          <a:chOff x="0" y="0"/>
+          <a:chExt cx="0" cy="0"/>
+        </a:xfrm>
+      </p:grpSpPr>
+      <p:sp>
+        <p:nvSpPr>
+          <p:cNvPr id="20" name="Datumsplatzhalter 19">
+            <a:extLst>
+              <a:ext uri="{FF2B5EF4-FFF2-40B4-BE49-F238E27FC236}">
+                <a16:creationId xmlns:a16="http://schemas.microsoft.com/office/drawing/2014/main" id="{A74D661B-510C-4CF2-BF77-3EAFB649883D}"/>
+              </a:ext>
+            </a:extLst>
+          </p:cNvPr>
+          <p:cNvSpPr>
+            <a:spLocks noGrp="1"/>
+          </p:cNvSpPr>
+          <p:nvPr>
+            <p:ph type="dt" sz="half" idx="20"/>
+          </p:nvPr>
+        </p:nvSpPr>
+        <p:spPr>
+          <a:xfrm>
+            <a:off x="5919680" y="6356350"/>
+            <a:ext cx="947516" cy="365125"/>
+          </a:xfrm>
+        </p:spPr>
+        <p:txBody>
+          <a:bodyPr rtlCol="0"/>
+          <a:lstStyle/>
+          <a:p>
+            <a:pPr marL="0" marR="0" lvl="0" indent="0" algn="l" defTabSz="914400" rtl="0" eaLnBrk="1" fontAlgn="auto" latinLnBrk="0" hangingPunct="1">
+              <a:lnSpc>
+                <a:spcPct val="100000"/>
+              </a:lnSpc>
+              <a:spcBef>
+                <a:spcPts val="0"/>
+              </a:spcBef>
+              <a:spcAft>
+                <a:spcPts val="0"/>
+              </a:spcAft>
+              <a:buClrTx/>
+              <a:buSzTx/>
+              <a:buFontTx/>
+              <a:buNone/>
+              <a:tabLst/>
+              <a:defRPr/>
+            </a:pPr>
+            <a:r>
+              <a:rPr kumimoji="0" lang="de-DE" sz="900" b="0" i="0" u="none" strike="noStrike" kern="1200" cap="none" spc="0" normalizeH="0" baseline="0" noProof="0" dirty="0">
+                <a:ln>
+                  <a:noFill/>
+                </a:ln>
+                <a:solidFill>
+                  <a:prstClr val="black">
+                    <a:tint val="75000"/>
+                  </a:prstClr>
+                </a:solidFill>
+                <a:effectLst/>
+                <a:uLnTx/>
+                <a:uFillTx/>
+                <a:latin typeface="Tenorite"/>
+                <a:ea typeface="+mn-ea"/>
+                <a:cs typeface="+mn-cs"/>
+              </a:rPr>
+              <a:t>2023</a:t>
+            </a:r>
+          </a:p>
+        </p:txBody>
+      </p:sp>
+      <p:sp>
+        <p:nvSpPr>
+          <p:cNvPr id="21" name="Fußzeilenplatzhalter 20">
+            <a:extLst>
+              <a:ext uri="{FF2B5EF4-FFF2-40B4-BE49-F238E27FC236}">
+                <a16:creationId xmlns:a16="http://schemas.microsoft.com/office/drawing/2014/main" id="{7E44CAC0-3B5A-49F6-A2CB-0BC80D111A87}"/>
+              </a:ext>
+            </a:extLst>
+          </p:cNvPr>
+          <p:cNvSpPr>
+            <a:spLocks noGrp="1"/>
+          </p:cNvSpPr>
+          <p:nvPr>
+            <p:ph type="ftr" sz="quarter" idx="21"/>
+          </p:nvPr>
+        </p:nvSpPr>
+        <p:spPr>
+          <a:xfrm>
+            <a:off x="7161955" y="6356350"/>
+            <a:ext cx="3243942" cy="365125"/>
+          </a:xfrm>
+        </p:spPr>
+        <p:txBody>
+          <a:bodyPr rtlCol="0"/>
+          <a:lstStyle/>
+          <a:p>
+            <a:pPr marL="0" marR="0" lvl="0" indent="0" algn="ctr" defTabSz="914400" rtl="0" eaLnBrk="1" fontAlgn="auto" latinLnBrk="0" hangingPunct="1">
+              <a:lnSpc>
+                <a:spcPct val="100000"/>
+              </a:lnSpc>
+              <a:spcBef>
+                <a:spcPts val="0"/>
+              </a:spcBef>
+              <a:spcAft>
+                <a:spcPts val="0"/>
+              </a:spcAft>
+              <a:buClrTx/>
+              <a:buSzTx/>
+              <a:buFontTx/>
+              <a:buNone/>
+              <a:tabLst/>
+              <a:defRPr/>
+            </a:pPr>
+            <a:r>
+              <a:rPr kumimoji="0" lang="de-DE" sz="900" b="0" i="0" u="none" strike="noStrike" kern="1200" cap="none" spc="0" normalizeH="0" baseline="0" noProof="0" dirty="0">
+                <a:ln>
+                  <a:noFill/>
+                </a:ln>
+                <a:solidFill>
+                  <a:prstClr val="black">
+                    <a:tint val="75000"/>
+                  </a:prstClr>
+                </a:solidFill>
+                <a:effectLst/>
+                <a:uLnTx/>
+                <a:uFillTx/>
+                <a:latin typeface="Tenorite"/>
+                <a:ea typeface="+mn-ea"/>
+                <a:cs typeface="+mn-cs"/>
+              </a:rPr>
+              <a:t>RAID</a:t>
+            </a:r>
+          </a:p>
+        </p:txBody>
+      </p:sp>
+      <p:sp>
+        <p:nvSpPr>
+          <p:cNvPr id="22" name="Foliennummernplatzhalter 21">
+            <a:extLst>
+              <a:ext uri="{FF2B5EF4-FFF2-40B4-BE49-F238E27FC236}">
+                <a16:creationId xmlns:a16="http://schemas.microsoft.com/office/drawing/2014/main" id="{5D1BD041-3428-4D62-934F-F3FF6D36F90F}"/>
+              </a:ext>
+            </a:extLst>
+          </p:cNvPr>
+          <p:cNvSpPr>
+            <a:spLocks noGrp="1"/>
+          </p:cNvSpPr>
+          <p:nvPr>
+            <p:ph type="sldNum" sz="quarter" idx="22"/>
+          </p:nvPr>
+        </p:nvSpPr>
+        <p:spPr>
+          <a:xfrm>
+            <a:off x="10700656" y="6356350"/>
+            <a:ext cx="653143" cy="365125"/>
+          </a:xfrm>
+        </p:spPr>
+        <p:txBody>
+          <a:bodyPr rtlCol="0"/>
+          <a:lstStyle/>
+          <a:p>
+            <a:pPr marL="0" marR="0" lvl="0" indent="0" algn="r" defTabSz="914400" rtl="0" eaLnBrk="1" fontAlgn="auto" latinLnBrk="0" hangingPunct="1">
+              <a:lnSpc>
+                <a:spcPct val="100000"/>
+              </a:lnSpc>
+              <a:spcBef>
+                <a:spcPts val="0"/>
+              </a:spcBef>
+              <a:spcAft>
+                <a:spcPts val="0"/>
+              </a:spcAft>
+              <a:buClrTx/>
+              <a:buSzTx/>
+              <a:buFontTx/>
+              <a:buNone/>
+              <a:tabLst/>
+              <a:defRPr/>
+            </a:pPr>
+            <a:r>
+              <a:rPr kumimoji="0" lang="de-DE" sz="900" b="0" i="0" u="none" strike="noStrike" kern="1200" cap="none" spc="0" normalizeH="0" baseline="0" noProof="0" dirty="0">
+                <a:ln>
+                  <a:noFill/>
+                </a:ln>
+                <a:solidFill>
+                  <a:prstClr val="black">
+                    <a:tint val="75000"/>
+                  </a:prstClr>
+                </a:solidFill>
+                <a:effectLst/>
+                <a:uLnTx/>
+                <a:uFillTx/>
+                <a:latin typeface="Tenorite"/>
+                <a:ea typeface="+mn-ea"/>
+                <a:cs typeface="+mn-cs"/>
+              </a:rPr>
+              <a:t>18</a:t>
+            </a:r>
+          </a:p>
+        </p:txBody>
+      </p:sp>
+      <p:sp>
+        <p:nvSpPr>
+          <p:cNvPr id="5" name="Titel 1">
+            <a:extLst>
+              <a:ext uri="{FF2B5EF4-FFF2-40B4-BE49-F238E27FC236}">
+                <a16:creationId xmlns:a16="http://schemas.microsoft.com/office/drawing/2014/main" id="{55DBED79-4C43-459F-3C6C-ECEE3774EC55}"/>
+              </a:ext>
+            </a:extLst>
+          </p:cNvPr>
+          <p:cNvSpPr txBox="1">
+            <a:spLocks/>
+          </p:cNvSpPr>
+          <p:nvPr/>
+        </p:nvSpPr>
+        <p:spPr>
+          <a:xfrm>
+            <a:off x="4602510" y="105066"/>
+            <a:ext cx="5211184" cy="563528"/>
+          </a:xfrm>
+          <a:prstGeom prst="rect">
+            <a:avLst/>
+          </a:prstGeom>
+        </p:spPr>
+        <p:txBody>
+          <a:bodyPr vert="horz" lIns="91440" tIns="45720" rIns="91440" bIns="45720" rtlCol="0" anchor="b">
+            <a:normAutofit/>
+          </a:bodyPr>
+          <a:lstStyle>
+            <a:lvl1pPr algn="l" defTabSz="914400" rtl="0" eaLnBrk="1" latinLnBrk="0" hangingPunct="1">
+              <a:lnSpc>
+                <a:spcPct val="90000"/>
+              </a:lnSpc>
+              <a:spcBef>
+                <a:spcPct val="0"/>
+              </a:spcBef>
+              <a:buNone/>
+              <a:defRPr lang="en-US" sz="2800" kern="1200" cap="all" spc="150" baseline="0" dirty="0">
+                <a:solidFill>
+                  <a:schemeClr val="tx1"/>
+                </a:solidFill>
+                <a:latin typeface="+mj-lt"/>
+                <a:ea typeface="+mj-ea"/>
+                <a:cs typeface="+mj-cs"/>
+              </a:defRPr>
+            </a:lvl1pPr>
+          </a:lstStyle>
+          <a:p>
+            <a:pPr marL="0" marR="0" lvl="0" indent="0" algn="l" defTabSz="914400" rtl="0" eaLnBrk="1" fontAlgn="auto" latinLnBrk="0" hangingPunct="1">
+              <a:lnSpc>
+                <a:spcPct val="90000"/>
+              </a:lnSpc>
+              <a:spcBef>
+                <a:spcPct val="0"/>
+              </a:spcBef>
+              <a:spcAft>
+                <a:spcPts val="0"/>
+              </a:spcAft>
+              <a:buClrTx/>
+              <a:buSzTx/>
+              <a:buFontTx/>
+              <a:buNone/>
+              <a:tabLst/>
+              <a:defRPr/>
+            </a:pPr>
+            <a:r>
+              <a:rPr kumimoji="0" lang="de-DE" sz="3200" b="0" i="0" u="none" strike="noStrike" kern="1200" cap="all" spc="150" normalizeH="0" baseline="0" noProof="0" dirty="0">
+                <a:ln>
+                  <a:noFill/>
+                </a:ln>
+                <a:solidFill>
+                  <a:prstClr val="black"/>
+                </a:solidFill>
+                <a:effectLst/>
+                <a:uLnTx/>
+                <a:uFillTx/>
+                <a:latin typeface="Tenorite"/>
+                <a:ea typeface="+mj-ea"/>
+                <a:cs typeface="+mj-cs"/>
+              </a:rPr>
+              <a:t>Quellenverzeichnis</a:t>
+            </a:r>
+          </a:p>
+        </p:txBody>
+      </p:sp>
+      <p:sp>
+        <p:nvSpPr>
+          <p:cNvPr id="7" name="TextBox 6">
+            <a:extLst>
+              <a:ext uri="{FF2B5EF4-FFF2-40B4-BE49-F238E27FC236}">
+                <a16:creationId xmlns:a16="http://schemas.microsoft.com/office/drawing/2014/main" id="{1DB5C10C-139C-FFFA-BC74-0F4FA8586D68}"/>
+              </a:ext>
+            </a:extLst>
+          </p:cNvPr>
+          <p:cNvSpPr txBox="1"/>
+          <p:nvPr/>
+        </p:nvSpPr>
+        <p:spPr>
+          <a:xfrm>
+            <a:off x="4600423" y="1518410"/>
+            <a:ext cx="6252631" cy="3785652"/>
+          </a:xfrm>
+          <a:prstGeom prst="rect">
+            <a:avLst/>
+          </a:prstGeom>
+          <a:noFill/>
+        </p:spPr>
+        <p:txBody>
+          <a:bodyPr wrap="square">
+            <a:spAutoFit/>
+          </a:bodyPr>
+          <a:lstStyle/>
+          <a:p>
+            <a:pPr lvl="0">
+              <a:defRPr/>
+            </a:pPr>
+            <a:r>
+              <a:rPr lang="de-DE" sz="2000" dirty="0">
+                <a:solidFill>
+                  <a:prstClr val="black"/>
+                </a:solidFill>
+                <a:hlinkClick r:id="rId3"/>
+              </a:rPr>
+              <a:t>https://www.globalsystem.ch/ratgeber/raid-systeme-erklaert/</a:t>
+            </a:r>
+            <a:r>
+              <a:rPr lang="de-DE" sz="2000" dirty="0">
+                <a:solidFill>
+                  <a:prstClr val="black"/>
+                </a:solidFill>
+              </a:rPr>
+              <a:t> </a:t>
+            </a:r>
+          </a:p>
+          <a:p>
+            <a:pPr lvl="0">
+              <a:defRPr/>
+            </a:pPr>
+            <a:r>
+              <a:rPr lang="de-DE" sz="2000" dirty="0">
+                <a:solidFill>
+                  <a:prstClr val="black"/>
+                </a:solidFill>
+              </a:rPr>
+              <a:t>Bild und Informationsquelle</a:t>
+            </a:r>
+          </a:p>
+          <a:p>
+            <a:pPr lvl="0">
+              <a:defRPr/>
+            </a:pPr>
+            <a:endParaRPr lang="de-DE" sz="2000" dirty="0">
+              <a:solidFill>
+                <a:prstClr val="black"/>
+              </a:solidFill>
+            </a:endParaRPr>
+          </a:p>
+          <a:p>
+            <a:pPr lvl="0">
+              <a:defRPr/>
+            </a:pPr>
+            <a:r>
+              <a:rPr lang="de-DE" sz="2000" dirty="0">
+                <a:solidFill>
+                  <a:prstClr val="black"/>
+                </a:solidFill>
+                <a:hlinkClick r:id="rId4"/>
+              </a:rPr>
+              <a:t>https://premioinc.com/blogs/blog/hardware-vs-software-raid-differences-pros-cons</a:t>
+            </a:r>
+            <a:endParaRPr lang="de-DE" sz="2000" dirty="0">
+              <a:solidFill>
+                <a:prstClr val="black"/>
+              </a:solidFill>
+            </a:endParaRPr>
+          </a:p>
+          <a:p>
+            <a:pPr lvl="0">
+              <a:defRPr/>
+            </a:pPr>
+            <a:r>
+              <a:rPr lang="de-DE" sz="2000" dirty="0">
+                <a:solidFill>
+                  <a:prstClr val="black"/>
+                </a:solidFill>
+              </a:rPr>
+              <a:t>Informationsquelle</a:t>
+            </a:r>
+          </a:p>
+          <a:p>
+            <a:pPr lvl="0">
+              <a:defRPr/>
+            </a:pPr>
+            <a:endParaRPr lang="de-DE" sz="2000" dirty="0">
+              <a:solidFill>
+                <a:prstClr val="black"/>
+              </a:solidFill>
+            </a:endParaRPr>
+          </a:p>
+          <a:p>
+            <a:pPr lvl="0">
+              <a:defRPr/>
+            </a:pPr>
+            <a:r>
+              <a:rPr lang="de-DE" sz="2000" dirty="0">
+                <a:solidFill>
+                  <a:prstClr val="black"/>
+                </a:solidFill>
+                <a:hlinkClick r:id="rId5"/>
+              </a:rPr>
+              <a:t>https://en.wikipedia.org/wiki/Standard_RAID_levels</a:t>
+            </a:r>
+            <a:r>
+              <a:rPr lang="de-DE" sz="2000" dirty="0">
+                <a:solidFill>
+                  <a:prstClr val="black"/>
+                </a:solidFill>
+              </a:rPr>
+              <a:t> Bildquelle</a:t>
+            </a:r>
+          </a:p>
+          <a:p>
+            <a:pPr lvl="0">
+              <a:defRPr/>
+            </a:pPr>
+            <a:endParaRPr kumimoji="0" lang="de-DE" sz="2000" b="0" i="0" u="none" strike="noStrike" kern="1200" cap="none" spc="0" normalizeH="0" baseline="0" noProof="0" dirty="0">
+              <a:ln>
+                <a:noFill/>
+              </a:ln>
+              <a:solidFill>
+                <a:prstClr val="black"/>
+              </a:solidFill>
+              <a:effectLst/>
+              <a:uLnTx/>
+              <a:uFillTx/>
+              <a:latin typeface="Tenorite"/>
+              <a:ea typeface="+mn-ea"/>
+              <a:cs typeface="+mn-cs"/>
+            </a:endParaRPr>
+          </a:p>
+          <a:p>
+            <a:pPr lvl="0">
+              <a:defRPr/>
+            </a:pPr>
+            <a:endParaRPr kumimoji="0" lang="de-DE" sz="2000" b="0" i="0" u="none" strike="noStrike" kern="1200" cap="none" spc="0" normalizeH="0" baseline="0" noProof="0" dirty="0">
+              <a:ln>
+                <a:noFill/>
+              </a:ln>
+              <a:solidFill>
+                <a:prstClr val="black"/>
+              </a:solidFill>
+              <a:effectLst/>
+              <a:uLnTx/>
+              <a:uFillTx/>
+              <a:latin typeface="Tenorite"/>
+              <a:ea typeface="+mn-ea"/>
+              <a:cs typeface="+mn-cs"/>
+            </a:endParaRPr>
+          </a:p>
+        </p:txBody>
+      </p:sp>
+    </p:spTree>
+    <p:extLst>
+      <p:ext uri="{BB962C8B-B14F-4D97-AF65-F5344CB8AC3E}">
+        <p14:creationId xmlns:p14="http://schemas.microsoft.com/office/powerpoint/2010/main" val="975249408"/>
       </p:ext>
     </p:extLst>
   </p:cSld>
@@ -21526,12 +22412,12 @@
         <p:spPr>
           <a:xfrm>
             <a:off x="4675182" y="1610641"/>
-            <a:ext cx="5433204" cy="365125"/>
+            <a:ext cx="5433204" cy="4239553"/>
           </a:xfrm>
         </p:spPr>
         <p:txBody>
           <a:bodyPr vert="horz" lIns="91440" tIns="45720" rIns="91440" bIns="45720" rtlCol="0" anchor="t">
-            <a:normAutofit lnSpcReduction="10000"/>
+            <a:normAutofit/>
           </a:bodyPr>
           <a:lstStyle/>
           <a:p>
@@ -21546,6 +22432,54 @@
             <a:pPr rtl="0"/>
             <a:endParaRPr lang="de-DE" dirty="0"/>
           </a:p>
+          <a:p>
+            <a:pPr rtl="0"/>
+            <a:r>
+              <a:rPr lang="de-DE" dirty="0"/>
+              <a:t>RAID – Level</a:t>
+            </a:r>
+          </a:p>
+          <a:p>
+            <a:pPr rtl="0"/>
+            <a:endParaRPr lang="de-DE" dirty="0"/>
+          </a:p>
+          <a:p>
+            <a:pPr rtl="0"/>
+            <a:r>
+              <a:rPr lang="de-DE" dirty="0"/>
+              <a:t>Funktionsweise von RAID Systemen</a:t>
+            </a:r>
+          </a:p>
+          <a:p>
+            <a:pPr rtl="0"/>
+            <a:endParaRPr lang="de-DE" dirty="0"/>
+          </a:p>
+          <a:p>
+            <a:pPr rtl="0"/>
+            <a:r>
+              <a:rPr lang="de-DE" dirty="0"/>
+              <a:t>Hardware </a:t>
+            </a:r>
+            <a:r>
+              <a:rPr lang="de-DE" dirty="0" err="1"/>
+              <a:t>vs</a:t>
+            </a:r>
+            <a:r>
+              <a:rPr lang="de-DE" dirty="0"/>
+              <a:t> Software RAID</a:t>
+            </a:r>
+          </a:p>
+          <a:p>
+            <a:pPr rtl="0"/>
+            <a:endParaRPr lang="de-DE" dirty="0"/>
+          </a:p>
+          <a:p>
+            <a:pPr rtl="0"/>
+            <a:r>
+              <a:rPr lang="de-DE" dirty="0"/>
+              <a:t>Einfluss von RAID auf Systemleistung und Datensicherheit</a:t>
+            </a:r>
+          </a:p>
         </p:txBody>
       </p:sp>
       <p:sp>
@@ -21646,310 +22580,6 @@
             <a:r>
               <a:rPr lang="de-DE" dirty="0"/>
               <a:t>1</a:t>
-            </a:r>
-          </a:p>
-        </p:txBody>
-      </p:sp>
-      <p:sp>
-        <p:nvSpPr>
-          <p:cNvPr id="28" name="Inhaltsplatzhalter 2">
-            <a:extLst>
-              <a:ext uri="{FF2B5EF4-FFF2-40B4-BE49-F238E27FC236}">
-                <a16:creationId xmlns:a16="http://schemas.microsoft.com/office/drawing/2014/main" id="{32255E1E-230D-C0EC-C453-271E0F50BF5F}"/>
-              </a:ext>
-            </a:extLst>
-          </p:cNvPr>
-          <p:cNvSpPr txBox="1">
-            <a:spLocks/>
-          </p:cNvSpPr>
-          <p:nvPr/>
-        </p:nvSpPr>
-        <p:spPr>
-          <a:xfrm>
-            <a:off x="4663383" y="2246050"/>
-            <a:ext cx="5433204" cy="365125"/>
-          </a:xfrm>
-          <a:prstGeom prst="rect">
-            <a:avLst/>
-          </a:prstGeom>
-        </p:spPr>
-        <p:txBody>
-          <a:bodyPr vert="horz" lIns="91440" tIns="45720" rIns="91440" bIns="45720" rtlCol="0" anchor="t">
-            <a:normAutofit lnSpcReduction="10000"/>
-          </a:bodyPr>
-          <a:lstStyle>
-            <a:lvl1pPr marL="0" indent="0" algn="l" defTabSz="914400" rtl="0" eaLnBrk="1" latinLnBrk="0" hangingPunct="1">
-              <a:lnSpc>
-                <a:spcPct val="90000"/>
-              </a:lnSpc>
-              <a:spcBef>
-                <a:spcPts val="1000"/>
-              </a:spcBef>
-              <a:buFont typeface="Arial" panose="020B0604020202020204" pitchFamily="34" charset="0"/>
-              <a:buNone/>
-              <a:defRPr lang="en-US" sz="2000" kern="1200" spc="150" baseline="0" dirty="0">
-                <a:solidFill>
-                  <a:schemeClr val="tx1"/>
-                </a:solidFill>
-                <a:latin typeface="+mj-lt"/>
-                <a:ea typeface="+mj-ea"/>
-                <a:cs typeface="+mj-cs"/>
-              </a:defRPr>
-            </a:lvl1pPr>
-            <a:lvl2pPr marL="685800" indent="-228600" algn="l" defTabSz="914400" rtl="0" eaLnBrk="1" latinLnBrk="0" hangingPunct="1">
-              <a:lnSpc>
-                <a:spcPct val="90000"/>
-              </a:lnSpc>
-              <a:spcBef>
-                <a:spcPts val="500"/>
-              </a:spcBef>
-              <a:buFont typeface="Arial" panose="020B0604020202020204" pitchFamily="34" charset="0"/>
-              <a:buChar char="•"/>
-              <a:defRPr sz="2400" kern="1200">
-                <a:solidFill>
-                  <a:schemeClr val="tx1"/>
-                </a:solidFill>
-                <a:latin typeface="+mn-lt"/>
-                <a:ea typeface="+mn-ea"/>
-                <a:cs typeface="+mn-cs"/>
-              </a:defRPr>
-            </a:lvl2pPr>
-            <a:lvl3pPr marL="1143000" indent="-228600" algn="l" defTabSz="914400" rtl="0" eaLnBrk="1" latinLnBrk="0" hangingPunct="1">
-              <a:lnSpc>
-                <a:spcPct val="90000"/>
-              </a:lnSpc>
-              <a:spcBef>
-                <a:spcPts val="500"/>
-              </a:spcBef>
-              <a:buFont typeface="Arial" panose="020B0604020202020204" pitchFamily="34" charset="0"/>
-              <a:buChar char="•"/>
-              <a:defRPr sz="2000" kern="1200">
-                <a:solidFill>
-                  <a:schemeClr val="tx1"/>
-                </a:solidFill>
-                <a:latin typeface="+mn-lt"/>
-                <a:ea typeface="+mn-ea"/>
-                <a:cs typeface="+mn-cs"/>
-              </a:defRPr>
-            </a:lvl3pPr>
-            <a:lvl4pPr marL="1600200" indent="-228600" algn="l" defTabSz="914400" rtl="0" eaLnBrk="1" latinLnBrk="0" hangingPunct="1">
-              <a:lnSpc>
-                <a:spcPct val="90000"/>
-              </a:lnSpc>
-              <a:spcBef>
-                <a:spcPts val="500"/>
-              </a:spcBef>
-              <a:buFont typeface="Arial" panose="020B0604020202020204" pitchFamily="34" charset="0"/>
-              <a:buChar char="•"/>
-              <a:defRPr sz="1800" kern="1200">
-                <a:solidFill>
-                  <a:schemeClr val="tx1"/>
-                </a:solidFill>
-                <a:latin typeface="+mn-lt"/>
-                <a:ea typeface="+mn-ea"/>
-                <a:cs typeface="+mn-cs"/>
-              </a:defRPr>
-            </a:lvl4pPr>
-            <a:lvl5pPr marL="2057400" indent="-228600" algn="l" defTabSz="914400" rtl="0" eaLnBrk="1" latinLnBrk="0" hangingPunct="1">
-              <a:lnSpc>
-                <a:spcPct val="90000"/>
-              </a:lnSpc>
-              <a:spcBef>
-                <a:spcPts val="500"/>
-              </a:spcBef>
-              <a:buFont typeface="Arial" panose="020B0604020202020204" pitchFamily="34" charset="0"/>
-              <a:buChar char="•"/>
-              <a:defRPr sz="1800" kern="1200">
-                <a:solidFill>
-                  <a:schemeClr val="tx1"/>
-                </a:solidFill>
-                <a:latin typeface="+mn-lt"/>
-                <a:ea typeface="+mn-ea"/>
-                <a:cs typeface="+mn-cs"/>
-              </a:defRPr>
-            </a:lvl5pPr>
-            <a:lvl6pPr marL="2514600" indent="-228600" algn="l" defTabSz="914400" rtl="0" eaLnBrk="1" latinLnBrk="0" hangingPunct="1">
-              <a:lnSpc>
-                <a:spcPct val="90000"/>
-              </a:lnSpc>
-              <a:spcBef>
-                <a:spcPts val="500"/>
-              </a:spcBef>
-              <a:buFont typeface="Arial" panose="020B0604020202020204" pitchFamily="34" charset="0"/>
-              <a:buChar char="•"/>
-              <a:defRPr sz="1800" kern="1200">
-                <a:solidFill>
-                  <a:schemeClr val="tx1"/>
-                </a:solidFill>
-                <a:latin typeface="+mn-lt"/>
-                <a:ea typeface="+mn-ea"/>
-                <a:cs typeface="+mn-cs"/>
-              </a:defRPr>
-            </a:lvl6pPr>
-            <a:lvl7pPr marL="2971800" indent="-228600" algn="l" defTabSz="914400" rtl="0" eaLnBrk="1" latinLnBrk="0" hangingPunct="1">
-              <a:lnSpc>
-                <a:spcPct val="90000"/>
-              </a:lnSpc>
-              <a:spcBef>
-                <a:spcPts val="500"/>
-              </a:spcBef>
-              <a:buFont typeface="Arial" panose="020B0604020202020204" pitchFamily="34" charset="0"/>
-              <a:buChar char="•"/>
-              <a:defRPr sz="1800" kern="1200">
-                <a:solidFill>
-                  <a:schemeClr val="tx1"/>
-                </a:solidFill>
-                <a:latin typeface="+mn-lt"/>
-                <a:ea typeface="+mn-ea"/>
-                <a:cs typeface="+mn-cs"/>
-              </a:defRPr>
-            </a:lvl7pPr>
-            <a:lvl8pPr marL="3429000" indent="-228600" algn="l" defTabSz="914400" rtl="0" eaLnBrk="1" latinLnBrk="0" hangingPunct="1">
-              <a:lnSpc>
-                <a:spcPct val="90000"/>
-              </a:lnSpc>
-              <a:spcBef>
-                <a:spcPts val="500"/>
-              </a:spcBef>
-              <a:buFont typeface="Arial" panose="020B0604020202020204" pitchFamily="34" charset="0"/>
-              <a:buChar char="•"/>
-              <a:defRPr sz="1800" kern="1200">
-                <a:solidFill>
-                  <a:schemeClr val="tx1"/>
-                </a:solidFill>
-                <a:latin typeface="+mn-lt"/>
-                <a:ea typeface="+mn-ea"/>
-                <a:cs typeface="+mn-cs"/>
-              </a:defRPr>
-            </a:lvl8pPr>
-            <a:lvl9pPr marL="3886200" indent="-228600" algn="l" defTabSz="914400" rtl="0" eaLnBrk="1" latinLnBrk="0" hangingPunct="1">
-              <a:lnSpc>
-                <a:spcPct val="90000"/>
-              </a:lnSpc>
-              <a:spcBef>
-                <a:spcPts val="500"/>
-              </a:spcBef>
-              <a:buFont typeface="Arial" panose="020B0604020202020204" pitchFamily="34" charset="0"/>
-              <a:buChar char="•"/>
-              <a:defRPr sz="1800" kern="1200">
-                <a:solidFill>
-                  <a:schemeClr val="tx1"/>
-                </a:solidFill>
-                <a:latin typeface="+mn-lt"/>
-                <a:ea typeface="+mn-ea"/>
-                <a:cs typeface="+mn-cs"/>
-              </a:defRPr>
-            </a:lvl9pPr>
-          </a:lstStyle>
-          <a:p>
-            <a:r>
-              <a:rPr lang="de-DE" dirty="0"/>
-              <a:t>RAID-Level</a:t>
-            </a:r>
-          </a:p>
-        </p:txBody>
-      </p:sp>
-      <p:sp>
-        <p:nvSpPr>
-          <p:cNvPr id="33" name="TextBox 32">
-            <a:extLst>
-              <a:ext uri="{FF2B5EF4-FFF2-40B4-BE49-F238E27FC236}">
-                <a16:creationId xmlns:a16="http://schemas.microsoft.com/office/drawing/2014/main" id="{DC868F32-DC42-8CFB-32DA-EF52753409D3}"/>
-              </a:ext>
-            </a:extLst>
-          </p:cNvPr>
-          <p:cNvSpPr txBox="1"/>
-          <p:nvPr/>
-        </p:nvSpPr>
-        <p:spPr>
-          <a:xfrm>
-            <a:off x="4663383" y="2881459"/>
-            <a:ext cx="6098146" cy="400110"/>
-          </a:xfrm>
-          <a:prstGeom prst="rect">
-            <a:avLst/>
-          </a:prstGeom>
-          <a:noFill/>
-        </p:spPr>
-        <p:txBody>
-          <a:bodyPr wrap="square">
-            <a:spAutoFit/>
-          </a:bodyPr>
-          <a:lstStyle/>
-          <a:p>
-            <a:r>
-              <a:rPr lang="de-DE" sz="2000" dirty="0"/>
-              <a:t>Technische Aspekte</a:t>
-            </a:r>
-          </a:p>
-        </p:txBody>
-      </p:sp>
-      <p:sp>
-        <p:nvSpPr>
-          <p:cNvPr id="35" name="TextBox 34">
-            <a:extLst>
-              <a:ext uri="{FF2B5EF4-FFF2-40B4-BE49-F238E27FC236}">
-                <a16:creationId xmlns:a16="http://schemas.microsoft.com/office/drawing/2014/main" id="{BD9505EA-1410-E391-14C3-5F6A14BBF84F}"/>
-              </a:ext>
-            </a:extLst>
-          </p:cNvPr>
-          <p:cNvSpPr txBox="1"/>
-          <p:nvPr/>
-        </p:nvSpPr>
-        <p:spPr>
-          <a:xfrm>
-            <a:off x="4675182" y="3551853"/>
-            <a:ext cx="6098146" cy="400110"/>
-          </a:xfrm>
-          <a:prstGeom prst="rect">
-            <a:avLst/>
-          </a:prstGeom>
-          <a:noFill/>
-        </p:spPr>
-        <p:txBody>
-          <a:bodyPr wrap="square">
-            <a:spAutoFit/>
-          </a:bodyPr>
-          <a:lstStyle/>
-          <a:p>
-            <a:r>
-              <a:rPr lang="de-DE" sz="2000" dirty="0"/>
-              <a:t>Zukünftige Trends</a:t>
-            </a:r>
-          </a:p>
-        </p:txBody>
-      </p:sp>
-      <p:sp>
-        <p:nvSpPr>
-          <p:cNvPr id="37" name="TextBox 36">
-            <a:extLst>
-              <a:ext uri="{FF2B5EF4-FFF2-40B4-BE49-F238E27FC236}">
-                <a16:creationId xmlns:a16="http://schemas.microsoft.com/office/drawing/2014/main" id="{67F18ED6-AEE1-827E-CAD7-2D355542CB0D}"/>
-              </a:ext>
-            </a:extLst>
-          </p:cNvPr>
-          <p:cNvSpPr txBox="1"/>
-          <p:nvPr/>
-        </p:nvSpPr>
-        <p:spPr>
-          <a:xfrm>
-            <a:off x="4675182" y="4222248"/>
-            <a:ext cx="6098146" cy="400110"/>
-          </a:xfrm>
-          <a:prstGeom prst="rect">
-            <a:avLst/>
-          </a:prstGeom>
-          <a:noFill/>
-        </p:spPr>
-        <p:txBody>
-          <a:bodyPr wrap="square">
-            <a:spAutoFit/>
-          </a:bodyPr>
-          <a:lstStyle/>
-          <a:p>
-            <a:r>
-              <a:rPr lang="de-DE" sz="2000" dirty="0"/>
-              <a:t>Fazit</a:t>
             </a:r>
           </a:p>
         </p:txBody>
@@ -21974,6 +22604,9 @@
           <a:prstGeom prst="rightArrow">
             <a:avLst/>
           </a:prstGeom>
+          <a:solidFill>
+            <a:schemeClr val="accent2"/>
+          </a:solidFill>
         </p:spPr>
         <p:style>
           <a:lnRef idx="2">
@@ -22000,10 +22633,237 @@
           </a:p>
         </p:txBody>
       </p:sp>
+      <p:sp>
+        <p:nvSpPr>
+          <p:cNvPr id="11" name="Titel 1">
+            <a:extLst>
+              <a:ext uri="{FF2B5EF4-FFF2-40B4-BE49-F238E27FC236}">
+                <a16:creationId xmlns:a16="http://schemas.microsoft.com/office/drawing/2014/main" id="{BCBBE72B-1CD7-4827-95DC-F77D27D4663C}"/>
+              </a:ext>
+            </a:extLst>
+          </p:cNvPr>
+          <p:cNvSpPr txBox="1">
+            <a:spLocks/>
+          </p:cNvSpPr>
+          <p:nvPr/>
+        </p:nvSpPr>
+        <p:spPr>
+          <a:xfrm>
+            <a:off x="4663383" y="136525"/>
+            <a:ext cx="5211184" cy="1122202"/>
+          </a:xfrm>
+          <a:prstGeom prst="rect">
+            <a:avLst/>
+          </a:prstGeom>
+        </p:spPr>
+        <p:txBody>
+          <a:bodyPr vert="horz" lIns="91440" tIns="45720" rIns="91440" bIns="45720" rtlCol="0" anchor="b">
+            <a:normAutofit/>
+          </a:bodyPr>
+          <a:lstStyle>
+            <a:lvl1pPr algn="l" defTabSz="914400" rtl="0" eaLnBrk="1" latinLnBrk="0" hangingPunct="1">
+              <a:lnSpc>
+                <a:spcPct val="90000"/>
+              </a:lnSpc>
+              <a:spcBef>
+                <a:spcPct val="0"/>
+              </a:spcBef>
+              <a:buNone/>
+              <a:defRPr lang="en-US" sz="2800" kern="1200" cap="all" spc="150" baseline="0" dirty="0">
+                <a:solidFill>
+                  <a:schemeClr val="tx1"/>
+                </a:solidFill>
+                <a:latin typeface="+mj-lt"/>
+                <a:ea typeface="+mj-ea"/>
+                <a:cs typeface="+mj-cs"/>
+              </a:defRPr>
+            </a:lvl1pPr>
+          </a:lstStyle>
+          <a:p>
+            <a:r>
+              <a:rPr lang="de-DE" sz="3200" dirty="0"/>
+              <a:t>Agenda</a:t>
+            </a:r>
+          </a:p>
+        </p:txBody>
+      </p:sp>
     </p:spTree>
     <p:extLst>
       <p:ext uri="{BB962C8B-B14F-4D97-AF65-F5344CB8AC3E}">
         <p14:creationId xmlns:p14="http://schemas.microsoft.com/office/powerpoint/2010/main" val="1844941827"/>
+      </p:ext>
+    </p:extLst>
+  </p:cSld>
+  <p:clrMapOvr>
+    <a:masterClrMapping/>
+  </p:clrMapOvr>
+</p:sld>
+</file>
+
+<file path=ppt/slides/slide20.xml><?xml version="1.0" encoding="utf-8"?>
+<p:sld xmlns:a="http://schemas.openxmlformats.org/drawingml/2006/main" xmlns:r="http://schemas.openxmlformats.org/officeDocument/2006/relationships" xmlns:p="http://schemas.openxmlformats.org/presentationml/2006/main">
+  <p:cSld>
+    <p:spTree>
+      <p:nvGrpSpPr>
+        <p:cNvPr id="1" name=""/>
+        <p:cNvGrpSpPr/>
+        <p:nvPr/>
+      </p:nvGrpSpPr>
+      <p:grpSpPr>
+        <a:xfrm>
+          <a:off x="0" y="0"/>
+          <a:ext cx="0" cy="0"/>
+          <a:chOff x="0" y="0"/>
+          <a:chExt cx="0" cy="0"/>
+        </a:xfrm>
+      </p:grpSpPr>
+      <p:sp>
+        <p:nvSpPr>
+          <p:cNvPr id="2" name="Titel 1">
+            <a:extLst>
+              <a:ext uri="{FF2B5EF4-FFF2-40B4-BE49-F238E27FC236}">
+                <a16:creationId xmlns:a16="http://schemas.microsoft.com/office/drawing/2014/main" id="{39605AF1-623C-4E09-AB5D-8DD0571489F6}"/>
+              </a:ext>
+            </a:extLst>
+          </p:cNvPr>
+          <p:cNvSpPr>
+            <a:spLocks noGrp="1"/>
+          </p:cNvSpPr>
+          <p:nvPr>
+            <p:ph type="title"/>
+          </p:nvPr>
+        </p:nvSpPr>
+        <p:spPr>
+          <a:xfrm>
+            <a:off x="5309419" y="3215149"/>
+            <a:ext cx="6597446" cy="766916"/>
+          </a:xfrm>
+        </p:spPr>
+        <p:txBody>
+          <a:bodyPr rtlCol="0">
+            <a:normAutofit/>
+          </a:bodyPr>
+          <a:lstStyle/>
+          <a:p>
+            <a:pPr rtl="0"/>
+            <a:r>
+              <a:rPr lang="de-DE" dirty="0"/>
+              <a:t>Danke für ihre </a:t>
+            </a:r>
+            <a:r>
+              <a:rPr lang="de-DE" sz="3200" dirty="0"/>
+              <a:t>Aufmerksamkeit</a:t>
+            </a:r>
+            <a:endParaRPr lang="de-DE" dirty="0"/>
+          </a:p>
+        </p:txBody>
+      </p:sp>
+      <p:sp>
+        <p:nvSpPr>
+          <p:cNvPr id="4" name="Datumsplatzhalter 3">
+            <a:extLst>
+              <a:ext uri="{FF2B5EF4-FFF2-40B4-BE49-F238E27FC236}">
+                <a16:creationId xmlns:a16="http://schemas.microsoft.com/office/drawing/2014/main" id="{7FDC0E0A-2715-4BF9-8659-0ED8629BA242}"/>
+              </a:ext>
+            </a:extLst>
+          </p:cNvPr>
+          <p:cNvSpPr>
+            <a:spLocks noGrp="1"/>
+          </p:cNvSpPr>
+          <p:nvPr>
+            <p:ph type="dt" sz="half" idx="10"/>
+          </p:nvPr>
+        </p:nvSpPr>
+        <p:spPr>
+          <a:xfrm>
+            <a:off x="838200" y="6356350"/>
+            <a:ext cx="2743200" cy="365125"/>
+          </a:xfrm>
+        </p:spPr>
+        <p:txBody>
+          <a:bodyPr rtlCol="0"/>
+          <a:lstStyle/>
+          <a:p>
+            <a:pPr rtl="0"/>
+            <a:r>
+              <a:rPr lang="de-DE"/>
+              <a:t>20XX</a:t>
+            </a:r>
+          </a:p>
+        </p:txBody>
+      </p:sp>
+      <p:sp>
+        <p:nvSpPr>
+          <p:cNvPr id="5" name="Fußzeilenplatzhalter 4">
+            <a:extLst>
+              <a:ext uri="{FF2B5EF4-FFF2-40B4-BE49-F238E27FC236}">
+                <a16:creationId xmlns:a16="http://schemas.microsoft.com/office/drawing/2014/main" id="{20E75224-81EB-4CDA-BBBE-44B4B2F3C039}"/>
+              </a:ext>
+            </a:extLst>
+          </p:cNvPr>
+          <p:cNvSpPr>
+            <a:spLocks noGrp="1"/>
+          </p:cNvSpPr>
+          <p:nvPr>
+            <p:ph type="ftr" sz="quarter" idx="11"/>
+          </p:nvPr>
+        </p:nvSpPr>
+        <p:spPr>
+          <a:xfrm>
+            <a:off x="4038600" y="6356350"/>
+            <a:ext cx="4114800" cy="365125"/>
+          </a:xfrm>
+        </p:spPr>
+        <p:txBody>
+          <a:bodyPr rtlCol="0"/>
+          <a:lstStyle/>
+          <a:p>
+            <a:pPr rtl="0"/>
+            <a:r>
+              <a:rPr lang="de-DE"/>
+              <a:t>Verkaufspräsentation</a:t>
+            </a:r>
+          </a:p>
+        </p:txBody>
+      </p:sp>
+      <p:sp>
+        <p:nvSpPr>
+          <p:cNvPr id="6" name="Foliennummernplatzhalter 5">
+            <a:extLst>
+              <a:ext uri="{FF2B5EF4-FFF2-40B4-BE49-F238E27FC236}">
+                <a16:creationId xmlns:a16="http://schemas.microsoft.com/office/drawing/2014/main" id="{BA32F697-D1D4-4B0A-B960-D1869BF8607A}"/>
+              </a:ext>
+            </a:extLst>
+          </p:cNvPr>
+          <p:cNvSpPr>
+            <a:spLocks noGrp="1"/>
+          </p:cNvSpPr>
+          <p:nvPr>
+            <p:ph type="sldNum" sz="quarter" idx="12"/>
+          </p:nvPr>
+        </p:nvSpPr>
+        <p:spPr>
+          <a:xfrm>
+            <a:off x="8610600" y="6356350"/>
+            <a:ext cx="2743200" cy="365125"/>
+          </a:xfrm>
+        </p:spPr>
+        <p:txBody>
+          <a:bodyPr rtlCol="0"/>
+          <a:lstStyle/>
+          <a:p>
+            <a:pPr rtl="0"/>
+            <a:r>
+              <a:rPr lang="de-DE" dirty="0"/>
+              <a:t>19</a:t>
+            </a:r>
+          </a:p>
+        </p:txBody>
+      </p:sp>
+    </p:spTree>
+    <p:extLst>
+      <p:ext uri="{BB962C8B-B14F-4D97-AF65-F5344CB8AC3E}">
+        <p14:creationId xmlns:p14="http://schemas.microsoft.com/office/powerpoint/2010/main" val="1472106130"/>
       </p:ext>
     </p:extLst>
   </p:cSld>
@@ -24219,12 +25079,12 @@
         <p:spPr>
           <a:xfrm>
             <a:off x="4675182" y="1610641"/>
-            <a:ext cx="5433204" cy="365125"/>
+            <a:ext cx="5433204" cy="4239553"/>
           </a:xfrm>
         </p:spPr>
         <p:txBody>
           <a:bodyPr vert="horz" lIns="91440" tIns="45720" rIns="91440" bIns="45720" rtlCol="0" anchor="t">
-            <a:normAutofit lnSpcReduction="10000"/>
+            <a:normAutofit/>
           </a:bodyPr>
           <a:lstStyle/>
           <a:p>
@@ -24239,6 +25099,54 @@
             <a:pPr rtl="0"/>
             <a:endParaRPr lang="de-DE" dirty="0"/>
           </a:p>
+          <a:p>
+            <a:pPr rtl="0"/>
+            <a:r>
+              <a:rPr lang="de-DE" dirty="0"/>
+              <a:t>RAID – Level</a:t>
+            </a:r>
+          </a:p>
+          <a:p>
+            <a:pPr rtl="0"/>
+            <a:endParaRPr lang="de-DE" dirty="0"/>
+          </a:p>
+          <a:p>
+            <a:pPr rtl="0"/>
+            <a:r>
+              <a:rPr lang="de-DE" dirty="0"/>
+              <a:t>Funktionsweise von RAID Systemen</a:t>
+            </a:r>
+          </a:p>
+          <a:p>
+            <a:pPr rtl="0"/>
+            <a:endParaRPr lang="de-DE" dirty="0"/>
+          </a:p>
+          <a:p>
+            <a:pPr rtl="0"/>
+            <a:r>
+              <a:rPr lang="de-DE" dirty="0"/>
+              <a:t>Hardware </a:t>
+            </a:r>
+            <a:r>
+              <a:rPr lang="de-DE" dirty="0" err="1"/>
+              <a:t>vs</a:t>
+            </a:r>
+            <a:r>
+              <a:rPr lang="de-DE" dirty="0"/>
+              <a:t> Software RAID</a:t>
+            </a:r>
+          </a:p>
+          <a:p>
+            <a:pPr rtl="0"/>
+            <a:endParaRPr lang="de-DE" dirty="0"/>
+          </a:p>
+          <a:p>
+            <a:pPr rtl="0"/>
+            <a:r>
+              <a:rPr lang="de-DE" dirty="0"/>
+              <a:t>Einfluss von RAID auf Systemleistung und Datensicherheit</a:t>
+            </a:r>
+          </a:p>
         </p:txBody>
       </p:sp>
       <p:sp>
@@ -24267,40 +25175,9 @@
           <a:bodyPr rtlCol="0"/>
           <a:lstStyle/>
           <a:p>
-            <a:pPr marL="0" marR="0" lvl="0" indent="0" algn="l" defTabSz="914400" rtl="0" eaLnBrk="1" fontAlgn="auto" latinLnBrk="0" hangingPunct="1">
-              <a:lnSpc>
-                <a:spcPct val="100000"/>
-              </a:lnSpc>
-              <a:spcBef>
-                <a:spcPts val="0"/>
-              </a:spcBef>
-              <a:spcAft>
-                <a:spcPts val="0"/>
-              </a:spcAft>
-              <a:buClrTx/>
-              <a:buSzTx/>
-              <a:buFontTx/>
-              <a:buNone/>
-              <a:tabLst/>
-              <a:defRPr/>
-            </a:pPr>
-            <a:r>
-              <a:rPr kumimoji="0" lang="de-DE" sz="900" b="0" i="0" u="none" strike="noStrike" kern="1200" cap="none" spc="0" normalizeH="0" baseline="0" noProof="0" dirty="0">
-                <a:ln>
-                  <a:noFill/>
-                </a:ln>
-                <a:solidFill>
-                  <a:prstClr val="black">
-                    <a:tint val="75000"/>
-                  </a:prstClr>
-                </a:solidFill>
-                <a:effectLst/>
-                <a:uLnTx/>
-                <a:uFillTx/>
-                <a:latin typeface="Tenorite"/>
-                <a:ea typeface="+mn-ea"/>
-                <a:cs typeface="+mn-cs"/>
-              </a:rPr>
+            <a:pPr rtl="0"/>
+            <a:r>
+              <a:rPr lang="de-DE" dirty="0"/>
               <a:t>2023</a:t>
             </a:r>
           </a:p>
@@ -24332,40 +25209,9 @@
           <a:bodyPr rtlCol="0"/>
           <a:lstStyle/>
           <a:p>
-            <a:pPr marL="0" marR="0" lvl="0" indent="0" algn="ctr" defTabSz="914400" rtl="0" eaLnBrk="1" fontAlgn="auto" latinLnBrk="0" hangingPunct="1">
-              <a:lnSpc>
-                <a:spcPct val="100000"/>
-              </a:lnSpc>
-              <a:spcBef>
-                <a:spcPts val="0"/>
-              </a:spcBef>
-              <a:spcAft>
-                <a:spcPts val="0"/>
-              </a:spcAft>
-              <a:buClrTx/>
-              <a:buSzTx/>
-              <a:buFontTx/>
-              <a:buNone/>
-              <a:tabLst/>
-              <a:defRPr/>
-            </a:pPr>
-            <a:r>
-              <a:rPr kumimoji="0" lang="de-DE" sz="900" b="0" i="0" u="none" strike="noStrike" kern="1200" cap="none" spc="0" normalizeH="0" baseline="0" noProof="0" dirty="0">
-                <a:ln>
-                  <a:noFill/>
-                </a:ln>
-                <a:solidFill>
-                  <a:prstClr val="black">
-                    <a:tint val="75000"/>
-                  </a:prstClr>
-                </a:solidFill>
-                <a:effectLst/>
-                <a:uLnTx/>
-                <a:uFillTx/>
-                <a:latin typeface="Tenorite"/>
-                <a:ea typeface="+mn-ea"/>
-                <a:cs typeface="+mn-cs"/>
-              </a:rPr>
+            <a:pPr rtl="0"/>
+            <a:r>
+              <a:rPr lang="de-DE" dirty="0"/>
               <a:t>RAID</a:t>
             </a:r>
           </a:p>
@@ -24397,465 +25243,10 @@
           <a:bodyPr rtlCol="0"/>
           <a:lstStyle/>
           <a:p>
-            <a:pPr marL="0" marR="0" lvl="0" indent="0" algn="r" defTabSz="914400" rtl="0" eaLnBrk="1" fontAlgn="auto" latinLnBrk="0" hangingPunct="1">
-              <a:lnSpc>
-                <a:spcPct val="100000"/>
-              </a:lnSpc>
-              <a:spcBef>
-                <a:spcPts val="0"/>
-              </a:spcBef>
-              <a:spcAft>
-                <a:spcPts val="0"/>
-              </a:spcAft>
-              <a:buClrTx/>
-              <a:buSzTx/>
-              <a:buFontTx/>
-              <a:buNone/>
-              <a:tabLst/>
-              <a:defRPr/>
-            </a:pPr>
-            <a:r>
-              <a:rPr kumimoji="0" lang="de-DE" sz="900" b="0" i="0" u="none" strike="noStrike" kern="1200" cap="none" spc="0" normalizeH="0" baseline="0" noProof="0" dirty="0">
-                <a:ln>
-                  <a:noFill/>
-                </a:ln>
-                <a:solidFill>
-                  <a:prstClr val="black">
-                    <a:tint val="75000"/>
-                  </a:prstClr>
-                </a:solidFill>
-                <a:effectLst/>
-                <a:uLnTx/>
-                <a:uFillTx/>
-                <a:latin typeface="Tenorite"/>
-                <a:ea typeface="+mn-ea"/>
-                <a:cs typeface="+mn-cs"/>
-              </a:rPr>
-              <a:t>1</a:t>
-            </a:r>
-          </a:p>
-        </p:txBody>
-      </p:sp>
-      <p:sp>
-        <p:nvSpPr>
-          <p:cNvPr id="28" name="Inhaltsplatzhalter 2">
-            <a:extLst>
-              <a:ext uri="{FF2B5EF4-FFF2-40B4-BE49-F238E27FC236}">
-                <a16:creationId xmlns:a16="http://schemas.microsoft.com/office/drawing/2014/main" id="{32255E1E-230D-C0EC-C453-271E0F50BF5F}"/>
-              </a:ext>
-            </a:extLst>
-          </p:cNvPr>
-          <p:cNvSpPr txBox="1">
-            <a:spLocks/>
-          </p:cNvSpPr>
-          <p:nvPr/>
-        </p:nvSpPr>
-        <p:spPr>
-          <a:xfrm>
-            <a:off x="4663383" y="2246050"/>
-            <a:ext cx="5433204" cy="365125"/>
-          </a:xfrm>
-          <a:prstGeom prst="rect">
-            <a:avLst/>
-          </a:prstGeom>
-        </p:spPr>
-        <p:txBody>
-          <a:bodyPr vert="horz" lIns="91440" tIns="45720" rIns="91440" bIns="45720" rtlCol="0" anchor="t">
-            <a:normAutofit lnSpcReduction="10000"/>
-          </a:bodyPr>
-          <a:lstStyle>
-            <a:lvl1pPr marL="0" indent="0" algn="l" defTabSz="914400" rtl="0" eaLnBrk="1" latinLnBrk="0" hangingPunct="1">
-              <a:lnSpc>
-                <a:spcPct val="90000"/>
-              </a:lnSpc>
-              <a:spcBef>
-                <a:spcPts val="1000"/>
-              </a:spcBef>
-              <a:buFont typeface="Arial" panose="020B0604020202020204" pitchFamily="34" charset="0"/>
-              <a:buNone/>
-              <a:defRPr lang="en-US" sz="2000" kern="1200" spc="150" baseline="0" dirty="0">
-                <a:solidFill>
-                  <a:schemeClr val="tx1"/>
-                </a:solidFill>
-                <a:latin typeface="+mj-lt"/>
-                <a:ea typeface="+mj-ea"/>
-                <a:cs typeface="+mj-cs"/>
-              </a:defRPr>
-            </a:lvl1pPr>
-            <a:lvl2pPr marL="685800" indent="-228600" algn="l" defTabSz="914400" rtl="0" eaLnBrk="1" latinLnBrk="0" hangingPunct="1">
-              <a:lnSpc>
-                <a:spcPct val="90000"/>
-              </a:lnSpc>
-              <a:spcBef>
-                <a:spcPts val="500"/>
-              </a:spcBef>
-              <a:buFont typeface="Arial" panose="020B0604020202020204" pitchFamily="34" charset="0"/>
-              <a:buChar char="•"/>
-              <a:defRPr sz="2400" kern="1200">
-                <a:solidFill>
-                  <a:schemeClr val="tx1"/>
-                </a:solidFill>
-                <a:latin typeface="+mn-lt"/>
-                <a:ea typeface="+mn-ea"/>
-                <a:cs typeface="+mn-cs"/>
-              </a:defRPr>
-            </a:lvl2pPr>
-            <a:lvl3pPr marL="1143000" indent="-228600" algn="l" defTabSz="914400" rtl="0" eaLnBrk="1" latinLnBrk="0" hangingPunct="1">
-              <a:lnSpc>
-                <a:spcPct val="90000"/>
-              </a:lnSpc>
-              <a:spcBef>
-                <a:spcPts val="500"/>
-              </a:spcBef>
-              <a:buFont typeface="Arial" panose="020B0604020202020204" pitchFamily="34" charset="0"/>
-              <a:buChar char="•"/>
-              <a:defRPr sz="2000" kern="1200">
-                <a:solidFill>
-                  <a:schemeClr val="tx1"/>
-                </a:solidFill>
-                <a:latin typeface="+mn-lt"/>
-                <a:ea typeface="+mn-ea"/>
-                <a:cs typeface="+mn-cs"/>
-              </a:defRPr>
-            </a:lvl3pPr>
-            <a:lvl4pPr marL="1600200" indent="-228600" algn="l" defTabSz="914400" rtl="0" eaLnBrk="1" latinLnBrk="0" hangingPunct="1">
-              <a:lnSpc>
-                <a:spcPct val="90000"/>
-              </a:lnSpc>
-              <a:spcBef>
-                <a:spcPts val="500"/>
-              </a:spcBef>
-              <a:buFont typeface="Arial" panose="020B0604020202020204" pitchFamily="34" charset="0"/>
-              <a:buChar char="•"/>
-              <a:defRPr sz="1800" kern="1200">
-                <a:solidFill>
-                  <a:schemeClr val="tx1"/>
-                </a:solidFill>
-                <a:latin typeface="+mn-lt"/>
-                <a:ea typeface="+mn-ea"/>
-                <a:cs typeface="+mn-cs"/>
-              </a:defRPr>
-            </a:lvl4pPr>
-            <a:lvl5pPr marL="2057400" indent="-228600" algn="l" defTabSz="914400" rtl="0" eaLnBrk="1" latinLnBrk="0" hangingPunct="1">
-              <a:lnSpc>
-                <a:spcPct val="90000"/>
-              </a:lnSpc>
-              <a:spcBef>
-                <a:spcPts val="500"/>
-              </a:spcBef>
-              <a:buFont typeface="Arial" panose="020B0604020202020204" pitchFamily="34" charset="0"/>
-              <a:buChar char="•"/>
-              <a:defRPr sz="1800" kern="1200">
-                <a:solidFill>
-                  <a:schemeClr val="tx1"/>
-                </a:solidFill>
-                <a:latin typeface="+mn-lt"/>
-                <a:ea typeface="+mn-ea"/>
-                <a:cs typeface="+mn-cs"/>
-              </a:defRPr>
-            </a:lvl5pPr>
-            <a:lvl6pPr marL="2514600" indent="-228600" algn="l" defTabSz="914400" rtl="0" eaLnBrk="1" latinLnBrk="0" hangingPunct="1">
-              <a:lnSpc>
-                <a:spcPct val="90000"/>
-              </a:lnSpc>
-              <a:spcBef>
-                <a:spcPts val="500"/>
-              </a:spcBef>
-              <a:buFont typeface="Arial" panose="020B0604020202020204" pitchFamily="34" charset="0"/>
-              <a:buChar char="•"/>
-              <a:defRPr sz="1800" kern="1200">
-                <a:solidFill>
-                  <a:schemeClr val="tx1"/>
-                </a:solidFill>
-                <a:latin typeface="+mn-lt"/>
-                <a:ea typeface="+mn-ea"/>
-                <a:cs typeface="+mn-cs"/>
-              </a:defRPr>
-            </a:lvl6pPr>
-            <a:lvl7pPr marL="2971800" indent="-228600" algn="l" defTabSz="914400" rtl="0" eaLnBrk="1" latinLnBrk="0" hangingPunct="1">
-              <a:lnSpc>
-                <a:spcPct val="90000"/>
-              </a:lnSpc>
-              <a:spcBef>
-                <a:spcPts val="500"/>
-              </a:spcBef>
-              <a:buFont typeface="Arial" panose="020B0604020202020204" pitchFamily="34" charset="0"/>
-              <a:buChar char="•"/>
-              <a:defRPr sz="1800" kern="1200">
-                <a:solidFill>
-                  <a:schemeClr val="tx1"/>
-                </a:solidFill>
-                <a:latin typeface="+mn-lt"/>
-                <a:ea typeface="+mn-ea"/>
-                <a:cs typeface="+mn-cs"/>
-              </a:defRPr>
-            </a:lvl7pPr>
-            <a:lvl8pPr marL="3429000" indent="-228600" algn="l" defTabSz="914400" rtl="0" eaLnBrk="1" latinLnBrk="0" hangingPunct="1">
-              <a:lnSpc>
-                <a:spcPct val="90000"/>
-              </a:lnSpc>
-              <a:spcBef>
-                <a:spcPts val="500"/>
-              </a:spcBef>
-              <a:buFont typeface="Arial" panose="020B0604020202020204" pitchFamily="34" charset="0"/>
-              <a:buChar char="•"/>
-              <a:defRPr sz="1800" kern="1200">
-                <a:solidFill>
-                  <a:schemeClr val="tx1"/>
-                </a:solidFill>
-                <a:latin typeface="+mn-lt"/>
-                <a:ea typeface="+mn-ea"/>
-                <a:cs typeface="+mn-cs"/>
-              </a:defRPr>
-            </a:lvl8pPr>
-            <a:lvl9pPr marL="3886200" indent="-228600" algn="l" defTabSz="914400" rtl="0" eaLnBrk="1" latinLnBrk="0" hangingPunct="1">
-              <a:lnSpc>
-                <a:spcPct val="90000"/>
-              </a:lnSpc>
-              <a:spcBef>
-                <a:spcPts val="500"/>
-              </a:spcBef>
-              <a:buFont typeface="Arial" panose="020B0604020202020204" pitchFamily="34" charset="0"/>
-              <a:buChar char="•"/>
-              <a:defRPr sz="1800" kern="1200">
-                <a:solidFill>
-                  <a:schemeClr val="tx1"/>
-                </a:solidFill>
-                <a:latin typeface="+mn-lt"/>
-                <a:ea typeface="+mn-ea"/>
-                <a:cs typeface="+mn-cs"/>
-              </a:defRPr>
-            </a:lvl9pPr>
-          </a:lstStyle>
-          <a:p>
-            <a:pPr marL="0" marR="0" lvl="0" indent="0" algn="l" defTabSz="914400" rtl="0" eaLnBrk="1" fontAlgn="auto" latinLnBrk="0" hangingPunct="1">
-              <a:lnSpc>
-                <a:spcPct val="90000"/>
-              </a:lnSpc>
-              <a:spcBef>
-                <a:spcPts val="1000"/>
-              </a:spcBef>
-              <a:spcAft>
-                <a:spcPts val="0"/>
-              </a:spcAft>
-              <a:buClrTx/>
-              <a:buSzTx/>
-              <a:buFont typeface="Arial" panose="020B0604020202020204" pitchFamily="34" charset="0"/>
-              <a:buNone/>
-              <a:tabLst/>
-              <a:defRPr/>
-            </a:pPr>
-            <a:r>
-              <a:rPr kumimoji="0" lang="de-DE" sz="2000" b="0" i="0" u="none" strike="noStrike" kern="1200" cap="none" spc="150" normalizeH="0" baseline="0" noProof="0" dirty="0">
-                <a:ln>
-                  <a:noFill/>
-                </a:ln>
-                <a:solidFill>
-                  <a:prstClr val="black"/>
-                </a:solidFill>
-                <a:effectLst/>
-                <a:uLnTx/>
-                <a:uFillTx/>
-                <a:latin typeface="Tenorite"/>
-                <a:ea typeface="+mj-ea"/>
-                <a:cs typeface="+mj-cs"/>
-              </a:rPr>
-              <a:t>RAID-Level</a:t>
-            </a:r>
-          </a:p>
-        </p:txBody>
-      </p:sp>
-      <p:sp>
-        <p:nvSpPr>
-          <p:cNvPr id="33" name="TextBox 32">
-            <a:extLst>
-              <a:ext uri="{FF2B5EF4-FFF2-40B4-BE49-F238E27FC236}">
-                <a16:creationId xmlns:a16="http://schemas.microsoft.com/office/drawing/2014/main" id="{DC868F32-DC42-8CFB-32DA-EF52753409D3}"/>
-              </a:ext>
-            </a:extLst>
-          </p:cNvPr>
-          <p:cNvSpPr txBox="1"/>
-          <p:nvPr/>
-        </p:nvSpPr>
-        <p:spPr>
-          <a:xfrm>
-            <a:off x="4663383" y="2881459"/>
-            <a:ext cx="6098146" cy="400110"/>
-          </a:xfrm>
-          <a:prstGeom prst="rect">
-            <a:avLst/>
-          </a:prstGeom>
-          <a:noFill/>
-        </p:spPr>
-        <p:txBody>
-          <a:bodyPr wrap="square">
-            <a:spAutoFit/>
-          </a:bodyPr>
-          <a:lstStyle/>
-          <a:p>
-            <a:pPr marL="0" marR="0" lvl="0" indent="0" algn="l" defTabSz="914400" rtl="0" eaLnBrk="1" fontAlgn="auto" latinLnBrk="0" hangingPunct="1">
-              <a:lnSpc>
-                <a:spcPct val="100000"/>
-              </a:lnSpc>
-              <a:spcBef>
-                <a:spcPts val="0"/>
-              </a:spcBef>
-              <a:spcAft>
-                <a:spcPts val="0"/>
-              </a:spcAft>
-              <a:buClrTx/>
-              <a:buSzTx/>
-              <a:buFontTx/>
-              <a:buNone/>
-              <a:tabLst/>
-              <a:defRPr/>
-            </a:pPr>
-            <a:r>
-              <a:rPr kumimoji="0" lang="de-DE" sz="2000" b="0" i="0" u="none" strike="noStrike" kern="1200" cap="none" spc="0" normalizeH="0" baseline="0" noProof="0" dirty="0">
-                <a:ln>
-                  <a:noFill/>
-                </a:ln>
-                <a:solidFill>
-                  <a:prstClr val="black"/>
-                </a:solidFill>
-                <a:effectLst/>
-                <a:uLnTx/>
-                <a:uFillTx/>
-                <a:latin typeface="Tenorite"/>
-                <a:ea typeface="+mn-ea"/>
-                <a:cs typeface="+mn-cs"/>
-              </a:rPr>
-              <a:t>Technische Aspekte</a:t>
-            </a:r>
-          </a:p>
-        </p:txBody>
-      </p:sp>
-      <p:sp>
-        <p:nvSpPr>
-          <p:cNvPr id="35" name="TextBox 34">
-            <a:extLst>
-              <a:ext uri="{FF2B5EF4-FFF2-40B4-BE49-F238E27FC236}">
-                <a16:creationId xmlns:a16="http://schemas.microsoft.com/office/drawing/2014/main" id="{BD9505EA-1410-E391-14C3-5F6A14BBF84F}"/>
-              </a:ext>
-            </a:extLst>
-          </p:cNvPr>
-          <p:cNvSpPr txBox="1"/>
-          <p:nvPr/>
-        </p:nvSpPr>
-        <p:spPr>
-          <a:xfrm>
-            <a:off x="4675182" y="3551853"/>
-            <a:ext cx="6098146" cy="400110"/>
-          </a:xfrm>
-          <a:prstGeom prst="rect">
-            <a:avLst/>
-          </a:prstGeom>
-          <a:noFill/>
-        </p:spPr>
-        <p:txBody>
-          <a:bodyPr wrap="square">
-            <a:spAutoFit/>
-          </a:bodyPr>
-          <a:lstStyle/>
-          <a:p>
-            <a:pPr marL="0" marR="0" lvl="0" indent="0" algn="l" defTabSz="914400" rtl="0" eaLnBrk="1" fontAlgn="auto" latinLnBrk="0" hangingPunct="1">
-              <a:lnSpc>
-                <a:spcPct val="100000"/>
-              </a:lnSpc>
-              <a:spcBef>
-                <a:spcPts val="0"/>
-              </a:spcBef>
-              <a:spcAft>
-                <a:spcPts val="0"/>
-              </a:spcAft>
-              <a:buClrTx/>
-              <a:buSzTx/>
-              <a:buFontTx/>
-              <a:buNone/>
-              <a:tabLst/>
-              <a:defRPr/>
-            </a:pPr>
-            <a:r>
-              <a:rPr kumimoji="0" lang="de-DE" sz="2000" b="0" i="0" u="none" strike="noStrike" kern="1200" cap="none" spc="0" normalizeH="0" baseline="0" noProof="0" dirty="0">
-                <a:ln>
-                  <a:noFill/>
-                </a:ln>
-                <a:solidFill>
-                  <a:prstClr val="black"/>
-                </a:solidFill>
-                <a:effectLst/>
-                <a:uLnTx/>
-                <a:uFillTx/>
-                <a:latin typeface="Tenorite"/>
-                <a:ea typeface="+mn-ea"/>
-                <a:cs typeface="+mn-cs"/>
-              </a:rPr>
-              <a:t>Zukünftige Trends</a:t>
-            </a:r>
-          </a:p>
-        </p:txBody>
-      </p:sp>
-      <p:sp>
-        <p:nvSpPr>
-          <p:cNvPr id="37" name="TextBox 36">
-            <a:extLst>
-              <a:ext uri="{FF2B5EF4-FFF2-40B4-BE49-F238E27FC236}">
-                <a16:creationId xmlns:a16="http://schemas.microsoft.com/office/drawing/2014/main" id="{67F18ED6-AEE1-827E-CAD7-2D355542CB0D}"/>
-              </a:ext>
-            </a:extLst>
-          </p:cNvPr>
-          <p:cNvSpPr txBox="1"/>
-          <p:nvPr/>
-        </p:nvSpPr>
-        <p:spPr>
-          <a:xfrm>
-            <a:off x="4675182" y="4222248"/>
-            <a:ext cx="6098146" cy="400110"/>
-          </a:xfrm>
-          <a:prstGeom prst="rect">
-            <a:avLst/>
-          </a:prstGeom>
-          <a:noFill/>
-        </p:spPr>
-        <p:txBody>
-          <a:bodyPr wrap="square">
-            <a:spAutoFit/>
-          </a:bodyPr>
-          <a:lstStyle/>
-          <a:p>
-            <a:pPr marL="0" marR="0" lvl="0" indent="0" algn="l" defTabSz="914400" rtl="0" eaLnBrk="1" fontAlgn="auto" latinLnBrk="0" hangingPunct="1">
-              <a:lnSpc>
-                <a:spcPct val="100000"/>
-              </a:lnSpc>
-              <a:spcBef>
-                <a:spcPts val="0"/>
-              </a:spcBef>
-              <a:spcAft>
-                <a:spcPts val="0"/>
-              </a:spcAft>
-              <a:buClrTx/>
-              <a:buSzTx/>
-              <a:buFontTx/>
-              <a:buNone/>
-              <a:tabLst/>
-              <a:defRPr/>
-            </a:pPr>
-            <a:r>
-              <a:rPr kumimoji="0" lang="de-DE" sz="2000" b="0" i="0" u="none" strike="noStrike" kern="1200" cap="none" spc="0" normalizeH="0" baseline="0" noProof="0" dirty="0">
-                <a:ln>
-                  <a:noFill/>
-                </a:ln>
-                <a:solidFill>
-                  <a:prstClr val="black"/>
-                </a:solidFill>
-                <a:effectLst/>
-                <a:uLnTx/>
-                <a:uFillTx/>
-                <a:latin typeface="Tenorite"/>
-                <a:ea typeface="+mn-ea"/>
-                <a:cs typeface="+mn-cs"/>
-              </a:rPr>
-              <a:t>Fazit</a:t>
+            <a:pPr rtl="0"/>
+            <a:r>
+              <a:rPr lang="de-DE" dirty="0"/>
+              <a:t>5</a:t>
             </a:r>
           </a:p>
         </p:txBody>
@@ -24874,12 +25265,15 @@
         </p:nvSpPr>
         <p:spPr>
           <a:xfrm>
-            <a:off x="4043025" y="2246050"/>
+            <a:off x="4043025" y="2416886"/>
             <a:ext cx="632157" cy="330139"/>
           </a:xfrm>
           <a:prstGeom prst="rightArrow">
             <a:avLst/>
           </a:prstGeom>
+          <a:solidFill>
+            <a:schemeClr val="accent2"/>
+          </a:solidFill>
         </p:spPr>
         <p:style>
           <a:lnRef idx="2">
@@ -24901,44 +25295,69 @@
           <a:bodyPr rtlCol="0" anchor="ctr"/>
           <a:lstStyle/>
           <a:p>
-            <a:pPr marL="0" marR="0" lvl="0" indent="0" algn="ctr" defTabSz="914400" rtl="0" eaLnBrk="1" fontAlgn="auto" latinLnBrk="0" hangingPunct="1">
+            <a:pPr algn="ctr"/>
+            <a:endParaRPr lang="de-DE"/>
+          </a:p>
+        </p:txBody>
+      </p:sp>
+      <p:sp>
+        <p:nvSpPr>
+          <p:cNvPr id="11" name="Titel 1">
+            <a:extLst>
+              <a:ext uri="{FF2B5EF4-FFF2-40B4-BE49-F238E27FC236}">
+                <a16:creationId xmlns:a16="http://schemas.microsoft.com/office/drawing/2014/main" id="{BCBBE72B-1CD7-4827-95DC-F77D27D4663C}"/>
+              </a:ext>
+            </a:extLst>
+          </p:cNvPr>
+          <p:cNvSpPr txBox="1">
+            <a:spLocks/>
+          </p:cNvSpPr>
+          <p:nvPr/>
+        </p:nvSpPr>
+        <p:spPr>
+          <a:xfrm>
+            <a:off x="4663383" y="136525"/>
+            <a:ext cx="5211184" cy="1122202"/>
+          </a:xfrm>
+          <a:prstGeom prst="rect">
+            <a:avLst/>
+          </a:prstGeom>
+        </p:spPr>
+        <p:txBody>
+          <a:bodyPr vert="horz" lIns="91440" tIns="45720" rIns="91440" bIns="45720" rtlCol="0" anchor="b">
+            <a:normAutofit/>
+          </a:bodyPr>
+          <a:lstStyle>
+            <a:lvl1pPr algn="l" defTabSz="914400" rtl="0" eaLnBrk="1" latinLnBrk="0" hangingPunct="1">
               <a:lnSpc>
-                <a:spcPct val="100000"/>
+                <a:spcPct val="90000"/>
               </a:lnSpc>
               <a:spcBef>
-                <a:spcPts val="0"/>
+                <a:spcPct val="0"/>
               </a:spcBef>
-              <a:spcAft>
-                <a:spcPts val="0"/>
-              </a:spcAft>
-              <a:buClrTx/>
-              <a:buSzTx/>
-              <a:buFontTx/>
-              <a:buNone/>
-              <a:tabLst/>
-              <a:defRPr/>
-            </a:pPr>
-            <a:endParaRPr kumimoji="0" lang="de-DE" sz="1800" b="0" i="0" u="none" strike="noStrike" kern="1200" cap="none" spc="0" normalizeH="0" baseline="0" noProof="0">
-              <a:ln>
-                <a:noFill/>
-              </a:ln>
-              <a:solidFill>
-                <a:prstClr val="white"/>
-              </a:solidFill>
-              <a:effectLst/>
-              <a:uLnTx/>
-              <a:uFillTx/>
-              <a:latin typeface="Tenorite"/>
-              <a:ea typeface="+mn-ea"/>
-              <a:cs typeface="+mn-cs"/>
-            </a:endParaRPr>
+              <a:buNone/>
+              <a:defRPr lang="en-US" sz="2800" kern="1200" cap="all" spc="150" baseline="0" dirty="0">
+                <a:solidFill>
+                  <a:schemeClr val="tx1"/>
+                </a:solidFill>
+                <a:latin typeface="+mj-lt"/>
+                <a:ea typeface="+mj-ea"/>
+                <a:cs typeface="+mj-cs"/>
+              </a:defRPr>
+            </a:lvl1pPr>
+          </a:lstStyle>
+          <a:p>
+            <a:r>
+              <a:rPr lang="de-DE" sz="3200" dirty="0"/>
+              <a:t>Agenda</a:t>
+            </a:r>
           </a:p>
         </p:txBody>
       </p:sp>
     </p:spTree>
     <p:extLst>
       <p:ext uri="{BB962C8B-B14F-4D97-AF65-F5344CB8AC3E}">
-        <p14:creationId xmlns:p14="http://schemas.microsoft.com/office/powerpoint/2010/main" val="3921353783"/>
+        <p14:creationId xmlns:p14="http://schemas.microsoft.com/office/powerpoint/2010/main" val="1956180076"/>
       </p:ext>
     </p:extLst>
   </p:cSld>
@@ -25168,7 +25587,7 @@
             <a:pPr rtl="0"/>
             <a:r>
               <a:rPr lang="de-DE" dirty="0"/>
-              <a:t>5</a:t>
+              <a:t>6</a:t>
             </a:r>
           </a:p>
         </p:txBody>
@@ -25473,7 +25892,7 @@
             <a:pPr rtl="0"/>
             <a:r>
               <a:rPr lang="de-DE" dirty="0"/>
-              <a:t>6</a:t>
+              <a:t>7</a:t>
             </a:r>
           </a:p>
         </p:txBody>
@@ -25799,7 +26218,7 @@
             <a:pPr rtl="0"/>
             <a:r>
               <a:rPr lang="de-DE" dirty="0"/>
-              <a:t>7</a:t>
+              <a:t>8</a:t>
             </a:r>
           </a:p>
         </p:txBody>
